--- a/CoderDojo Beginner Scratch Session.pptx
+++ b/CoderDojo Beginner Scratch Session.pptx
@@ -17,7 +17,7 @@
     <p:sldId id="266" r:id="rId8"/>
     <p:sldId id="267" r:id="rId9"/>
     <p:sldId id="261" r:id="rId10"/>
-    <p:sldId id="268" r:id="rId11"/>
+    <p:sldId id="285" r:id="rId11"/>
     <p:sldId id="264" r:id="rId12"/>
     <p:sldId id="265" r:id="rId13"/>
     <p:sldId id="269" r:id="rId14"/>
@@ -232,7 +232,7 @@
           <a:p>
             <a:fld id="{9BFDE811-7E5B-43DD-9EE2-2C600B30D8F1}" type="datetimeFigureOut">
               <a:rPr lang="en-US" smtClean="0"/>
-              <a:t>10/13/2013</a:t>
+              <a:t>10/15/2013</a:t>
             </a:fld>
             <a:endParaRPr lang="en-US"/>
           </a:p>
@@ -813,9 +813,9 @@
           <a:bodyPr/>
           <a:lstStyle/>
           <a:p>
-            <a:fld id="{7C000D62-705F-4170-85A7-2A9ED0294781}" type="datetimeFigureOut">
+            <a:fld id="{FDEBC300-F021-4D0A-8FB6-48DC5FEEA52A}" type="datetime1">
               <a:rPr lang="en-US" smtClean="0"/>
-              <a:t>10/13/2013</a:t>
+              <a:t>10/15/2013</a:t>
             </a:fld>
             <a:endParaRPr lang="en-US"/>
           </a:p>
@@ -836,6 +836,10 @@
           <a:bodyPr/>
           <a:lstStyle/>
           <a:p>
+            <a:r>
+              <a:rPr lang="en-US" smtClean="0"/>
+              <a:t>Jim Whitfield    http://tinyurl.com/scratch-beginners-1016</a:t>
+            </a:r>
             <a:endParaRPr lang="en-US"/>
           </a:p>
         </p:txBody>
@@ -1002,9 +1006,9 @@
           <a:bodyPr/>
           <a:lstStyle/>
           <a:p>
-            <a:fld id="{7C000D62-705F-4170-85A7-2A9ED0294781}" type="datetimeFigureOut">
+            <a:fld id="{216A3D7A-003D-4AAB-A427-6569C5597A7C}" type="datetime1">
               <a:rPr lang="en-US" smtClean="0"/>
-              <a:t>10/13/2013</a:t>
+              <a:t>10/15/2013</a:t>
             </a:fld>
             <a:endParaRPr lang="en-US"/>
           </a:p>
@@ -1025,6 +1029,10 @@
           <a:bodyPr/>
           <a:lstStyle/>
           <a:p>
+            <a:r>
+              <a:rPr lang="en-US" smtClean="0"/>
+              <a:t>Jim Whitfield    http://tinyurl.com/scratch-beginners-1016</a:t>
+            </a:r>
             <a:endParaRPr lang="en-US"/>
           </a:p>
         </p:txBody>
@@ -1201,9 +1209,9 @@
           <a:bodyPr/>
           <a:lstStyle/>
           <a:p>
-            <a:fld id="{7C000D62-705F-4170-85A7-2A9ED0294781}" type="datetimeFigureOut">
+            <a:fld id="{7CA634D4-AF66-473F-AC61-518200CF97F2}" type="datetime1">
               <a:rPr lang="en-US" smtClean="0"/>
-              <a:t>10/13/2013</a:t>
+              <a:t>10/15/2013</a:t>
             </a:fld>
             <a:endParaRPr lang="en-US"/>
           </a:p>
@@ -1224,6 +1232,10 @@
           <a:bodyPr/>
           <a:lstStyle/>
           <a:p>
+            <a:r>
+              <a:rPr lang="en-US" smtClean="0"/>
+              <a:t>Jim Whitfield    http://tinyurl.com/scratch-beginners-1016</a:t>
+            </a:r>
             <a:endParaRPr lang="en-US"/>
           </a:p>
         </p:txBody>
@@ -1390,9 +1402,9 @@
           <a:bodyPr/>
           <a:lstStyle/>
           <a:p>
-            <a:fld id="{7C000D62-705F-4170-85A7-2A9ED0294781}" type="datetimeFigureOut">
+            <a:fld id="{C27F523E-2D31-4A90-863E-F29737931772}" type="datetime1">
               <a:rPr lang="en-US" smtClean="0"/>
-              <a:t>10/13/2013</a:t>
+              <a:t>10/15/2013</a:t>
             </a:fld>
             <a:endParaRPr lang="en-US"/>
           </a:p>
@@ -1413,6 +1425,10 @@
           <a:bodyPr/>
           <a:lstStyle/>
           <a:p>
+            <a:r>
+              <a:rPr lang="en-US" smtClean="0"/>
+              <a:t>Jim Whitfield    http://tinyurl.com/scratch-beginners-1016</a:t>
+            </a:r>
             <a:endParaRPr lang="en-US"/>
           </a:p>
         </p:txBody>
@@ -1655,9 +1671,9 @@
           <a:bodyPr/>
           <a:lstStyle/>
           <a:p>
-            <a:fld id="{7C000D62-705F-4170-85A7-2A9ED0294781}" type="datetimeFigureOut">
+            <a:fld id="{20AC43FA-20A9-4721-B2E1-608A12AB4011}" type="datetime1">
               <a:rPr lang="en-US" smtClean="0"/>
-              <a:t>10/13/2013</a:t>
+              <a:t>10/15/2013</a:t>
             </a:fld>
             <a:endParaRPr lang="en-US"/>
           </a:p>
@@ -1678,6 +1694,10 @@
           <a:bodyPr/>
           <a:lstStyle/>
           <a:p>
+            <a:r>
+              <a:rPr lang="en-US" smtClean="0"/>
+              <a:t>Jim Whitfield    http://tinyurl.com/scratch-beginners-1016</a:t>
+            </a:r>
             <a:endParaRPr lang="en-US"/>
           </a:p>
         </p:txBody>
@@ -1906,9 +1926,9 @@
           <a:bodyPr/>
           <a:lstStyle/>
           <a:p>
-            <a:fld id="{7C000D62-705F-4170-85A7-2A9ED0294781}" type="datetimeFigureOut">
+            <a:fld id="{013F5726-8864-4727-98BA-9E6D61DA5C13}" type="datetime1">
               <a:rPr lang="en-US" smtClean="0"/>
-              <a:t>10/13/2013</a:t>
+              <a:t>10/15/2013</a:t>
             </a:fld>
             <a:endParaRPr lang="en-US"/>
           </a:p>
@@ -1929,6 +1949,10 @@
           <a:bodyPr/>
           <a:lstStyle/>
           <a:p>
+            <a:r>
+              <a:rPr lang="en-US" smtClean="0"/>
+              <a:t>Jim Whitfield    http://tinyurl.com/scratch-beginners-1016</a:t>
+            </a:r>
             <a:endParaRPr lang="en-US"/>
           </a:p>
         </p:txBody>
@@ -2292,9 +2316,9 @@
           <a:bodyPr/>
           <a:lstStyle/>
           <a:p>
-            <a:fld id="{7C000D62-705F-4170-85A7-2A9ED0294781}" type="datetimeFigureOut">
+            <a:fld id="{D6AB1B09-044F-40F6-96DD-677BAE0F873D}" type="datetime1">
               <a:rPr lang="en-US" smtClean="0"/>
-              <a:t>10/13/2013</a:t>
+              <a:t>10/15/2013</a:t>
             </a:fld>
             <a:endParaRPr lang="en-US"/>
           </a:p>
@@ -2315,6 +2339,10 @@
           <a:bodyPr/>
           <a:lstStyle/>
           <a:p>
+            <a:r>
+              <a:rPr lang="en-US" smtClean="0"/>
+              <a:t>Jim Whitfield    http://tinyurl.com/scratch-beginners-1016</a:t>
+            </a:r>
             <a:endParaRPr lang="en-US"/>
           </a:p>
         </p:txBody>
@@ -2429,9 +2457,9 @@
           <a:bodyPr/>
           <a:lstStyle/>
           <a:p>
-            <a:fld id="{7C000D62-705F-4170-85A7-2A9ED0294781}" type="datetimeFigureOut">
+            <a:fld id="{40981281-2F2B-4DDA-A12E-21D063899579}" type="datetime1">
               <a:rPr lang="en-US" smtClean="0"/>
-              <a:t>10/13/2013</a:t>
+              <a:t>10/15/2013</a:t>
             </a:fld>
             <a:endParaRPr lang="en-US"/>
           </a:p>
@@ -2452,6 +2480,10 @@
           <a:bodyPr/>
           <a:lstStyle/>
           <a:p>
+            <a:r>
+              <a:rPr lang="en-US" smtClean="0"/>
+              <a:t>Jim Whitfield    http://tinyurl.com/scratch-beginners-1016</a:t>
+            </a:r>
             <a:endParaRPr lang="en-US"/>
           </a:p>
         </p:txBody>
@@ -2543,9 +2575,9 @@
           <a:bodyPr/>
           <a:lstStyle/>
           <a:p>
-            <a:fld id="{7C000D62-705F-4170-85A7-2A9ED0294781}" type="datetimeFigureOut">
+            <a:fld id="{7AA47AAA-7728-405A-9EAA-3B36E1B3BA93}" type="datetime1">
               <a:rPr lang="en-US" smtClean="0"/>
-              <a:t>10/13/2013</a:t>
+              <a:t>10/15/2013</a:t>
             </a:fld>
             <a:endParaRPr lang="en-US"/>
           </a:p>
@@ -2566,6 +2598,10 @@
           <a:bodyPr/>
           <a:lstStyle/>
           <a:p>
+            <a:r>
+              <a:rPr lang="en-US" smtClean="0"/>
+              <a:t>Jim Whitfield    http://tinyurl.com/scratch-beginners-1016</a:t>
+            </a:r>
             <a:endParaRPr lang="en-US"/>
           </a:p>
         </p:txBody>
@@ -2839,9 +2875,9 @@
           <a:bodyPr/>
           <a:lstStyle/>
           <a:p>
-            <a:fld id="{7C000D62-705F-4170-85A7-2A9ED0294781}" type="datetimeFigureOut">
+            <a:fld id="{8BC2F7C1-A99A-48AC-83FF-F41E9137C191}" type="datetime1">
               <a:rPr lang="en-US" smtClean="0"/>
-              <a:t>10/13/2013</a:t>
+              <a:t>10/15/2013</a:t>
             </a:fld>
             <a:endParaRPr lang="en-US"/>
           </a:p>
@@ -2862,6 +2898,10 @@
           <a:bodyPr/>
           <a:lstStyle/>
           <a:p>
+            <a:r>
+              <a:rPr lang="en-US" smtClean="0"/>
+              <a:t>Jim Whitfield    http://tinyurl.com/scratch-beginners-1016</a:t>
+            </a:r>
             <a:endParaRPr lang="en-US"/>
           </a:p>
         </p:txBody>
@@ -3111,9 +3151,9 @@
           <a:bodyPr/>
           <a:lstStyle/>
           <a:p>
-            <a:fld id="{7C000D62-705F-4170-85A7-2A9ED0294781}" type="datetimeFigureOut">
+            <a:fld id="{DC38F67E-ABA3-40D0-BD6F-C13DEC7812F5}" type="datetime1">
               <a:rPr lang="en-US" smtClean="0"/>
-              <a:t>10/13/2013</a:t>
+              <a:t>10/15/2013</a:t>
             </a:fld>
             <a:endParaRPr lang="en-US"/>
           </a:p>
@@ -3134,6 +3174,10 @@
           <a:bodyPr/>
           <a:lstStyle/>
           <a:p>
+            <a:r>
+              <a:rPr lang="en-US" smtClean="0"/>
+              <a:t>Jim Whitfield    http://tinyurl.com/scratch-beginners-1016</a:t>
+            </a:r>
             <a:endParaRPr lang="en-US"/>
           </a:p>
         </p:txBody>
@@ -3206,10 +3250,10 @@
                 <a:lumOff val="78000"/>
               </a:schemeClr>
             </a:gs>
-            <a:gs pos="23000">
+            <a:gs pos="67000">
               <a:schemeClr val="accent4">
-                <a:lumMod val="20000"/>
-                <a:lumOff val="80000"/>
+                <a:lumMod val="31000"/>
+                <a:lumOff val="69000"/>
               </a:schemeClr>
             </a:gs>
             <a:gs pos="100000">
@@ -3368,9 +3412,9 @@
             </a:lvl1pPr>
           </a:lstStyle>
           <a:p>
-            <a:fld id="{7C000D62-705F-4170-85A7-2A9ED0294781}" type="datetimeFigureOut">
+            <a:fld id="{2A082A0B-2EF5-4718-B6BD-9B3F19D5562F}" type="datetime1">
               <a:rPr lang="en-US" smtClean="0"/>
-              <a:t>10/13/2013</a:t>
+              <a:t>10/15/2013</a:t>
             </a:fld>
             <a:endParaRPr lang="en-US"/>
           </a:p>
@@ -3409,6 +3453,10 @@
             </a:lvl1pPr>
           </a:lstStyle>
           <a:p>
+            <a:r>
+              <a:rPr lang="en-US" smtClean="0"/>
+              <a:t>Jim Whitfield    http://tinyurl.com/scratch-beginners-1016</a:t>
+            </a:r>
             <a:endParaRPr lang="en-US"/>
           </a:p>
         </p:txBody>
@@ -3494,6 +3542,7 @@
       </p:par>
     </p:tnLst>
   </p:timing>
+  <p:hf sldNum="0" hdr="0" dt="0"/>
   <p:txStyles>
     <p:titleStyle>
       <a:lvl1pPr algn="l" defTabSz="685800" rtl="0" eaLnBrk="1" latinLnBrk="0" hangingPunct="1">
@@ -3796,36 +3845,6 @@
       </p:grpSpPr>
       <p:sp>
         <p:nvSpPr>
-          <p:cNvPr id="2" name="Title 1"/>
-          <p:cNvSpPr>
-            <a:spLocks noGrp="1"/>
-          </p:cNvSpPr>
-          <p:nvPr>
-            <p:ph type="ctrTitle" idx="4294967295"/>
-          </p:nvPr>
-        </p:nvSpPr>
-        <p:spPr>
-          <a:xfrm>
-            <a:off x="6430963" y="6194425"/>
-            <a:ext cx="2713037" cy="554038"/>
-          </a:xfrm>
-        </p:spPr>
-        <p:txBody>
-          <a:bodyPr>
-            <a:normAutofit/>
-          </a:bodyPr>
-          <a:lstStyle/>
-          <a:p>
-            <a:r>
-              <a:rPr lang="en-US" sz="1400" dirty="0" smtClean="0"/>
-              <a:t>Beginner’s Session 10/16/2013</a:t>
-            </a:r>
-            <a:endParaRPr lang="en-US" sz="1400" dirty="0"/>
-          </a:p>
-        </p:txBody>
-      </p:sp>
-      <p:sp>
-        <p:nvSpPr>
           <p:cNvPr id="8" name="Title 1"/>
           <p:cNvSpPr txBox="1">
             <a:spLocks/>
@@ -3834,7 +3853,7 @@
         </p:nvSpPr>
         <p:spPr>
           <a:xfrm>
-            <a:off x="6506573" y="2540162"/>
+            <a:off x="3337317" y="3217616"/>
             <a:ext cx="2115351" cy="740130"/>
           </a:xfrm>
           <a:prstGeom prst="rect">
@@ -3843,7 +3862,7 @@
         </p:spPr>
         <p:txBody>
           <a:bodyPr vert="horz" lIns="91440" tIns="45720" rIns="91440" bIns="45720" rtlCol="0" anchor="ctr">
-            <a:normAutofit/>
+            <a:normAutofit fontScale="70000" lnSpcReduction="20000"/>
           </a:bodyPr>
           <a:lstStyle>
             <a:lvl1pPr algn="ctr" defTabSz="914400" rtl="0" eaLnBrk="1" latinLnBrk="0" hangingPunct="1">
@@ -3864,12 +3883,20 @@
           <a:p>
             <a:pPr algn="r"/>
             <a:r>
+              <a:rPr lang="en-US" sz="3400" b="1" dirty="0" smtClean="0">
+                <a:solidFill>
+                  <a:srgbClr val="00B0F0"/>
+                </a:solidFill>
+              </a:rPr>
+              <a:t>scratch.mit.edu</a:t>
+            </a:r>
+            <a:r>
               <a:rPr lang="en-US" sz="2000" dirty="0" smtClean="0">
                 <a:solidFill>
                   <a:srgbClr val="00B0F0"/>
                 </a:solidFill>
               </a:rPr>
-              <a:t>scratch.mit.edu</a:t>
+              <a:t/>
             </a:r>
             <a:br>
               <a:rPr lang="en-US" sz="2000" dirty="0" smtClean="0">
@@ -3896,8 +3923,8 @@
         </p:nvSpPr>
         <p:spPr>
           <a:xfrm>
-            <a:off x="687897" y="4068807"/>
-            <a:ext cx="7772400" cy="1199704"/>
+            <a:off x="228600" y="4948822"/>
+            <a:ext cx="3884103" cy="1199704"/>
           </a:xfrm>
           <a:prstGeom prst="rect">
             <a:avLst/>
@@ -3905,7 +3932,7 @@
         </p:spPr>
         <p:txBody>
           <a:bodyPr vert="horz" lIns="91440" tIns="45720" rIns="91440" bIns="45720" rtlCol="0">
-            <a:normAutofit fontScale="47500" lnSpcReduction="20000"/>
+            <a:normAutofit fontScale="55000" lnSpcReduction="20000"/>
           </a:bodyPr>
           <a:lstStyle>
             <a:lvl1pPr marL="0" indent="0" algn="ctr" defTabSz="914400" rtl="0" eaLnBrk="1" latinLnBrk="0" hangingPunct="1">
@@ -4063,35 +4090,24 @@
             </a:lvl9pPr>
           </a:lstStyle>
           <a:p>
-            <a:r>
-              <a:rPr lang="en-US" dirty="0" smtClean="0"/>
-              <a:t>Inspiring examples</a:t>
-            </a:r>
-          </a:p>
-          <a:p>
-            <a:r>
-              <a:rPr lang="en-US" dirty="0" smtClean="0"/>
-              <a:t>http://scratch.mit.edu/studios/246979</a:t>
-            </a:r>
-          </a:p>
-          <a:p>
             <a:endParaRPr lang="en-US" dirty="0" smtClean="0"/>
           </a:p>
           <a:p>
+            <a:endParaRPr lang="en-US" dirty="0" smtClean="0"/>
+          </a:p>
+          <a:p>
+            <a:pPr algn="l"/>
             <a:r>
               <a:rPr lang="en-US" dirty="0" err="1" smtClean="0"/>
               <a:t>CoderDojo</a:t>
             </a:r>
             <a:r>
               <a:rPr lang="en-US" dirty="0" smtClean="0"/>
-              <a:t> October </a:t>
-            </a:r>
-            <a:r>
-              <a:rPr lang="en-US" dirty="0" smtClean="0"/>
-              <a:t>Studio</a:t>
-            </a:r>
-          </a:p>
-          <a:p>
+              <a:t> October Studio</a:t>
+            </a:r>
+          </a:p>
+          <a:p>
+            <a:pPr algn="l"/>
             <a:r>
               <a:rPr lang="en-US" dirty="0">
                 <a:hlinkClick r:id="rId3"/>
@@ -4256,6 +4272,146 @@
           </a:prstGeom>
         </p:spPr>
       </p:pic>
+      <p:sp>
+        <p:nvSpPr>
+          <p:cNvPr id="3" name="TextBox 2"/>
+          <p:cNvSpPr txBox="1"/>
+          <p:nvPr/>
+        </p:nvSpPr>
+        <p:spPr>
+          <a:xfrm>
+            <a:off x="4419600" y="3733799"/>
+            <a:ext cx="4419600" cy="2446824"/>
+          </a:xfrm>
+          <a:prstGeom prst="rect">
+            <a:avLst/>
+          </a:prstGeom>
+          <a:noFill/>
+        </p:spPr>
+        <p:txBody>
+          <a:bodyPr wrap="square" rtlCol="0">
+            <a:spAutoFit/>
+          </a:bodyPr>
+          <a:lstStyle/>
+          <a:p>
+            <a:endParaRPr lang="en-US" dirty="0" smtClean="0"/>
+          </a:p>
+          <a:p>
+            <a:pPr marL="285750" indent="-285750">
+              <a:lnSpc>
+                <a:spcPct val="150000"/>
+              </a:lnSpc>
+              <a:buFont typeface="Wingdings" panose="05000000000000000000" pitchFamily="2" charset="2"/>
+              <a:buChar char="Ø"/>
+            </a:pPr>
+            <a:r>
+              <a:rPr lang="en-US" dirty="0" err="1" smtClean="0"/>
+              <a:t>Warmup</a:t>
+            </a:r>
+            <a:r>
+              <a:rPr lang="en-US" dirty="0" smtClean="0"/>
+              <a:t>: </a:t>
+            </a:r>
+            <a:r>
+              <a:rPr lang="en-US" dirty="0">
+                <a:blipFill dpi="0" rotWithShape="1">
+                  <a:blip r:embed="rId6"/>
+                  <a:srcRect/>
+                  <a:tile tx="0" ty="0" sx="100000" sy="100000" flip="none" algn="tl"/>
+                </a:blipFill>
+              </a:rPr>
+              <a:t>“Rainbow </a:t>
+            </a:r>
+            <a:r>
+              <a:rPr lang="en-US" dirty="0" smtClean="0">
+                <a:blipFill dpi="0" rotWithShape="1">
+                  <a:blip r:embed="rId6"/>
+                  <a:srcRect/>
+                  <a:tile tx="0" ty="0" sx="100000" sy="100000" flip="none" algn="tl"/>
+                </a:blipFill>
+              </a:rPr>
+              <a:t>Writing”</a:t>
+            </a:r>
+            <a:endParaRPr lang="en-US" dirty="0" smtClean="0"/>
+          </a:p>
+          <a:p>
+            <a:pPr marL="285750" indent="-285750">
+              <a:lnSpc>
+                <a:spcPct val="150000"/>
+              </a:lnSpc>
+              <a:buFont typeface="Wingdings" panose="05000000000000000000" pitchFamily="2" charset="2"/>
+              <a:buChar char="Ø"/>
+            </a:pPr>
+            <a:r>
+              <a:rPr lang="en-US" dirty="0" smtClean="0"/>
+              <a:t>Introduce ‘Bat Away’.  Make our bat.</a:t>
+            </a:r>
+          </a:p>
+          <a:p>
+            <a:pPr marL="285750" indent="-285750">
+              <a:lnSpc>
+                <a:spcPct val="150000"/>
+              </a:lnSpc>
+              <a:buFont typeface="Wingdings" panose="05000000000000000000" pitchFamily="2" charset="2"/>
+              <a:buChar char="Ø"/>
+            </a:pPr>
+            <a:r>
+              <a:rPr lang="en-US" dirty="0" smtClean="0"/>
+              <a:t>Show the game loop.  Keep the bat away.</a:t>
+            </a:r>
+          </a:p>
+          <a:p>
+            <a:pPr marL="285750" indent="-285750">
+              <a:lnSpc>
+                <a:spcPct val="150000"/>
+              </a:lnSpc>
+              <a:buFont typeface="Wingdings" panose="05000000000000000000" pitchFamily="2" charset="2"/>
+              <a:buChar char="Ø"/>
+            </a:pPr>
+            <a:r>
+              <a:rPr lang="en-US" dirty="0" smtClean="0"/>
+              <a:t>Add some improvements…</a:t>
+            </a:r>
+          </a:p>
+          <a:p>
+            <a:pPr marL="285750" indent="-285750">
+              <a:lnSpc>
+                <a:spcPct val="150000"/>
+              </a:lnSpc>
+              <a:buFont typeface="Wingdings" panose="05000000000000000000" pitchFamily="2" charset="2"/>
+              <a:buChar char="Ø"/>
+            </a:pPr>
+            <a:r>
+              <a:rPr lang="en-US" dirty="0" smtClean="0"/>
+              <a:t>Wrap up</a:t>
+            </a:r>
+            <a:endParaRPr lang="en-US" dirty="0"/>
+          </a:p>
+        </p:txBody>
+      </p:sp>
+      <p:sp>
+        <p:nvSpPr>
+          <p:cNvPr id="6" name="Footer Placeholder 5"/>
+          <p:cNvSpPr>
+            <a:spLocks noGrp="1"/>
+          </p:cNvSpPr>
+          <p:nvPr>
+            <p:ph type="ftr" sz="quarter" idx="11"/>
+          </p:nvPr>
+        </p:nvSpPr>
+        <p:spPr/>
+        <p:txBody>
+          <a:bodyPr/>
+          <a:lstStyle/>
+          <a:p>
+            <a:r>
+              <a:rPr lang="en-US" smtClean="0"/>
+              <a:t>Jim Whitfield    http://tinyurl.com/scratch-beginners-1016</a:t>
+            </a:r>
+            <a:endParaRPr lang="en-US"/>
+          </a:p>
+        </p:txBody>
+      </p:sp>
     </p:spTree>
     <p:extLst>
       <p:ext uri="{BB962C8B-B14F-4D97-AF65-F5344CB8AC3E}">
@@ -4289,7 +4445,7 @@
 </file>
 
 <file path=ppt/slides/slide10.xml><?xml version="1.0" encoding="utf-8"?>
-<p:sld xmlns:a="http://schemas.openxmlformats.org/drawingml/2006/main" xmlns:r="http://schemas.openxmlformats.org/officeDocument/2006/relationships" xmlns:p="http://schemas.openxmlformats.org/presentationml/2006/main" show="0">
+<p:sld xmlns:a="http://schemas.openxmlformats.org/drawingml/2006/main" xmlns:r="http://schemas.openxmlformats.org/officeDocument/2006/relationships" xmlns:p="http://schemas.openxmlformats.org/presentationml/2006/main">
   <p:cSld>
     <p:spTree>
       <p:nvGrpSpPr>
@@ -4315,36 +4471,26 @@
             <p:ph type="title"/>
           </p:nvPr>
         </p:nvSpPr>
-        <p:spPr>
-          <a:noFill/>
-        </p:spPr>
+        <p:spPr/>
         <p:txBody>
           <a:bodyPr>
             <a:normAutofit/>
           </a:bodyPr>
           <a:lstStyle/>
           <a:p>
-            <a:r>
-              <a:rPr lang="en-US" dirty="0" smtClean="0"/>
-              <a:t>(5 min) Want to try tweaking </a:t>
+            <a:pPr algn="ctr"/>
+            <a:r>
+              <a:rPr lang="en-US" sz="3600" b="1" dirty="0" smtClean="0"/>
+              <a:t>Let’s spend a few minutes</a:t>
             </a:r>
             <a:br>
-              <a:rPr lang="en-US" dirty="0" smtClean="0"/>
+              <a:rPr lang="en-US" sz="3600" b="1" dirty="0" smtClean="0"/>
             </a:br>
             <a:r>
-              <a:rPr lang="en-US" dirty="0" smtClean="0">
-                <a:blipFill>
-                  <a:blip r:embed="rId2"/>
-                  <a:tile tx="0" ty="0" sx="100000" sy="100000" flip="none" algn="tl"/>
-                </a:blipFill>
-              </a:rPr>
-              <a:t>Rainbow Writer</a:t>
-            </a:r>
-            <a:r>
-              <a:rPr lang="en-US" dirty="0" smtClean="0"/>
-              <a:t>?</a:t>
-            </a:r>
-            <a:endParaRPr lang="en-US" dirty="0"/>
+              <a:rPr lang="en-US" sz="3600" b="1" dirty="0" smtClean="0"/>
+              <a:t>starting your project!</a:t>
+            </a:r>
+            <a:endParaRPr lang="en-US" sz="3600" b="1" dirty="0"/>
           </a:p>
         </p:txBody>
       </p:sp>
@@ -4358,33 +4504,127 @@
             <p:ph idx="1"/>
           </p:nvPr>
         </p:nvSpPr>
-        <p:spPr/>
+        <p:spPr>
+          <a:xfrm>
+            <a:off x="628650" y="1825624"/>
+            <a:ext cx="7886700" cy="4651375"/>
+          </a:xfrm>
+        </p:spPr>
         <p:txBody>
-          <a:bodyPr/>
+          <a:bodyPr>
+            <a:normAutofit/>
+          </a:bodyPr>
           <a:lstStyle/>
           <a:p>
+            <a:pPr marL="0" indent="0">
+              <a:buNone/>
+            </a:pPr>
             <a:r>
               <a:rPr lang="en-US" dirty="0" smtClean="0"/>
-              <a:t>I gave you a sneak peek, but here it is again:</a:t>
-            </a:r>
-          </a:p>
-          <a:p>
+              <a:t>Here are some art creation tips, and take a few moments to place some code that allows the bat to fly around the screen.</a:t>
+            </a:r>
             <a:endParaRPr lang="en-US" dirty="0"/>
           </a:p>
           <a:p>
+            <a:pPr marL="0" indent="0">
+              <a:buNone/>
+            </a:pPr>
+            <a:endParaRPr lang="en-US" dirty="0"/>
+          </a:p>
+          <a:p>
+            <a:pPr>
+              <a:buFontTx/>
+              <a:buChar char="-"/>
+            </a:pPr>
+            <a:r>
+              <a:rPr lang="en-US" dirty="0" smtClean="0"/>
+              <a:t>Use the Woods background</a:t>
+            </a:r>
+            <a:endParaRPr lang="en-US" dirty="0"/>
+          </a:p>
+          <a:p>
+            <a:pPr>
+              <a:buFontTx/>
+              <a:buChar char="-"/>
+            </a:pPr>
+            <a:r>
+              <a:rPr lang="en-US" dirty="0"/>
+              <a:t>Add a sprite, like Bat2</a:t>
+            </a:r>
+          </a:p>
+          <a:p>
+            <a:pPr>
+              <a:buFontTx/>
+              <a:buChar char="-"/>
+            </a:pPr>
+            <a:r>
+              <a:rPr lang="en-US" dirty="0" smtClean="0"/>
+              <a:t>Think </a:t>
+            </a:r>
+            <a:r>
+              <a:rPr lang="en-US" dirty="0"/>
+              <a:t>of the bat as </a:t>
+            </a:r>
+            <a:r>
+              <a:rPr lang="en-US" dirty="0" smtClean="0"/>
+              <a:t>‘the most important thing’ so you can minimize </a:t>
+            </a:r>
+            <a:r>
+              <a:rPr lang="en-US" dirty="0"/>
+              <a:t>script elsewhere</a:t>
+            </a:r>
+            <a:r>
+              <a:rPr lang="en-US" dirty="0" smtClean="0"/>
+              <a:t>.</a:t>
+            </a:r>
+          </a:p>
+          <a:p>
+            <a:pPr>
+              <a:buFontTx/>
+              <a:buChar char="-"/>
+            </a:pPr>
+            <a:r>
+              <a:rPr lang="en-US" dirty="0" smtClean="0"/>
+              <a:t>Add this script</a:t>
+            </a:r>
+            <a:endParaRPr lang="en-US" dirty="0"/>
+          </a:p>
+          <a:p>
             <a:endParaRPr lang="en-US" dirty="0" smtClean="0"/>
           </a:p>
           <a:p>
+            <a:endParaRPr lang="en-US" dirty="0"/>
+          </a:p>
+          <a:p>
+            <a:pPr marL="0" indent="0" algn="r">
+              <a:buNone/>
+            </a:pPr>
+            <a:endParaRPr lang="en-US" dirty="0" smtClean="0">
+              <a:hlinkClick r:id="rId2"/>
+            </a:endParaRPr>
+          </a:p>
+          <a:p>
+            <a:pPr marL="0" indent="0" algn="r">
+              <a:buNone/>
+            </a:pPr>
+            <a:r>
+              <a:rPr lang="en-US" dirty="0" smtClean="0">
+                <a:hlinkClick r:id="rId2"/>
+              </a:rPr>
+              <a:t>http</a:t>
+            </a:r>
+            <a:r>
+              <a:rPr lang="en-US" dirty="0">
+                <a:hlinkClick r:id="rId2"/>
+              </a:rPr>
+              <a:t>://youtu.be/ZXUEet92OnM</a:t>
+            </a:r>
             <a:endParaRPr lang="en-US" dirty="0" smtClean="0"/>
           </a:p>
           <a:p>
-            <a:endParaRPr lang="en-US" dirty="0"/>
-          </a:p>
-          <a:p>
-            <a:r>
-              <a:rPr lang="en-US" dirty="0" smtClean="0"/>
-              <a:t>You could use the keyboard</a:t>
-            </a:r>
+            <a:endParaRPr lang="en-US" dirty="0" smtClean="0"/>
+          </a:p>
+          <a:p>
             <a:endParaRPr lang="en-US" dirty="0"/>
           </a:p>
         </p:txBody>
@@ -4393,107 +4633,66 @@
         <p:nvPicPr>
           <p:cNvPr id="4" name="Picture 3"/>
           <p:cNvPicPr>
-            <a:picLocks noChangeAspect="1" noChangeArrowheads="1"/>
-          </p:cNvPicPr>
-          <p:nvPr/>
-        </p:nvPicPr>
-        <p:blipFill>
-          <a:blip r:embed="rId3">
-            <a:extLst>
-              <a:ext uri="{28A0092B-C50C-407E-A947-70E740481C1C}">
-                <a14:useLocalDpi xmlns:a14="http://schemas.microsoft.com/office/drawing/2010/main" val="0"/>
-              </a:ext>
-            </a:extLst>
-          </a:blip>
-          <a:srcRect/>
-          <a:stretch>
-            <a:fillRect/>
-          </a:stretch>
-        </p:blipFill>
-        <p:spPr bwMode="auto">
-          <a:xfrm>
-            <a:off x="1069759" y="4564063"/>
-            <a:ext cx="2832100" cy="1562100"/>
-          </a:xfrm>
-          <a:prstGeom prst="rect">
-            <a:avLst/>
-          </a:prstGeom>
-          <a:noFill/>
-          <a:ln>
-            <a:noFill/>
-          </a:ln>
-          <a:effectLst/>
-          <a:extLst>
-            <a:ext uri="{909E8E84-426E-40DD-AFC4-6F175D3DCCD1}">
-              <a14:hiddenFill xmlns:a14="http://schemas.microsoft.com/office/drawing/2010/main">
-                <a:solidFill>
-                  <a:schemeClr val="accent1"/>
-                </a:solidFill>
-              </a14:hiddenFill>
-            </a:ext>
-            <a:ext uri="{91240B29-F687-4F45-9708-019B960494DF}">
-              <a14:hiddenLine xmlns:a14="http://schemas.microsoft.com/office/drawing/2010/main" w="9525">
-                <a:solidFill>
-                  <a:schemeClr val="tx1"/>
-                </a:solidFill>
-                <a:miter lim="800000"/>
-                <a:headEnd/>
-                <a:tailEnd/>
-              </a14:hiddenLine>
-            </a:ext>
-            <a:ext uri="{AF507438-7753-43E0-B8FC-AC1667EBCBE1}">
-              <a14:hiddenEffects xmlns:a14="http://schemas.microsoft.com/office/drawing/2010/main">
-                <a:effectLst>
-                  <a:outerShdw dist="35921" dir="2700000" algn="ctr" rotWithShape="0">
-                    <a:schemeClr val="bg2"/>
-                  </a:outerShdw>
-                </a:effectLst>
-              </a14:hiddenEffects>
-            </a:ext>
-          </a:extLst>
-        </p:spPr>
-      </p:pic>
-      <p:pic>
-        <p:nvPicPr>
-          <p:cNvPr id="5" name="Picture 4"/>
-          <p:cNvPicPr>
             <a:picLocks noChangeAspect="1"/>
           </p:cNvPicPr>
           <p:nvPr/>
         </p:nvPicPr>
         <p:blipFill>
-          <a:blip r:embed="rId4"/>
+          <a:blip r:embed="rId3"/>
           <a:stretch>
             <a:fillRect/>
           </a:stretch>
         </p:blipFill>
         <p:spPr>
           <a:xfrm>
-            <a:off x="1066800" y="2334321"/>
-            <a:ext cx="2311927" cy="1537050"/>
+            <a:off x="3048000" y="4114800"/>
+            <a:ext cx="3581400" cy="1889218"/>
           </a:xfrm>
           <a:prstGeom prst="rect">
             <a:avLst/>
           </a:prstGeom>
         </p:spPr>
       </p:pic>
+      <p:sp>
+        <p:nvSpPr>
+          <p:cNvPr id="5" name="Footer Placeholder 4"/>
+          <p:cNvSpPr>
+            <a:spLocks noGrp="1"/>
+          </p:cNvSpPr>
+          <p:nvPr>
+            <p:ph type="ftr" sz="quarter" idx="11"/>
+          </p:nvPr>
+        </p:nvSpPr>
+        <p:spPr/>
+        <p:txBody>
+          <a:bodyPr/>
+          <a:lstStyle/>
+          <a:p>
+            <a:r>
+              <a:rPr lang="en-US" smtClean="0"/>
+              <a:t>Jim Whitfield    http://tinyurl.com/scratch-beginners-1016</a:t>
+            </a:r>
+            <a:endParaRPr lang="en-US"/>
+          </a:p>
+        </p:txBody>
+      </p:sp>
     </p:spTree>
     <p:extLst>
       <p:ext uri="{BB962C8B-B14F-4D97-AF65-F5344CB8AC3E}">
-        <p14:creationId xmlns:p14="http://schemas.microsoft.com/office/powerpoint/2010/main" val="3945600758"/>
+        <p14:creationId xmlns:p14="http://schemas.microsoft.com/office/powerpoint/2010/main" val="3731775897"/>
       </p:ext>
     </p:extLst>
   </p:cSld>
   <p:clrMapOvr>
     <a:masterClrMapping/>
   </p:clrMapOvr>
-  <mc:AlternateContent xmlns:mc="http://schemas.openxmlformats.org/markup-compatibility/2006">
-    <mc:Choice xmlns:p14="http://schemas.microsoft.com/office/powerpoint/2010/main" Requires="p14">
+  <mc:AlternateContent xmlns:mc="http://schemas.openxmlformats.org/markup-compatibility/2006" xmlns:p14="http://schemas.microsoft.com/office/powerpoint/2010/main">
+    <mc:Choice Requires="p14">
       <p:transition spd="slow" p14:dur="2000">
         <p14:honeycomb/>
       </p:transition>
     </mc:Choice>
-    <mc:Fallback>
+    <mc:Fallback xmlns="">
       <p:transition spd="slow">
         <p:fade/>
       </p:transition>
@@ -4502,205 +4701,7 @@
   <p:timing>
     <p:tnLst>
       <p:par>
-        <p:cTn id="1" dur="indefinite" restart="never" nodeType="tmRoot">
-          <p:childTnLst>
-            <p:seq concurrent="1" nextAc="seek">
-              <p:cTn id="2" dur="indefinite" nodeType="mainSeq">
-                <p:childTnLst>
-                  <p:par>
-                    <p:cTn id="3" fill="hold">
-                      <p:stCondLst>
-                        <p:cond delay="indefinite"/>
-                      </p:stCondLst>
-                      <p:childTnLst>
-                        <p:par>
-                          <p:cTn id="4" fill="hold">
-                            <p:stCondLst>
-                              <p:cond delay="0"/>
-                            </p:stCondLst>
-                            <p:childTnLst>
-                              <p:par>
-                                <p:cTn id="5" presetID="21" presetClass="entr" presetSubtype="1" fill="hold" nodeType="clickEffect">
-                                  <p:stCondLst>
-                                    <p:cond delay="0"/>
-                                  </p:stCondLst>
-                                  <p:childTnLst>
-                                    <p:set>
-                                      <p:cBhvr>
-                                        <p:cTn id="6" dur="1" fill="hold">
-                                          <p:stCondLst>
-                                            <p:cond delay="0"/>
-                                          </p:stCondLst>
-                                        </p:cTn>
-                                        <p:tgtEl>
-                                          <p:spTgt spid="5"/>
-                                        </p:tgtEl>
-                                        <p:attrNameLst>
-                                          <p:attrName>style.visibility</p:attrName>
-                                        </p:attrNameLst>
-                                      </p:cBhvr>
-                                      <p:to>
-                                        <p:strVal val="visible"/>
-                                      </p:to>
-                                    </p:set>
-                                    <p:animEffect transition="in" filter="wheel(1)">
-                                      <p:cBhvr>
-                                        <p:cTn id="7" dur="2000"/>
-                                        <p:tgtEl>
-                                          <p:spTgt spid="5"/>
-                                        </p:tgtEl>
-                                      </p:cBhvr>
-                                    </p:animEffect>
-                                  </p:childTnLst>
-                                </p:cTn>
-                              </p:par>
-                            </p:childTnLst>
-                          </p:cTn>
-                        </p:par>
-                      </p:childTnLst>
-                    </p:cTn>
-                  </p:par>
-                  <p:par>
-                    <p:cTn id="8" fill="hold">
-                      <p:stCondLst>
-                        <p:cond delay="indefinite"/>
-                      </p:stCondLst>
-                      <p:childTnLst>
-                        <p:par>
-                          <p:cTn id="9" fill="hold">
-                            <p:stCondLst>
-                              <p:cond delay="0"/>
-                            </p:stCondLst>
-                            <p:childTnLst>
-                              <p:par>
-                                <p:cTn id="10" presetID="31" presetClass="entr" presetSubtype="0" fill="hold" nodeType="clickEffect">
-                                  <p:stCondLst>
-                                    <p:cond delay="0"/>
-                                  </p:stCondLst>
-                                  <p:childTnLst>
-                                    <p:set>
-                                      <p:cBhvr>
-                                        <p:cTn id="11" dur="1" fill="hold">
-                                          <p:stCondLst>
-                                            <p:cond delay="0"/>
-                                          </p:stCondLst>
-                                        </p:cTn>
-                                        <p:tgtEl>
-                                          <p:spTgt spid="4"/>
-                                        </p:tgtEl>
-                                        <p:attrNameLst>
-                                          <p:attrName>style.visibility</p:attrName>
-                                        </p:attrNameLst>
-                                      </p:cBhvr>
-                                      <p:to>
-                                        <p:strVal val="visible"/>
-                                      </p:to>
-                                    </p:set>
-                                    <p:anim calcmode="lin" valueType="num">
-                                      <p:cBhvr>
-                                        <p:cTn id="12" dur="1000" fill="hold"/>
-                                        <p:tgtEl>
-                                          <p:spTgt spid="4"/>
-                                        </p:tgtEl>
-                                        <p:attrNameLst>
-                                          <p:attrName>ppt_w</p:attrName>
-                                        </p:attrNameLst>
-                                      </p:cBhvr>
-                                      <p:tavLst>
-                                        <p:tav tm="0">
-                                          <p:val>
-                                            <p:fltVal val="0"/>
-                                          </p:val>
-                                        </p:tav>
-                                        <p:tav tm="100000">
-                                          <p:val>
-                                            <p:strVal val="#ppt_w"/>
-                                          </p:val>
-                                        </p:tav>
-                                      </p:tavLst>
-                                    </p:anim>
-                                    <p:anim calcmode="lin" valueType="num">
-                                      <p:cBhvr>
-                                        <p:cTn id="13" dur="1000" fill="hold"/>
-                                        <p:tgtEl>
-                                          <p:spTgt spid="4"/>
-                                        </p:tgtEl>
-                                        <p:attrNameLst>
-                                          <p:attrName>ppt_h</p:attrName>
-                                        </p:attrNameLst>
-                                      </p:cBhvr>
-                                      <p:tavLst>
-                                        <p:tav tm="0">
-                                          <p:val>
-                                            <p:fltVal val="0"/>
-                                          </p:val>
-                                        </p:tav>
-                                        <p:tav tm="100000">
-                                          <p:val>
-                                            <p:strVal val="#ppt_h"/>
-                                          </p:val>
-                                        </p:tav>
-                                      </p:tavLst>
-                                    </p:anim>
-                                    <p:anim calcmode="lin" valueType="num">
-                                      <p:cBhvr>
-                                        <p:cTn id="14" dur="1000" fill="hold"/>
-                                        <p:tgtEl>
-                                          <p:spTgt spid="4"/>
-                                        </p:tgtEl>
-                                        <p:attrNameLst>
-                                          <p:attrName>style.rotation</p:attrName>
-                                        </p:attrNameLst>
-                                      </p:cBhvr>
-                                      <p:tavLst>
-                                        <p:tav tm="0">
-                                          <p:val>
-                                            <p:fltVal val="90"/>
-                                          </p:val>
-                                        </p:tav>
-                                        <p:tav tm="100000">
-                                          <p:val>
-                                            <p:fltVal val="0"/>
-                                          </p:val>
-                                        </p:tav>
-                                      </p:tavLst>
-                                    </p:anim>
-                                    <p:animEffect transition="in" filter="fade">
-                                      <p:cBhvr>
-                                        <p:cTn id="15" dur="1000"/>
-                                        <p:tgtEl>
-                                          <p:spTgt spid="4"/>
-                                        </p:tgtEl>
-                                      </p:cBhvr>
-                                    </p:animEffect>
-                                  </p:childTnLst>
-                                </p:cTn>
-                              </p:par>
-                            </p:childTnLst>
-                          </p:cTn>
-                        </p:par>
-                      </p:childTnLst>
-                    </p:cTn>
-                  </p:par>
-                </p:childTnLst>
-              </p:cTn>
-              <p:prevCondLst>
-                <p:cond evt="onPrev" delay="0">
-                  <p:tgtEl>
-                    <p:sldTgt/>
-                  </p:tgtEl>
-                </p:cond>
-              </p:prevCondLst>
-              <p:nextCondLst>
-                <p:cond evt="onNext" delay="0">
-                  <p:tgtEl>
-                    <p:sldTgt/>
-                  </p:tgtEl>
-                </p:cond>
-              </p:nextCondLst>
-            </p:seq>
-          </p:childTnLst>
-        </p:cTn>
+        <p:cTn id="1" dur="indefinite" restart="never" nodeType="tmRoot"/>
       </p:par>
     </p:tnLst>
   </p:timing>
@@ -4772,36 +4773,31 @@
           <a:lstStyle/>
           <a:p>
             <a:r>
-              <a:rPr lang="en-US" dirty="0" smtClean="0"/>
+              <a:rPr lang="en-US" sz="2600" dirty="0" smtClean="0"/>
               <a:t>Those angled blocks are “what to test”</a:t>
             </a:r>
           </a:p>
           <a:p>
             <a:r>
-              <a:rPr lang="en-US" dirty="0" smtClean="0"/>
+              <a:rPr lang="en-US" sz="2600" dirty="0" smtClean="0"/>
               <a:t>You can’t do a game without them</a:t>
             </a:r>
           </a:p>
           <a:p>
             <a:r>
-              <a:rPr lang="en-US" dirty="0" smtClean="0"/>
+              <a:rPr lang="en-US" sz="2600" dirty="0" smtClean="0"/>
               <a:t>One type of condition is “sensing”</a:t>
             </a:r>
           </a:p>
           <a:p>
             <a:r>
-              <a:rPr lang="en-US" dirty="0" smtClean="0">
+              <a:rPr lang="en-US" sz="2600" dirty="0" smtClean="0">
                 <a:solidFill>
                   <a:srgbClr val="00B0F0"/>
                 </a:solidFill>
               </a:rPr>
-              <a:t>What might be useful for PONG?   </a:t>
-            </a:r>
-            <a:endParaRPr lang="en-US" dirty="0" smtClean="0">
-              <a:solidFill>
-                <a:srgbClr val="00B0F0"/>
-              </a:solidFill>
-            </a:endParaRPr>
+              <a:t>What might be useful for Bat Away?   </a:t>
+            </a:r>
           </a:p>
           <a:p>
             <a:endParaRPr lang="en-US" dirty="0">
@@ -4812,25 +4808,31 @@
           </a:p>
           <a:p>
             <a:r>
-              <a:rPr lang="en-US" dirty="0" smtClean="0">
+              <a:rPr lang="en-US" sz="2000" dirty="0" smtClean="0">
                 <a:solidFill>
-                  <a:srgbClr val="00B0F0"/>
+                  <a:schemeClr val="bg1">
+                    <a:lumMod val="65000"/>
+                  </a:schemeClr>
                 </a:solidFill>
               </a:rPr>
-              <a:t>(TMTOWTDI – </a:t>
-            </a:r>
-            <a:r>
-              <a:rPr lang="en-US" dirty="0" err="1" smtClean="0">
+              <a:t>TMTOWTDI – </a:t>
+            </a:r>
+            <a:r>
+              <a:rPr lang="en-US" sz="2000" dirty="0" err="1" smtClean="0">
                 <a:solidFill>
-                  <a:srgbClr val="00B0F0"/>
+                  <a:schemeClr val="bg1">
+                    <a:lumMod val="65000"/>
+                  </a:schemeClr>
                 </a:solidFill>
               </a:rPr>
               <a:t>TimToady</a:t>
             </a:r>
             <a:r>
-              <a:rPr lang="en-US" dirty="0" smtClean="0">
+              <a:rPr lang="en-US" sz="2000" dirty="0" smtClean="0">
                 <a:solidFill>
-                  <a:srgbClr val="00B0F0"/>
+                  <a:schemeClr val="bg1">
+                    <a:lumMod val="65000"/>
+                  </a:schemeClr>
                 </a:solidFill>
               </a:rPr>
               <a:t> – </a:t>
@@ -4841,13 +4843,32 @@
               <a:buNone/>
             </a:pPr>
             <a:r>
-              <a:rPr lang="en-US" dirty="0" smtClean="0">
+              <a:rPr lang="en-US" sz="2000" dirty="0" smtClean="0">
                 <a:solidFill>
-                  <a:srgbClr val="00B0F0"/>
+                  <a:schemeClr val="bg1">
+                    <a:lumMod val="65000"/>
+                  </a:schemeClr>
                 </a:solidFill>
               </a:rPr>
               <a:t>There’s more than one way to do it.</a:t>
             </a:r>
+          </a:p>
+          <a:p>
+            <a:r>
+              <a:rPr lang="en-US" sz="2000" dirty="0" smtClean="0">
+                <a:solidFill>
+                  <a:schemeClr val="bg1">
+                    <a:lumMod val="65000"/>
+                  </a:schemeClr>
+                </a:solidFill>
+              </a:rPr>
+              <a:t>Another principal is DRY – Don’t Repeat Yourself</a:t>
+            </a:r>
+          </a:p>
+          <a:p>
+            <a:pPr marL="0" indent="0">
+              <a:buNone/>
+            </a:pPr>
             <a:endParaRPr lang="en-US" dirty="0">
               <a:solidFill>
                 <a:srgbClr val="00B0F0"/>
@@ -4880,30 +4901,121 @@
           </a:prstGeom>
         </p:spPr>
       </p:pic>
-      <p:pic>
-        <p:nvPicPr>
-          <p:cNvPr id="5" name="Picture 4"/>
-          <p:cNvPicPr>
-            <a:picLocks noChangeAspect="1"/>
-          </p:cNvPicPr>
+      <p:grpSp>
+        <p:nvGrpSpPr>
+          <p:cNvPr id="7" name="Group 6"/>
+          <p:cNvGrpSpPr/>
           <p:nvPr/>
-        </p:nvPicPr>
-        <p:blipFill>
-          <a:blip r:embed="rId3"/>
-          <a:stretch>
-            <a:fillRect/>
-          </a:stretch>
-        </p:blipFill>
-        <p:spPr>
+        </p:nvGrpSpPr>
+        <p:grpSpPr>
           <a:xfrm>
             <a:off x="6321317" y="1295400"/>
             <a:ext cx="2607394" cy="5449576"/>
+            <a:chOff x="6321317" y="1295400"/>
+            <a:chExt cx="2607394" cy="5449576"/>
           </a:xfrm>
-          <a:prstGeom prst="rect">
-            <a:avLst/>
-          </a:prstGeom>
-        </p:spPr>
-      </p:pic>
+        </p:grpSpPr>
+        <p:pic>
+          <p:nvPicPr>
+            <p:cNvPr id="5" name="Picture 4"/>
+            <p:cNvPicPr>
+              <a:picLocks noChangeAspect="1"/>
+            </p:cNvPicPr>
+            <p:nvPr/>
+          </p:nvPicPr>
+          <p:blipFill>
+            <a:blip r:embed="rId3"/>
+            <a:stretch>
+              <a:fillRect/>
+            </a:stretch>
+          </p:blipFill>
+          <p:spPr>
+            <a:xfrm>
+              <a:off x="6321317" y="1295400"/>
+              <a:ext cx="2607394" cy="5449576"/>
+            </a:xfrm>
+            <a:prstGeom prst="rect">
+              <a:avLst/>
+            </a:prstGeom>
+            <a:solidFill>
+              <a:schemeClr val="bg1">
+                <a:lumMod val="85000"/>
+              </a:schemeClr>
+            </a:solidFill>
+          </p:spPr>
+        </p:pic>
+        <p:sp>
+          <p:nvSpPr>
+            <p:cNvPr id="6" name="Rectangle 5"/>
+            <p:cNvSpPr/>
+            <p:nvPr/>
+          </p:nvSpPr>
+          <p:spPr>
+            <a:xfrm>
+              <a:off x="6400800" y="4191000"/>
+              <a:ext cx="2438400" cy="1143000"/>
+            </a:xfrm>
+            <a:prstGeom prst="rect">
+              <a:avLst/>
+            </a:prstGeom>
+            <a:solidFill>
+              <a:srgbClr val="8997A7">
+                <a:alpha val="64000"/>
+              </a:srgbClr>
+            </a:solidFill>
+            <a:ln>
+              <a:noFill/>
+            </a:ln>
+          </p:spPr>
+          <p:style>
+            <a:lnRef idx="2">
+              <a:schemeClr val="accent1">
+                <a:shade val="50000"/>
+              </a:schemeClr>
+            </a:lnRef>
+            <a:fillRef idx="1">
+              <a:schemeClr val="accent1"/>
+            </a:fillRef>
+            <a:effectRef idx="0">
+              <a:schemeClr val="accent1"/>
+            </a:effectRef>
+            <a:fontRef idx="minor">
+              <a:schemeClr val="lt1"/>
+            </a:fontRef>
+          </p:style>
+          <p:txBody>
+            <a:bodyPr rtlCol="0" anchor="ctr"/>
+            <a:lstStyle/>
+            <a:p>
+              <a:pPr algn="ctr"/>
+              <a:endParaRPr lang="en-US"/>
+            </a:p>
+          </p:txBody>
+        </p:sp>
+      </p:grpSp>
+      <p:sp>
+        <p:nvSpPr>
+          <p:cNvPr id="8" name="Footer Placeholder 7"/>
+          <p:cNvSpPr>
+            <a:spLocks noGrp="1"/>
+          </p:cNvSpPr>
+          <p:nvPr>
+            <p:ph type="ftr" sz="quarter" idx="11"/>
+          </p:nvPr>
+        </p:nvSpPr>
+        <p:spPr/>
+        <p:txBody>
+          <a:bodyPr/>
+          <a:lstStyle/>
+          <a:p>
+            <a:r>
+              <a:rPr lang="en-US" smtClean="0"/>
+              <a:t>Jim Whitfield    http://tinyurl.com/scratch-beginners-1016</a:t>
+            </a:r>
+            <a:endParaRPr lang="en-US"/>
+          </a:p>
+        </p:txBody>
+      </p:sp>
     </p:spTree>
     <p:extLst>
       <p:ext uri="{BB962C8B-B14F-4D97-AF65-F5344CB8AC3E}">
@@ -4950,7 +5062,7 @@
                             </p:stCondLst>
                             <p:childTnLst>
                               <p:par>
-                                <p:cTn id="5" presetID="1" presetClass="entr" presetSubtype="0" fill="hold" nodeType="withEffect">
+                                <p:cTn id="5" presetID="2" presetClass="entr" presetSubtype="4" fill="hold" grpId="0" nodeType="withEffect">
                                   <p:stCondLst>
                                     <p:cond delay="0"/>
                                   </p:stCondLst>
@@ -4963,51 +5075,6 @@
                                           </p:stCondLst>
                                         </p:cTn>
                                         <p:tgtEl>
-                                          <p:spTgt spid="4"/>
-                                        </p:tgtEl>
-                                        <p:attrNameLst>
-                                          <p:attrName>style.visibility</p:attrName>
-                                        </p:attrNameLst>
-                                      </p:cBhvr>
-                                      <p:to>
-                                        <p:strVal val="visible"/>
-                                      </p:to>
-                                    </p:set>
-                                  </p:childTnLst>
-                                </p:cTn>
-                              </p:par>
-                            </p:childTnLst>
-                          </p:cTn>
-                        </p:par>
-                      </p:childTnLst>
-                    </p:cTn>
-                  </p:par>
-                  <p:par>
-                    <p:cTn id="7" fill="hold">
-                      <p:stCondLst>
-                        <p:cond delay="indefinite"/>
-                      </p:stCondLst>
-                      <p:childTnLst>
-                        <p:par>
-                          <p:cTn id="8" fill="hold">
-                            <p:stCondLst>
-                              <p:cond delay="0"/>
-                            </p:stCondLst>
-                            <p:childTnLst>
-                              <p:par>
-                                <p:cTn id="9" presetID="2" presetClass="entr" presetSubtype="4" fill="hold" grpId="0" nodeType="clickEffect">
-                                  <p:stCondLst>
-                                    <p:cond delay="0"/>
-                                  </p:stCondLst>
-                                  <p:childTnLst>
-                                    <p:set>
-                                      <p:cBhvr>
-                                        <p:cTn id="10" dur="1" fill="hold">
-                                          <p:stCondLst>
-                                            <p:cond delay="0"/>
-                                          </p:stCondLst>
-                                        </p:cTn>
-                                        <p:tgtEl>
                                           <p:spTgt spid="3">
                                             <p:txEl>
                                               <p:pRg st="0" end="0"/>
@@ -5024,7 +5091,7 @@
                                     </p:set>
                                     <p:anim calcmode="lin" valueType="num">
                                       <p:cBhvr additive="base">
-                                        <p:cTn id="11" dur="500" fill="hold"/>
+                                        <p:cTn id="7" dur="500" fill="hold"/>
                                         <p:tgtEl>
                                           <p:spTgt spid="3">
                                             <p:txEl>
@@ -5051,7 +5118,7 @@
                                     </p:anim>
                                     <p:anim calcmode="lin" valueType="num">
                                       <p:cBhvr additive="base">
-                                        <p:cTn id="12" dur="500" fill="hold"/>
+                                        <p:cTn id="8" dur="500" fill="hold"/>
                                         <p:tgtEl>
                                           <p:spTgt spid="3">
                                             <p:txEl>
@@ -5086,26 +5153,26 @@
                     </p:cTn>
                   </p:par>
                   <p:par>
-                    <p:cTn id="13" fill="hold">
+                    <p:cTn id="9" fill="hold">
                       <p:stCondLst>
                         <p:cond delay="indefinite"/>
                       </p:stCondLst>
                       <p:childTnLst>
                         <p:par>
-                          <p:cTn id="14" fill="hold">
+                          <p:cTn id="10" fill="hold">
                             <p:stCondLst>
                               <p:cond delay="0"/>
                             </p:stCondLst>
                             <p:childTnLst>
                               <p:par>
-                                <p:cTn id="15" presetID="2" presetClass="entr" presetSubtype="4" fill="hold" grpId="0" nodeType="clickEffect">
+                                <p:cTn id="11" presetID="2" presetClass="entr" presetSubtype="4" fill="hold" grpId="0" nodeType="clickEffect">
                                   <p:stCondLst>
                                     <p:cond delay="0"/>
                                   </p:stCondLst>
                                   <p:childTnLst>
                                     <p:set>
                                       <p:cBhvr>
-                                        <p:cTn id="16" dur="1" fill="hold">
+                                        <p:cTn id="12" dur="1" fill="hold">
                                           <p:stCondLst>
                                             <p:cond delay="0"/>
                                           </p:stCondLst>
@@ -5127,7 +5194,7 @@
                                     </p:set>
                                     <p:anim calcmode="lin" valueType="num">
                                       <p:cBhvr additive="base">
-                                        <p:cTn id="17" dur="500" fill="hold"/>
+                                        <p:cTn id="13" dur="500" fill="hold"/>
                                         <p:tgtEl>
                                           <p:spTgt spid="3">
                                             <p:txEl>
@@ -5154,7 +5221,7 @@
                                     </p:anim>
                                     <p:anim calcmode="lin" valueType="num">
                                       <p:cBhvr additive="base">
-                                        <p:cTn id="18" dur="500" fill="hold"/>
+                                        <p:cTn id="14" dur="500" fill="hold"/>
                                         <p:tgtEl>
                                           <p:spTgt spid="3">
                                             <p:txEl>
@@ -5189,26 +5256,26 @@
                     </p:cTn>
                   </p:par>
                   <p:par>
-                    <p:cTn id="19" fill="hold">
+                    <p:cTn id="15" fill="hold">
                       <p:stCondLst>
                         <p:cond delay="indefinite"/>
                       </p:stCondLst>
                       <p:childTnLst>
                         <p:par>
-                          <p:cTn id="20" fill="hold">
+                          <p:cTn id="16" fill="hold">
                             <p:stCondLst>
                               <p:cond delay="0"/>
                             </p:stCondLst>
                             <p:childTnLst>
                               <p:par>
-                                <p:cTn id="21" presetID="2" presetClass="entr" presetSubtype="4" fill="hold" grpId="0" nodeType="clickEffect">
+                                <p:cTn id="17" presetID="2" presetClass="entr" presetSubtype="4" fill="hold" grpId="0" nodeType="clickEffect">
                                   <p:stCondLst>
                                     <p:cond delay="0"/>
                                   </p:stCondLst>
                                   <p:childTnLst>
                                     <p:set>
                                       <p:cBhvr>
-                                        <p:cTn id="22" dur="1" fill="hold">
+                                        <p:cTn id="18" dur="1" fill="hold">
                                           <p:stCondLst>
                                             <p:cond delay="0"/>
                                           </p:stCondLst>
@@ -5230,7 +5297,7 @@
                                     </p:set>
                                     <p:anim calcmode="lin" valueType="num">
                                       <p:cBhvr additive="base">
-                                        <p:cTn id="23" dur="500" fill="hold"/>
+                                        <p:cTn id="19" dur="500" fill="hold"/>
                                         <p:tgtEl>
                                           <p:spTgt spid="3">
                                             <p:txEl>
@@ -5257,7 +5324,7 @@
                                     </p:anim>
                                     <p:anim calcmode="lin" valueType="num">
                                       <p:cBhvr additive="base">
-                                        <p:cTn id="24" dur="500" fill="hold"/>
+                                        <p:cTn id="20" dur="500" fill="hold"/>
                                         <p:tgtEl>
                                           <p:spTgt spid="3">
                                             <p:txEl>
@@ -5292,79 +5359,26 @@
                     </p:cTn>
                   </p:par>
                   <p:par>
-                    <p:cTn id="25" fill="hold">
+                    <p:cTn id="21" fill="hold">
                       <p:stCondLst>
                         <p:cond delay="indefinite"/>
                       </p:stCondLst>
                       <p:childTnLst>
                         <p:par>
-                          <p:cTn id="26" fill="hold">
+                          <p:cTn id="22" fill="hold">
                             <p:stCondLst>
                               <p:cond delay="0"/>
                             </p:stCondLst>
                             <p:childTnLst>
                               <p:par>
-                                <p:cTn id="27" presetID="10" presetClass="entr" presetSubtype="0" fill="hold" nodeType="clickEffect">
+                                <p:cTn id="23" presetID="2" presetClass="entr" presetSubtype="4" fill="hold" grpId="0" nodeType="clickEffect">
                                   <p:stCondLst>
                                     <p:cond delay="0"/>
                                   </p:stCondLst>
                                   <p:childTnLst>
                                     <p:set>
                                       <p:cBhvr>
-                                        <p:cTn id="28" dur="1" fill="hold">
-                                          <p:stCondLst>
-                                            <p:cond delay="0"/>
-                                          </p:stCondLst>
-                                        </p:cTn>
-                                        <p:tgtEl>
-                                          <p:spTgt spid="5"/>
-                                        </p:tgtEl>
-                                        <p:attrNameLst>
-                                          <p:attrName>style.visibility</p:attrName>
-                                        </p:attrNameLst>
-                                      </p:cBhvr>
-                                      <p:to>
-                                        <p:strVal val="visible"/>
-                                      </p:to>
-                                    </p:set>
-                                    <p:animEffect transition="in" filter="fade">
-                                      <p:cBhvr>
-                                        <p:cTn id="29" dur="500"/>
-                                        <p:tgtEl>
-                                          <p:spTgt spid="5"/>
-                                        </p:tgtEl>
-                                      </p:cBhvr>
-                                    </p:animEffect>
-                                  </p:childTnLst>
-                                </p:cTn>
-                              </p:par>
-                            </p:childTnLst>
-                          </p:cTn>
-                        </p:par>
-                      </p:childTnLst>
-                    </p:cTn>
-                  </p:par>
-                  <p:par>
-                    <p:cTn id="30" fill="hold">
-                      <p:stCondLst>
-                        <p:cond delay="indefinite"/>
-                      </p:stCondLst>
-                      <p:childTnLst>
-                        <p:par>
-                          <p:cTn id="31" fill="hold">
-                            <p:stCondLst>
-                              <p:cond delay="0"/>
-                            </p:stCondLst>
-                            <p:childTnLst>
-                              <p:par>
-                                <p:cTn id="32" presetID="2" presetClass="entr" presetSubtype="4" fill="hold" grpId="0" nodeType="clickEffect">
-                                  <p:stCondLst>
-                                    <p:cond delay="0"/>
-                                  </p:stCondLst>
-                                  <p:childTnLst>
-                                    <p:set>
-                                      <p:cBhvr>
-                                        <p:cTn id="33" dur="1" fill="hold">
+                                        <p:cTn id="24" dur="1" fill="hold">
                                           <p:stCondLst>
                                             <p:cond delay="0"/>
                                           </p:stCondLst>
@@ -5386,7 +5400,7 @@
                                     </p:set>
                                     <p:anim calcmode="lin" valueType="num">
                                       <p:cBhvr additive="base">
-                                        <p:cTn id="34" dur="500" fill="hold"/>
+                                        <p:cTn id="25" dur="500" fill="hold"/>
                                         <p:tgtEl>
                                           <p:spTgt spid="3">
                                             <p:txEl>
@@ -5413,7 +5427,7 @@
                                     </p:anim>
                                     <p:anim calcmode="lin" valueType="num">
                                       <p:cBhvr additive="base">
-                                        <p:cTn id="35" dur="500" fill="hold"/>
+                                        <p:cTn id="26" dur="500" fill="hold"/>
                                         <p:tgtEl>
                                           <p:spTgt spid="3">
                                             <p:txEl>
@@ -5448,26 +5462,26 @@
                     </p:cTn>
                   </p:par>
                   <p:par>
-                    <p:cTn id="36" fill="hold">
+                    <p:cTn id="27" fill="hold">
                       <p:stCondLst>
                         <p:cond delay="indefinite"/>
                       </p:stCondLst>
                       <p:childTnLst>
                         <p:par>
-                          <p:cTn id="37" fill="hold">
+                          <p:cTn id="28" fill="hold">
                             <p:stCondLst>
                               <p:cond delay="0"/>
                             </p:stCondLst>
                             <p:childTnLst>
                               <p:par>
-                                <p:cTn id="38" presetID="2" presetClass="entr" presetSubtype="4" fill="hold" grpId="0" nodeType="clickEffect">
+                                <p:cTn id="29" presetID="2" presetClass="entr" presetSubtype="4" fill="hold" grpId="0" nodeType="clickEffect">
                                   <p:stCondLst>
                                     <p:cond delay="0"/>
                                   </p:stCondLst>
                                   <p:childTnLst>
                                     <p:set>
                                       <p:cBhvr>
-                                        <p:cTn id="39" dur="1" fill="hold">
+                                        <p:cTn id="30" dur="1" fill="hold">
                                           <p:stCondLst>
                                             <p:cond delay="0"/>
                                           </p:stCondLst>
@@ -5489,7 +5503,7 @@
                                     </p:set>
                                     <p:anim calcmode="lin" valueType="num">
                                       <p:cBhvr additive="base">
-                                        <p:cTn id="40" dur="500" fill="hold"/>
+                                        <p:cTn id="31" dur="500" fill="hold"/>
                                         <p:tgtEl>
                                           <p:spTgt spid="3">
                                             <p:txEl>
@@ -5516,7 +5530,7 @@
                                     </p:anim>
                                     <p:anim calcmode="lin" valueType="num">
                                       <p:cBhvr additive="base">
-                                        <p:cTn id="41" dur="500" fill="hold"/>
+                                        <p:cTn id="32" dur="500" fill="hold"/>
                                         <p:tgtEl>
                                           <p:spTgt spid="3">
                                             <p:txEl>
@@ -5544,33 +5558,15 @@
                                   </p:childTnLst>
                                 </p:cTn>
                               </p:par>
-                            </p:childTnLst>
-                          </p:cTn>
-                        </p:par>
-                      </p:childTnLst>
-                    </p:cTn>
-                  </p:par>
-                  <p:par>
-                    <p:cTn id="42" fill="hold">
-                      <p:stCondLst>
-                        <p:cond delay="indefinite"/>
-                      </p:stCondLst>
-                      <p:childTnLst>
-                        <p:par>
-                          <p:cTn id="43" fill="hold">
-                            <p:stCondLst>
-                              <p:cond delay="0"/>
-                            </p:stCondLst>
-                            <p:childTnLst>
                               <p:par>
-                                <p:cTn id="44" presetID="2" presetClass="entr" presetSubtype="4" fill="hold" grpId="0" nodeType="clickEffect">
+                                <p:cTn id="33" presetID="2" presetClass="entr" presetSubtype="4" fill="hold" grpId="0" nodeType="withEffect">
                                   <p:stCondLst>
                                     <p:cond delay="0"/>
                                   </p:stCondLst>
                                   <p:childTnLst>
                                     <p:set>
                                       <p:cBhvr>
-                                        <p:cTn id="45" dur="1" fill="hold">
+                                        <p:cTn id="34" dur="1" fill="hold">
                                           <p:stCondLst>
                                             <p:cond delay="0"/>
                                           </p:stCondLst>
@@ -5592,7 +5588,7 @@
                                     </p:set>
                                     <p:anim calcmode="lin" valueType="num">
                                       <p:cBhvr additive="base">
-                                        <p:cTn id="46" dur="500" fill="hold"/>
+                                        <p:cTn id="35" dur="500" fill="hold"/>
                                         <p:tgtEl>
                                           <p:spTgt spid="3">
                                             <p:txEl>
@@ -5619,11 +5615,96 @@
                                     </p:anim>
                                     <p:anim calcmode="lin" valueType="num">
                                       <p:cBhvr additive="base">
-                                        <p:cTn id="47" dur="500" fill="hold"/>
+                                        <p:cTn id="36" dur="500" fill="hold"/>
                                         <p:tgtEl>
                                           <p:spTgt spid="3">
                                             <p:txEl>
                                               <p:pRg st="6" end="6"/>
+                                            </p:txEl>
+                                          </p:spTgt>
+                                        </p:tgtEl>
+                                        <p:attrNameLst>
+                                          <p:attrName>ppt_y</p:attrName>
+                                        </p:attrNameLst>
+                                      </p:cBhvr>
+                                      <p:tavLst>
+                                        <p:tav tm="0">
+                                          <p:val>
+                                            <p:strVal val="1+#ppt_h/2"/>
+                                          </p:val>
+                                        </p:tav>
+                                        <p:tav tm="100000">
+                                          <p:val>
+                                            <p:strVal val="#ppt_y"/>
+                                          </p:val>
+                                        </p:tav>
+                                      </p:tavLst>
+                                    </p:anim>
+                                  </p:childTnLst>
+                                </p:cTn>
+                              </p:par>
+                              <p:par>
+                                <p:cTn id="37" presetID="2" presetClass="entr" presetSubtype="4" fill="hold" grpId="0" nodeType="withEffect">
+                                  <p:stCondLst>
+                                    <p:cond delay="0"/>
+                                  </p:stCondLst>
+                                  <p:childTnLst>
+                                    <p:set>
+                                      <p:cBhvr>
+                                        <p:cTn id="38" dur="1" fill="hold">
+                                          <p:stCondLst>
+                                            <p:cond delay="0"/>
+                                          </p:stCondLst>
+                                        </p:cTn>
+                                        <p:tgtEl>
+                                          <p:spTgt spid="3">
+                                            <p:txEl>
+                                              <p:pRg st="7" end="7"/>
+                                            </p:txEl>
+                                          </p:spTgt>
+                                        </p:tgtEl>
+                                        <p:attrNameLst>
+                                          <p:attrName>style.visibility</p:attrName>
+                                        </p:attrNameLst>
+                                      </p:cBhvr>
+                                      <p:to>
+                                        <p:strVal val="visible"/>
+                                      </p:to>
+                                    </p:set>
+                                    <p:anim calcmode="lin" valueType="num">
+                                      <p:cBhvr additive="base">
+                                        <p:cTn id="39" dur="500" fill="hold"/>
+                                        <p:tgtEl>
+                                          <p:spTgt spid="3">
+                                            <p:txEl>
+                                              <p:pRg st="7" end="7"/>
+                                            </p:txEl>
+                                          </p:spTgt>
+                                        </p:tgtEl>
+                                        <p:attrNameLst>
+                                          <p:attrName>ppt_x</p:attrName>
+                                        </p:attrNameLst>
+                                      </p:cBhvr>
+                                      <p:tavLst>
+                                        <p:tav tm="0">
+                                          <p:val>
+                                            <p:strVal val="#ppt_x"/>
+                                          </p:val>
+                                        </p:tav>
+                                        <p:tav tm="100000">
+                                          <p:val>
+                                            <p:strVal val="#ppt_x"/>
+                                          </p:val>
+                                        </p:tav>
+                                      </p:tavLst>
+                                    </p:anim>
+                                    <p:anim calcmode="lin" valueType="num">
+                                      <p:cBhvr additive="base">
+                                        <p:cTn id="40" dur="500" fill="hold"/>
+                                        <p:tgtEl>
+                                          <p:spTgt spid="3">
+                                            <p:txEl>
+                                              <p:pRg st="7" end="7"/>
                                             </p:txEl>
                                           </p:spTgt>
                                         </p:tgtEl>
@@ -5716,10 +5797,10 @@
           <a:lstStyle/>
           <a:p>
             <a:r>
-              <a:rPr lang="en-US" sz="4400" dirty="0" smtClean="0"/>
+              <a:rPr lang="en-US" sz="4400" b="1" dirty="0" smtClean="0"/>
               <a:t>Sensing</a:t>
             </a:r>
-            <a:endParaRPr lang="en-US" sz="4400" dirty="0"/>
+            <a:endParaRPr lang="en-US" sz="4400" b="1" dirty="0"/>
           </a:p>
         </p:txBody>
       </p:sp>
@@ -5765,7 +5846,7 @@
                   <a:srgbClr val="00B0F0"/>
                 </a:solidFill>
               </a:rPr>
-              <a:t> in PONG?</a:t>
+              <a:t> in Bat Away?</a:t>
             </a:r>
           </a:p>
           <a:p>
@@ -5813,6 +5894,29 @@
           </a:prstGeom>
         </p:spPr>
       </p:pic>
+      <p:sp>
+        <p:nvSpPr>
+          <p:cNvPr id="5" name="Footer Placeholder 4"/>
+          <p:cNvSpPr>
+            <a:spLocks noGrp="1"/>
+          </p:cNvSpPr>
+          <p:nvPr>
+            <p:ph type="ftr" sz="quarter" idx="11"/>
+          </p:nvPr>
+        </p:nvSpPr>
+        <p:spPr/>
+        <p:txBody>
+          <a:bodyPr/>
+          <a:lstStyle/>
+          <a:p>
+            <a:r>
+              <a:rPr lang="en-US" smtClean="0"/>
+              <a:t>Jim Whitfield    http://tinyurl.com/scratch-beginners-1016</a:t>
+            </a:r>
+            <a:endParaRPr lang="en-US"/>
+          </a:p>
+        </p:txBody>
+      </p:sp>
     </p:spTree>
     <p:extLst>
       <p:ext uri="{BB962C8B-B14F-4D97-AF65-F5344CB8AC3E}">
@@ -5856,7 +5960,7 @@
                             </p:stCondLst>
                             <p:childTnLst>
                               <p:par>
-                                <p:cTn id="5" presetID="10" presetClass="entr" presetSubtype="0" fill="hold" grpId="0" nodeType="clickEffect">
+                                <p:cTn id="5" presetID="2" presetClass="entr" presetSubtype="4" fill="hold" grpId="0" nodeType="clickEffect">
                                   <p:stCondLst>
                                     <p:cond delay="0"/>
                                   </p:stCondLst>
@@ -5869,7 +5973,11 @@
                                           </p:stCondLst>
                                         </p:cTn>
                                         <p:tgtEl>
-                                          <p:spTgt spid="2"/>
+                                          <p:spTgt spid="3">
+                                            <p:txEl>
+                                              <p:pRg st="1" end="1"/>
+                                            </p:txEl>
+                                          </p:spTgt>
                                         </p:tgtEl>
                                         <p:attrNameLst>
                                           <p:attrName>style.visibility</p:attrName>
@@ -5879,44 +5987,72 @@
                                         <p:strVal val="visible"/>
                                       </p:to>
                                     </p:set>
-                                    <p:animEffect transition="in" filter="fade">
-                                      <p:cBhvr>
-                                        <p:cTn id="7" dur="500"/>
-                                        <p:tgtEl>
-                                          <p:spTgt spid="2"/>
-                                        </p:tgtEl>
-                                      </p:cBhvr>
-                                    </p:animEffect>
+                                    <p:anim calcmode="lin" valueType="num">
+                                      <p:cBhvr additive="base">
+                                        <p:cTn id="7" dur="500" fill="hold"/>
+                                        <p:tgtEl>
+                                          <p:spTgt spid="3">
+                                            <p:txEl>
+                                              <p:pRg st="1" end="1"/>
+                                            </p:txEl>
+                                          </p:spTgt>
+                                        </p:tgtEl>
+                                        <p:attrNameLst>
+                                          <p:attrName>ppt_x</p:attrName>
+                                        </p:attrNameLst>
+                                      </p:cBhvr>
+                                      <p:tavLst>
+                                        <p:tav tm="0">
+                                          <p:val>
+                                            <p:strVal val="#ppt_x"/>
+                                          </p:val>
+                                        </p:tav>
+                                        <p:tav tm="100000">
+                                          <p:val>
+                                            <p:strVal val="#ppt_x"/>
+                                          </p:val>
+                                        </p:tav>
+                                      </p:tavLst>
+                                    </p:anim>
+                                    <p:anim calcmode="lin" valueType="num">
+                                      <p:cBhvr additive="base">
+                                        <p:cTn id="8" dur="500" fill="hold"/>
+                                        <p:tgtEl>
+                                          <p:spTgt spid="3">
+                                            <p:txEl>
+                                              <p:pRg st="1" end="1"/>
+                                            </p:txEl>
+                                          </p:spTgt>
+                                        </p:tgtEl>
+                                        <p:attrNameLst>
+                                          <p:attrName>ppt_y</p:attrName>
+                                        </p:attrNameLst>
+                                      </p:cBhvr>
+                                      <p:tavLst>
+                                        <p:tav tm="0">
+                                          <p:val>
+                                            <p:strVal val="1+#ppt_h/2"/>
+                                          </p:val>
+                                        </p:tav>
+                                        <p:tav tm="100000">
+                                          <p:val>
+                                            <p:strVal val="#ppt_y"/>
+                                          </p:val>
+                                        </p:tav>
+                                      </p:tavLst>
+                                    </p:anim>
                                   </p:childTnLst>
                                 </p:cTn>
                               </p:par>
-                            </p:childTnLst>
-                          </p:cTn>
-                        </p:par>
-                      </p:childTnLst>
-                    </p:cTn>
-                  </p:par>
-                  <p:par>
-                    <p:cTn id="8" fill="hold">
-                      <p:stCondLst>
-                        <p:cond delay="indefinite"/>
-                      </p:stCondLst>
-                      <p:childTnLst>
-                        <p:par>
-                          <p:cTn id="9" fill="hold">
-                            <p:stCondLst>
-                              <p:cond delay="0"/>
-                            </p:stCondLst>
-                            <p:childTnLst>
                               <p:par>
-                                <p:cTn id="10" presetID="2" presetClass="entr" presetSubtype="4" fill="hold" grpId="0" nodeType="clickEffect">
+                                <p:cTn id="9" presetID="2" presetClass="entr" presetSubtype="4" fill="hold" grpId="0" nodeType="withEffect">
                                   <p:stCondLst>
                                     <p:cond delay="0"/>
                                   </p:stCondLst>
                                   <p:childTnLst>
                                     <p:set>
                                       <p:cBhvr>
-                                        <p:cTn id="11" dur="1" fill="hold">
+                                        <p:cTn id="10" dur="1" fill="hold">
                                           <p:stCondLst>
                                             <p:cond delay="0"/>
                                           </p:stCondLst>
@@ -5924,7 +6060,7 @@
                                         <p:tgtEl>
                                           <p:spTgt spid="3">
                                             <p:txEl>
-                                              <p:pRg st="0" end="0"/>
+                                              <p:pRg st="2" end="2"/>
                                             </p:txEl>
                                           </p:spTgt>
                                         </p:tgtEl>
@@ -5938,11 +6074,11 @@
                                     </p:set>
                                     <p:anim calcmode="lin" valueType="num">
                                       <p:cBhvr additive="base">
-                                        <p:cTn id="12" dur="500" fill="hold"/>
-                                        <p:tgtEl>
-                                          <p:spTgt spid="3">
-                                            <p:txEl>
-                                              <p:pRg st="0" end="0"/>
+                                        <p:cTn id="11" dur="500" fill="hold"/>
+                                        <p:tgtEl>
+                                          <p:spTgt spid="3">
+                                            <p:txEl>
+                                              <p:pRg st="2" end="2"/>
                                             </p:txEl>
                                           </p:spTgt>
                                         </p:tgtEl>
@@ -5965,11 +6101,11 @@
                                     </p:anim>
                                     <p:anim calcmode="lin" valueType="num">
                                       <p:cBhvr additive="base">
-                                        <p:cTn id="13" dur="500" fill="hold"/>
-                                        <p:tgtEl>
-                                          <p:spTgt spid="3">
-                                            <p:txEl>
-                                              <p:pRg st="0" end="0"/>
+                                        <p:cTn id="12" dur="500" fill="hold"/>
+                                        <p:tgtEl>
+                                          <p:spTgt spid="3">
+                                            <p:txEl>
+                                              <p:pRg st="2" end="2"/>
                                             </p:txEl>
                                           </p:spTgt>
                                         </p:tgtEl>
@@ -5993,33 +6129,15 @@
                                   </p:childTnLst>
                                 </p:cTn>
                               </p:par>
-                            </p:childTnLst>
-                          </p:cTn>
-                        </p:par>
-                      </p:childTnLst>
-                    </p:cTn>
-                  </p:par>
-                  <p:par>
-                    <p:cTn id="14" fill="hold">
-                      <p:stCondLst>
-                        <p:cond delay="indefinite"/>
-                      </p:stCondLst>
-                      <p:childTnLst>
-                        <p:par>
-                          <p:cTn id="15" fill="hold">
-                            <p:stCondLst>
-                              <p:cond delay="0"/>
-                            </p:stCondLst>
-                            <p:childTnLst>
                               <p:par>
-                                <p:cTn id="16" presetID="2" presetClass="entr" presetSubtype="4" fill="hold" grpId="0" nodeType="clickEffect">
+                                <p:cTn id="13" presetID="2" presetClass="entr" presetSubtype="4" fill="hold" grpId="0" nodeType="withEffect">
                                   <p:stCondLst>
                                     <p:cond delay="0"/>
                                   </p:stCondLst>
                                   <p:childTnLst>
                                     <p:set>
                                       <p:cBhvr>
-                                        <p:cTn id="17" dur="1" fill="hold">
+                                        <p:cTn id="14" dur="1" fill="hold">
                                           <p:stCondLst>
                                             <p:cond delay="0"/>
                                           </p:stCondLst>
@@ -6027,7 +6145,7 @@
                                         <p:tgtEl>
                                           <p:spTgt spid="3">
                                             <p:txEl>
-                                              <p:pRg st="1" end="1"/>
+                                              <p:pRg st="3" end="3"/>
                                             </p:txEl>
                                           </p:spTgt>
                                         </p:tgtEl>
@@ -6041,11 +6159,11 @@
                                     </p:set>
                                     <p:anim calcmode="lin" valueType="num">
                                       <p:cBhvr additive="base">
-                                        <p:cTn id="18" dur="500" fill="hold"/>
-                                        <p:tgtEl>
-                                          <p:spTgt spid="3">
-                                            <p:txEl>
-                                              <p:pRg st="1" end="1"/>
+                                        <p:cTn id="15" dur="500" fill="hold"/>
+                                        <p:tgtEl>
+                                          <p:spTgt spid="3">
+                                            <p:txEl>
+                                              <p:pRg st="3" end="3"/>
                                             </p:txEl>
                                           </p:spTgt>
                                         </p:tgtEl>
@@ -6068,213 +6186,7 @@
                                     </p:anim>
                                     <p:anim calcmode="lin" valueType="num">
                                       <p:cBhvr additive="base">
-                                        <p:cTn id="19" dur="500" fill="hold"/>
-                                        <p:tgtEl>
-                                          <p:spTgt spid="3">
-                                            <p:txEl>
-                                              <p:pRg st="1" end="1"/>
-                                            </p:txEl>
-                                          </p:spTgt>
-                                        </p:tgtEl>
-                                        <p:attrNameLst>
-                                          <p:attrName>ppt_y</p:attrName>
-                                        </p:attrNameLst>
-                                      </p:cBhvr>
-                                      <p:tavLst>
-                                        <p:tav tm="0">
-                                          <p:val>
-                                            <p:strVal val="1+#ppt_h/2"/>
-                                          </p:val>
-                                        </p:tav>
-                                        <p:tav tm="100000">
-                                          <p:val>
-                                            <p:strVal val="#ppt_y"/>
-                                          </p:val>
-                                        </p:tav>
-                                      </p:tavLst>
-                                    </p:anim>
-                                  </p:childTnLst>
-                                </p:cTn>
-                              </p:par>
-                            </p:childTnLst>
-                          </p:cTn>
-                        </p:par>
-                      </p:childTnLst>
-                    </p:cTn>
-                  </p:par>
-                  <p:par>
-                    <p:cTn id="20" fill="hold">
-                      <p:stCondLst>
-                        <p:cond delay="indefinite"/>
-                      </p:stCondLst>
-                      <p:childTnLst>
-                        <p:par>
-                          <p:cTn id="21" fill="hold">
-                            <p:stCondLst>
-                              <p:cond delay="0"/>
-                            </p:stCondLst>
-                            <p:childTnLst>
-                              <p:par>
-                                <p:cTn id="22" presetID="2" presetClass="entr" presetSubtype="4" fill="hold" grpId="0" nodeType="clickEffect">
-                                  <p:stCondLst>
-                                    <p:cond delay="0"/>
-                                  </p:stCondLst>
-                                  <p:childTnLst>
-                                    <p:set>
-                                      <p:cBhvr>
-                                        <p:cTn id="23" dur="1" fill="hold">
-                                          <p:stCondLst>
-                                            <p:cond delay="0"/>
-                                          </p:stCondLst>
-                                        </p:cTn>
-                                        <p:tgtEl>
-                                          <p:spTgt spid="3">
-                                            <p:txEl>
-                                              <p:pRg st="2" end="2"/>
-                                            </p:txEl>
-                                          </p:spTgt>
-                                        </p:tgtEl>
-                                        <p:attrNameLst>
-                                          <p:attrName>style.visibility</p:attrName>
-                                        </p:attrNameLst>
-                                      </p:cBhvr>
-                                      <p:to>
-                                        <p:strVal val="visible"/>
-                                      </p:to>
-                                    </p:set>
-                                    <p:anim calcmode="lin" valueType="num">
-                                      <p:cBhvr additive="base">
-                                        <p:cTn id="24" dur="500" fill="hold"/>
-                                        <p:tgtEl>
-                                          <p:spTgt spid="3">
-                                            <p:txEl>
-                                              <p:pRg st="2" end="2"/>
-                                            </p:txEl>
-                                          </p:spTgt>
-                                        </p:tgtEl>
-                                        <p:attrNameLst>
-                                          <p:attrName>ppt_x</p:attrName>
-                                        </p:attrNameLst>
-                                      </p:cBhvr>
-                                      <p:tavLst>
-                                        <p:tav tm="0">
-                                          <p:val>
-                                            <p:strVal val="#ppt_x"/>
-                                          </p:val>
-                                        </p:tav>
-                                        <p:tav tm="100000">
-                                          <p:val>
-                                            <p:strVal val="#ppt_x"/>
-                                          </p:val>
-                                        </p:tav>
-                                      </p:tavLst>
-                                    </p:anim>
-                                    <p:anim calcmode="lin" valueType="num">
-                                      <p:cBhvr additive="base">
-                                        <p:cTn id="25" dur="500" fill="hold"/>
-                                        <p:tgtEl>
-                                          <p:spTgt spid="3">
-                                            <p:txEl>
-                                              <p:pRg st="2" end="2"/>
-                                            </p:txEl>
-                                          </p:spTgt>
-                                        </p:tgtEl>
-                                        <p:attrNameLst>
-                                          <p:attrName>ppt_y</p:attrName>
-                                        </p:attrNameLst>
-                                      </p:cBhvr>
-                                      <p:tavLst>
-                                        <p:tav tm="0">
-                                          <p:val>
-                                            <p:strVal val="1+#ppt_h/2"/>
-                                          </p:val>
-                                        </p:tav>
-                                        <p:tav tm="100000">
-                                          <p:val>
-                                            <p:strVal val="#ppt_y"/>
-                                          </p:val>
-                                        </p:tav>
-                                      </p:tavLst>
-                                    </p:anim>
-                                  </p:childTnLst>
-                                </p:cTn>
-                              </p:par>
-                            </p:childTnLst>
-                          </p:cTn>
-                        </p:par>
-                      </p:childTnLst>
-                    </p:cTn>
-                  </p:par>
-                  <p:par>
-                    <p:cTn id="26" fill="hold">
-                      <p:stCondLst>
-                        <p:cond delay="indefinite"/>
-                      </p:stCondLst>
-                      <p:childTnLst>
-                        <p:par>
-                          <p:cTn id="27" fill="hold">
-                            <p:stCondLst>
-                              <p:cond delay="0"/>
-                            </p:stCondLst>
-                            <p:childTnLst>
-                              <p:par>
-                                <p:cTn id="28" presetID="2" presetClass="entr" presetSubtype="4" fill="hold" grpId="0" nodeType="clickEffect">
-                                  <p:stCondLst>
-                                    <p:cond delay="0"/>
-                                  </p:stCondLst>
-                                  <p:childTnLst>
-                                    <p:set>
-                                      <p:cBhvr>
-                                        <p:cTn id="29" dur="1" fill="hold">
-                                          <p:stCondLst>
-                                            <p:cond delay="0"/>
-                                          </p:stCondLst>
-                                        </p:cTn>
-                                        <p:tgtEl>
-                                          <p:spTgt spid="3">
-                                            <p:txEl>
-                                              <p:pRg st="3" end="3"/>
-                                            </p:txEl>
-                                          </p:spTgt>
-                                        </p:tgtEl>
-                                        <p:attrNameLst>
-                                          <p:attrName>style.visibility</p:attrName>
-                                        </p:attrNameLst>
-                                      </p:cBhvr>
-                                      <p:to>
-                                        <p:strVal val="visible"/>
-                                      </p:to>
-                                    </p:set>
-                                    <p:anim calcmode="lin" valueType="num">
-                                      <p:cBhvr additive="base">
-                                        <p:cTn id="30" dur="500" fill="hold"/>
-                                        <p:tgtEl>
-                                          <p:spTgt spid="3">
-                                            <p:txEl>
-                                              <p:pRg st="3" end="3"/>
-                                            </p:txEl>
-                                          </p:spTgt>
-                                        </p:tgtEl>
-                                        <p:attrNameLst>
-                                          <p:attrName>ppt_x</p:attrName>
-                                        </p:attrNameLst>
-                                      </p:cBhvr>
-                                      <p:tavLst>
-                                        <p:tav tm="0">
-                                          <p:val>
-                                            <p:strVal val="#ppt_x"/>
-                                          </p:val>
-                                        </p:tav>
-                                        <p:tav tm="100000">
-                                          <p:val>
-                                            <p:strVal val="#ppt_x"/>
-                                          </p:val>
-                                        </p:tav>
-                                      </p:tavLst>
-                                    </p:anim>
-                                    <p:anim calcmode="lin" valueType="num">
-                                      <p:cBhvr additive="base">
-                                        <p:cTn id="31" dur="500" fill="hold"/>
+                                        <p:cTn id="16" dur="500" fill="hold"/>
                                         <p:tgtEl>
                                           <p:spTgt spid="3">
                                             <p:txEl>
@@ -6330,8 +6242,7 @@
       </p:par>
     </p:tnLst>
     <p:bldLst>
-      <p:bldP spid="2" grpId="0"/>
-      <p:bldP spid="3" grpId="0" build="p"/>
+      <p:bldP spid="3" grpId="0" uiExpand="1" build="p"/>
     </p:bldLst>
   </p:timing>
 </p:sld>
@@ -6389,15 +6300,7 @@
             </a:br>
             <a:r>
               <a:rPr lang="en-US" sz="4000" dirty="0" smtClean="0"/>
-              <a:t>When the                 </a:t>
-            </a:r>
-            <a:r>
-              <a:rPr lang="en-US" sz="4000" dirty="0" smtClean="0"/>
-              <a:t>s </a:t>
-            </a:r>
-            <a:r>
-              <a:rPr lang="en-US" sz="4000" dirty="0" smtClean="0"/>
-              <a:t>ARE right</a:t>
+              <a:t>When the                 s ARE right</a:t>
             </a:r>
             <a:endParaRPr lang="en-US" sz="4000" dirty="0"/>
           </a:p>
@@ -6519,6 +6422,29 @@
           </a:prstGeom>
         </p:spPr>
       </p:pic>
+      <p:sp>
+        <p:nvSpPr>
+          <p:cNvPr id="4" name="Footer Placeholder 3"/>
+          <p:cNvSpPr>
+            <a:spLocks noGrp="1"/>
+          </p:cNvSpPr>
+          <p:nvPr>
+            <p:ph type="ftr" sz="quarter" idx="11"/>
+          </p:nvPr>
+        </p:nvSpPr>
+        <p:spPr/>
+        <p:txBody>
+          <a:bodyPr/>
+          <a:lstStyle/>
+          <a:p>
+            <a:r>
+              <a:rPr lang="en-US" smtClean="0"/>
+              <a:t>Jim Whitfield    http://tinyurl.com/scratch-beginners-1016</a:t>
+            </a:r>
+            <a:endParaRPr lang="en-US"/>
+          </a:p>
+        </p:txBody>
+      </p:sp>
     </p:spTree>
     <p:extLst>
       <p:ext uri="{BB962C8B-B14F-4D97-AF65-F5344CB8AC3E}">
@@ -6529,13 +6455,13 @@
   <p:clrMapOvr>
     <a:masterClrMapping/>
   </p:clrMapOvr>
-  <mc:AlternateContent xmlns:mc="http://schemas.openxmlformats.org/markup-compatibility/2006">
-    <mc:Choice xmlns:p14="http://schemas.microsoft.com/office/powerpoint/2010/main" Requires="p14">
+  <mc:AlternateContent xmlns:mc="http://schemas.openxmlformats.org/markup-compatibility/2006" xmlns:p14="http://schemas.microsoft.com/office/powerpoint/2010/main">
+    <mc:Choice Requires="p14">
       <p:transition spd="slow" p14:dur="2000">
         <p14:honeycomb/>
       </p:transition>
     </mc:Choice>
-    <mc:Fallback>
+    <mc:Fallback xmlns="">
       <p:transition spd="slow">
         <p:fade/>
       </p:transition>
@@ -6586,20 +6512,16 @@
           <a:lstStyle/>
           <a:p>
             <a:r>
-              <a:rPr lang="en-US" sz="4000" b="1" dirty="0" err="1" smtClean="0">
+              <a:rPr lang="en-US" sz="4000" b="1" dirty="0" smtClean="0">
                 <a:solidFill>
                   <a:srgbClr val="7030A0"/>
                 </a:solidFill>
               </a:rPr>
-              <a:t>BattyPong</a:t>
+              <a:t>Bat Away</a:t>
             </a:r>
             <a:r>
               <a:rPr lang="en-US" sz="4000" b="1" dirty="0" smtClean="0"/>
-              <a:t> </a:t>
-            </a:r>
-            <a:r>
-              <a:rPr lang="en-US" sz="4000" b="1" dirty="0" smtClean="0"/>
-              <a:t>– a few quick final words</a:t>
+              <a:t> – a few quick final words</a:t>
             </a:r>
             <a:endParaRPr lang="en-US" sz="4000" b="1" dirty="0"/>
           </a:p>
@@ -6627,39 +6549,8 @@
             </a:pPr>
             <a:r>
               <a:rPr lang="en-US" dirty="0" smtClean="0"/>
-              <a:t>I want to let you start, but I should give you </a:t>
-            </a:r>
-            <a:r>
-              <a:rPr lang="en-US" dirty="0" smtClean="0"/>
-              <a:t>some </a:t>
-            </a:r>
-            <a:r>
-              <a:rPr lang="en-US" dirty="0" smtClean="0"/>
-              <a:t>tips and </a:t>
-            </a:r>
-            <a:endParaRPr lang="en-US" dirty="0" smtClean="0"/>
-          </a:p>
-          <a:p>
-            <a:pPr marL="0" indent="0">
-              <a:buNone/>
-            </a:pPr>
-            <a:r>
-              <a:rPr lang="en-US" dirty="0" smtClean="0"/>
-              <a:t>chat </a:t>
-            </a:r>
-            <a:r>
-              <a:rPr lang="en-US" dirty="0" smtClean="0"/>
-              <a:t>about a design </a:t>
-            </a:r>
-            <a:r>
-              <a:rPr lang="en-US" dirty="0" smtClean="0"/>
-              <a:t>plan</a:t>
-            </a:r>
-          </a:p>
-          <a:p>
-            <a:pPr marL="0" indent="0">
-              <a:buNone/>
-            </a:pPr>
+              <a:t>Some missing parts:</a:t>
+            </a:r>
             <a:endParaRPr lang="en-US" dirty="0" smtClean="0"/>
           </a:p>
           <a:p>
@@ -6668,21 +6559,10 @@
               <a:buChar char="-"/>
             </a:pPr>
             <a:r>
-              <a:rPr lang="en-US" dirty="0" smtClean="0"/>
-              <a:t>Set </a:t>
-            </a:r>
-            <a:r>
-              <a:rPr lang="en-US" dirty="0" smtClean="0"/>
-              <a:t>an appropriate background</a:t>
-            </a:r>
-            <a:r>
-              <a:rPr lang="en-US" dirty="0" smtClean="0"/>
-              <a:t>(*), </a:t>
-            </a:r>
-            <a:r>
-              <a:rPr lang="en-US" dirty="0" smtClean="0"/>
-              <a:t>like WOODS, </a:t>
-            </a:r>
+              <a:rPr lang="en-US" dirty="0"/>
+              <a:t>Think of the bat as your ‘thing that does the tests, makes the decisions, and moves’ so you can minimize script elsewhere. </a:t>
+            </a:r>
+            <a:endParaRPr lang="en-US" dirty="0" smtClean="0"/>
           </a:p>
           <a:p>
             <a:pPr>
@@ -6691,7 +6571,23 @@
             </a:pPr>
             <a:r>
               <a:rPr lang="en-US" dirty="0" smtClean="0"/>
-              <a:t>Use the bat as your ‘thing that moves around’</a:t>
+              <a:t>Start </a:t>
+            </a:r>
+            <a:r>
+              <a:rPr lang="en-US" dirty="0" smtClean="0"/>
+              <a:t>a paddle as a rectangular block.  Later, the paddle</a:t>
+            </a:r>
+            <a:r>
+              <a:rPr lang="en-US" dirty="0"/>
+              <a:t> </a:t>
+            </a:r>
+            <a:r>
+              <a:rPr lang="en-US" dirty="0" smtClean="0"/>
+              <a:t>can be decorated for Halloween.  What do bats hate?  FIRE? Wooden Stakes?  Garlic?  Have fun</a:t>
+            </a:r>
+            <a:r>
+              <a:rPr lang="en-US" dirty="0" smtClean="0"/>
+              <a:t>!</a:t>
             </a:r>
           </a:p>
           <a:p>
@@ -6701,43 +6597,17 @@
             </a:pPr>
             <a:r>
               <a:rPr lang="en-US" dirty="0" smtClean="0"/>
-              <a:t>The </a:t>
+              <a:t>Add something to protect.  I made a rectangle at the bottom and called it ‘</a:t>
+            </a:r>
+            <a:r>
+              <a:rPr lang="en-US" dirty="0" err="1" smtClean="0"/>
+              <a:t>scorezone</a:t>
             </a:r>
             <a:r>
               <a:rPr lang="en-US" dirty="0" smtClean="0"/>
-              <a:t>paddle</a:t>
-            </a:r>
-            <a:r>
-              <a:rPr lang="en-US" dirty="0"/>
-              <a:t> </a:t>
-            </a:r>
-            <a:r>
-              <a:rPr lang="en-US" dirty="0" smtClean="0"/>
-              <a:t>can be decorated for Halloween.  What do bats hate?  FIRE? Wooden Stakes?  Garlic?  Have fun!</a:t>
+              <a:t>’</a:t>
             </a:r>
             <a:endParaRPr lang="en-US" dirty="0" smtClean="0"/>
-          </a:p>
-          <a:p>
-            <a:pPr>
-              <a:buFontTx/>
-              <a:buChar char="-"/>
-            </a:pPr>
-            <a:r>
-              <a:rPr lang="en-US" dirty="0" smtClean="0"/>
-              <a:t>Think of the </a:t>
-            </a:r>
-            <a:r>
-              <a:rPr lang="en-US" dirty="0" smtClean="0"/>
-              <a:t>bat as </a:t>
-            </a:r>
-            <a:r>
-              <a:rPr lang="en-US" dirty="0" smtClean="0"/>
-              <a:t>who is driving the action</a:t>
-            </a:r>
-            <a:r>
-              <a:rPr lang="en-US" dirty="0" smtClean="0"/>
-              <a:t>.</a:t>
-            </a:r>
           </a:p>
           <a:p>
             <a:pPr>
@@ -6773,7 +6643,10 @@
             <a:pPr marL="0" indent="0">
               <a:buNone/>
             </a:pPr>
-            <a:endParaRPr lang="en-US" sz="2000" dirty="0" smtClean="0"/>
+            <a:r>
+              <a:rPr lang="en-US" sz="2000" dirty="0" smtClean="0"/>
+              <a:t>- For fun, add scary sounds.  My sounds are all “stock sounds”.</a:t>
+            </a:r>
           </a:p>
           <a:p>
             <a:pPr marL="0" indent="0">
@@ -6781,13 +6654,31 @@
             </a:pPr>
             <a:r>
               <a:rPr lang="en-US" sz="2000" dirty="0" smtClean="0"/>
-              <a:t>* You might use more than one.  I had a Title screen costume, the Game Play costume, and a Game Over </a:t>
-            </a:r>
-            <a:r>
-              <a:rPr lang="en-US" sz="2000" dirty="0" smtClean="0"/>
-              <a:t>costume.  Alternatively, use a messaging sprite.</a:t>
-            </a:r>
-            <a:endParaRPr lang="en-US" sz="2000" dirty="0" smtClean="0"/>
+              <a:t>* You might use more than one background costume.  I had a waiting screen ‘costume’, the Game Play costume, and the game over costume.  Once you know messaging, then use a sprite that just has messages and use only one background.</a:t>
+            </a:r>
+          </a:p>
+        </p:txBody>
+      </p:sp>
+      <p:sp>
+        <p:nvSpPr>
+          <p:cNvPr id="4" name="Footer Placeholder 3"/>
+          <p:cNvSpPr>
+            <a:spLocks noGrp="1"/>
+          </p:cNvSpPr>
+          <p:nvPr>
+            <p:ph type="ftr" sz="quarter" idx="11"/>
+          </p:nvPr>
+        </p:nvSpPr>
+        <p:spPr/>
+        <p:txBody>
+          <a:bodyPr/>
+          <a:lstStyle/>
+          <a:p>
+            <a:r>
+              <a:rPr lang="en-US" smtClean="0"/>
+              <a:t>Jim Whitfield    http://tinyurl.com/scratch-beginners-1016</a:t>
+            </a:r>
+            <a:endParaRPr lang="en-US"/>
           </a:p>
         </p:txBody>
       </p:sp>
@@ -7055,7 +6946,7 @@
                                         <p:tgtEl>
                                           <p:spTgt spid="3">
                                             <p:txEl>
-                                              <p:pRg st="3" end="3"/>
+                                              <p:pRg st="2" end="2"/>
                                             </p:txEl>
                                           </p:spTgt>
                                         </p:tgtEl>
@@ -7073,7 +6964,7 @@
                                         <p:tgtEl>
                                           <p:spTgt spid="3">
                                             <p:txEl>
-                                              <p:pRg st="3" end="3"/>
+                                              <p:pRg st="2" end="2"/>
                                             </p:txEl>
                                           </p:spTgt>
                                         </p:tgtEl>
@@ -7100,7 +6991,7 @@
                                         <p:tgtEl>
                                           <p:spTgt spid="3">
                                             <p:txEl>
-                                              <p:pRg st="3" end="3"/>
+                                              <p:pRg st="2" end="2"/>
                                             </p:txEl>
                                           </p:spTgt>
                                         </p:tgtEl>
@@ -7158,7 +7049,7 @@
                                         <p:tgtEl>
                                           <p:spTgt spid="3">
                                             <p:txEl>
-                                              <p:pRg st="4" end="4"/>
+                                              <p:pRg st="3" end="3"/>
                                             </p:txEl>
                                           </p:spTgt>
                                         </p:tgtEl>
@@ -7176,7 +7067,7 @@
                                         <p:tgtEl>
                                           <p:spTgt spid="3">
                                             <p:txEl>
-                                              <p:pRg st="4" end="4"/>
+                                              <p:pRg st="3" end="3"/>
                                             </p:txEl>
                                           </p:spTgt>
                                         </p:tgtEl>
@@ -7203,7 +7094,7 @@
                                         <p:tgtEl>
                                           <p:spTgt spid="3">
                                             <p:txEl>
-                                              <p:pRg st="4" end="4"/>
+                                              <p:pRg st="3" end="3"/>
                                             </p:txEl>
                                           </p:spTgt>
                                         </p:tgtEl>
@@ -7364,7 +7255,7 @@
                                         <p:tgtEl>
                                           <p:spTgt spid="3">
                                             <p:txEl>
-                                              <p:pRg st="6" end="6"/>
+                                              <p:pRg st="7" end="7"/>
                                             </p:txEl>
                                           </p:spTgt>
                                         </p:tgtEl>
@@ -7382,7 +7273,7 @@
                                         <p:tgtEl>
                                           <p:spTgt spid="3">
                                             <p:txEl>
-                                              <p:pRg st="6" end="6"/>
+                                              <p:pRg st="7" end="7"/>
                                             </p:txEl>
                                           </p:spTgt>
                                         </p:tgtEl>
@@ -7409,7 +7300,7 @@
                                         <p:tgtEl>
                                           <p:spTgt spid="3">
                                             <p:txEl>
-                                              <p:pRg st="6" end="6"/>
+                                              <p:pRg st="7" end="7"/>
                                             </p:txEl>
                                           </p:spTgt>
                                         </p:tgtEl>
@@ -7542,109 +7433,6 @@
                       </p:childTnLst>
                     </p:cTn>
                   </p:par>
-                  <p:par>
-                    <p:cTn id="45" fill="hold">
-                      <p:stCondLst>
-                        <p:cond delay="indefinite"/>
-                      </p:stCondLst>
-                      <p:childTnLst>
-                        <p:par>
-                          <p:cTn id="46" fill="hold">
-                            <p:stCondLst>
-                              <p:cond delay="0"/>
-                            </p:stCondLst>
-                            <p:childTnLst>
-                              <p:par>
-                                <p:cTn id="47" presetID="2" presetClass="entr" presetSubtype="4" fill="hold" grpId="0" nodeType="clickEffect">
-                                  <p:stCondLst>
-                                    <p:cond delay="0"/>
-                                  </p:stCondLst>
-                                  <p:childTnLst>
-                                    <p:set>
-                                      <p:cBhvr>
-                                        <p:cTn id="48" dur="1" fill="hold">
-                                          <p:stCondLst>
-                                            <p:cond delay="0"/>
-                                          </p:stCondLst>
-                                        </p:cTn>
-                                        <p:tgtEl>
-                                          <p:spTgt spid="3">
-                                            <p:txEl>
-                                              <p:pRg st="11" end="11"/>
-                                            </p:txEl>
-                                          </p:spTgt>
-                                        </p:tgtEl>
-                                        <p:attrNameLst>
-                                          <p:attrName>style.visibility</p:attrName>
-                                        </p:attrNameLst>
-                                      </p:cBhvr>
-                                      <p:to>
-                                        <p:strVal val="visible"/>
-                                      </p:to>
-                                    </p:set>
-                                    <p:anim calcmode="lin" valueType="num">
-                                      <p:cBhvr additive="base">
-                                        <p:cTn id="49" dur="500" fill="hold"/>
-                                        <p:tgtEl>
-                                          <p:spTgt spid="3">
-                                            <p:txEl>
-                                              <p:pRg st="11" end="11"/>
-                                            </p:txEl>
-                                          </p:spTgt>
-                                        </p:tgtEl>
-                                        <p:attrNameLst>
-                                          <p:attrName>ppt_x</p:attrName>
-                                        </p:attrNameLst>
-                                      </p:cBhvr>
-                                      <p:tavLst>
-                                        <p:tav tm="0">
-                                          <p:val>
-                                            <p:strVal val="#ppt_x"/>
-                                          </p:val>
-                                        </p:tav>
-                                        <p:tav tm="100000">
-                                          <p:val>
-                                            <p:strVal val="#ppt_x"/>
-                                          </p:val>
-                                        </p:tav>
-                                      </p:tavLst>
-                                    </p:anim>
-                                    <p:anim calcmode="lin" valueType="num">
-                                      <p:cBhvr additive="base">
-                                        <p:cTn id="50" dur="500" fill="hold"/>
-                                        <p:tgtEl>
-                                          <p:spTgt spid="3">
-                                            <p:txEl>
-                                              <p:pRg st="11" end="11"/>
-                                            </p:txEl>
-                                          </p:spTgt>
-                                        </p:tgtEl>
-                                        <p:attrNameLst>
-                                          <p:attrName>ppt_y</p:attrName>
-                                        </p:attrNameLst>
-                                      </p:cBhvr>
-                                      <p:tavLst>
-                                        <p:tav tm="0">
-                                          <p:val>
-                                            <p:strVal val="1+#ppt_h/2"/>
-                                          </p:val>
-                                        </p:tav>
-                                        <p:tav tm="100000">
-                                          <p:val>
-                                            <p:strVal val="#ppt_y"/>
-                                          </p:val>
-                                        </p:tav>
-                                      </p:tavLst>
-                                    </p:anim>
-                                  </p:childTnLst>
-                                </p:cTn>
-                              </p:par>
-                            </p:childTnLst>
-                          </p:cTn>
-                        </p:par>
-                      </p:childTnLst>
-                    </p:cTn>
-                  </p:par>
                 </p:childTnLst>
               </p:cTn>
               <p:prevCondLst>
@@ -7667,7 +7455,7 @@
       </p:par>
     </p:tnLst>
     <p:bldLst>
-      <p:bldP spid="3" grpId="0" build="p"/>
+      <p:bldP spid="3" grpId="0" uiExpand="1" build="p"/>
     </p:bldLst>
   </p:timing>
 </p:sld>
@@ -7706,22 +7494,18 @@
           <a:lstStyle/>
           <a:p>
             <a:r>
-              <a:rPr lang="en-US" dirty="0" smtClean="0">
+              <a:rPr lang="en-US" sz="4000" b="1" dirty="0" smtClean="0">
                 <a:solidFill>
                   <a:srgbClr val="7030A0"/>
                 </a:solidFill>
               </a:rPr>
-              <a:t>Batty-PONG</a:t>
-            </a:r>
-            <a:r>
-              <a:rPr lang="en-US" dirty="0" smtClean="0"/>
-              <a:t> </a:t>
-            </a:r>
-            <a:r>
-              <a:rPr lang="en-US" dirty="0" smtClean="0"/>
-              <a:t>– the plan </a:t>
-            </a:r>
-            <a:endParaRPr lang="en-US" dirty="0"/>
+              <a:t>Bat Away</a:t>
+            </a:r>
+            <a:r>
+              <a:rPr lang="en-US" sz="4000" b="1" dirty="0" smtClean="0"/>
+              <a:t> – the plan for your code</a:t>
+            </a:r>
+            <a:endParaRPr lang="en-US" b="1" dirty="0"/>
           </a:p>
         </p:txBody>
       </p:sp>
@@ -7737,13 +7521,13 @@
         </p:nvSpPr>
         <p:spPr>
           <a:xfrm>
-            <a:off x="457200" y="1600200"/>
-            <a:ext cx="6553200" cy="4525963"/>
+            <a:off x="457200" y="1371600"/>
+            <a:ext cx="6553200" cy="5105400"/>
           </a:xfrm>
         </p:spPr>
         <p:txBody>
           <a:bodyPr>
-            <a:normAutofit/>
+            <a:normAutofit lnSpcReduction="10000"/>
           </a:bodyPr>
           <a:lstStyle/>
           <a:p>
@@ -7761,12 +7545,17 @@
             </a:pPr>
             <a:r>
               <a:rPr lang="en-US" dirty="0"/>
-              <a:t>1) Get the paddle sliding </a:t>
+              <a:t>1) Get the paddle </a:t>
             </a:r>
             <a:r>
               <a:rPr lang="en-US" dirty="0" smtClean="0"/>
-              <a:t>forever.  tip:</a:t>
-            </a:r>
+              <a:t>sliding only on the bottom</a:t>
+            </a:r>
+            <a:r>
+              <a:rPr lang="en-US" dirty="0" smtClean="0"/>
+              <a:t>.  Code:</a:t>
+            </a:r>
+            <a:endParaRPr lang="en-US" dirty="0" smtClean="0"/>
           </a:p>
           <a:p>
             <a:pPr marL="0" indent="0">
@@ -7774,34 +7563,38 @@
             </a:pPr>
             <a:r>
               <a:rPr lang="en-US" dirty="0" smtClean="0"/>
-              <a:t>2) Get the </a:t>
+              <a:t>2) </a:t>
             </a:r>
             <a:r>
               <a:rPr lang="en-US" dirty="0" smtClean="0"/>
-              <a:t>bat bouncing </a:t>
+              <a:t>The bat shouldn’t fly until the player is ready.  Tip</a:t>
             </a:r>
             <a:r>
               <a:rPr lang="en-US" dirty="0" smtClean="0"/>
-              <a:t>around. tip: point first, then move forever</a:t>
-            </a:r>
+              <a:t>: wait until the mouse is clicked, then </a:t>
+            </a:r>
+            <a:r>
+              <a:rPr lang="en-US" dirty="0" smtClean="0"/>
+              <a:t>start moving the bat.</a:t>
+            </a:r>
+            <a:endParaRPr lang="en-US" dirty="0" smtClean="0"/>
           </a:p>
           <a:p>
             <a:pPr marL="0" indent="0">
               <a:buNone/>
             </a:pPr>
             <a:r>
-              <a:rPr lang="en-US" dirty="0"/>
-              <a:t>3</a:t>
-            </a:r>
-            <a:r>
               <a:rPr lang="en-US" dirty="0" smtClean="0"/>
-              <a:t>) Add game logic to the </a:t>
+              <a:t>3) Add ‘the game loop’ to the bat in </a:t>
             </a:r>
             <a:r>
               <a:rPr lang="en-US" dirty="0" smtClean="0"/>
-              <a:t>bat</a:t>
-            </a:r>
-            <a:endParaRPr lang="en-US" dirty="0" smtClean="0"/>
+              <a:t>another </a:t>
+            </a:r>
+            <a:r>
+              <a:rPr lang="en-US" dirty="0" smtClean="0"/>
+              <a:t>script block.</a:t>
+            </a:r>
           </a:p>
           <a:p>
             <a:pPr marL="0" indent="0">
@@ -7809,7 +7602,7 @@
             </a:pPr>
             <a:r>
               <a:rPr lang="en-US" dirty="0" smtClean="0"/>
-              <a:t>tip: </a:t>
+              <a:t>Tip: when the bat touches the paddle </a:t>
             </a:r>
           </a:p>
           <a:p>
@@ -7818,58 +7611,88 @@
             </a:pPr>
             <a:r>
               <a:rPr lang="en-US" dirty="0" smtClean="0"/>
-              <a:t>4) Add end-game logic</a:t>
+              <a:t>4) In ‘the game loop’, if the bat touches </a:t>
+            </a:r>
+            <a:r>
+              <a:rPr lang="en-US" dirty="0" smtClean="0"/>
+              <a:t>what </a:t>
+            </a:r>
+            <a:r>
+              <a:rPr lang="en-US" dirty="0" smtClean="0"/>
+              <a:t>you are protecting, ‘end the game’ (or appear to!)</a:t>
             </a:r>
           </a:p>
           <a:p>
             <a:pPr marL="0" indent="0">
               <a:buNone/>
             </a:pPr>
-            <a:r>
-              <a:rPr lang="en-US" sz="2400" dirty="0" smtClean="0"/>
-              <a:t>Checkpoint: </a:t>
-            </a:r>
-            <a:r>
-              <a:rPr lang="en-US" sz="2400" dirty="0" smtClean="0">
-                <a:hlinkClick r:id="rId2"/>
-              </a:rPr>
-              <a:t>http://scratch.mit.edu/projects/13203931/</a:t>
-            </a:r>
-            <a:endParaRPr lang="en-US" sz="2400" dirty="0" smtClean="0"/>
+            <a:endParaRPr lang="en-US" dirty="0" smtClean="0"/>
           </a:p>
           <a:p>
             <a:pPr marL="0" indent="0">
               <a:buNone/>
             </a:pPr>
             <a:r>
-              <a:rPr lang="en-US" dirty="0"/>
-              <a:t>5</a:t>
-            </a:r>
-            <a:r>
-              <a:rPr lang="en-US" dirty="0" smtClean="0"/>
-              <a:t>) </a:t>
-            </a:r>
-            <a:r>
-              <a:rPr lang="en-US" dirty="0" smtClean="0"/>
-              <a:t>Add a score.  I’ll give tips </a:t>
-            </a:r>
-            <a:r>
-              <a:rPr lang="en-US" dirty="0" smtClean="0"/>
-              <a:t>later.</a:t>
-            </a:r>
+              <a:rPr lang="en-US" sz="2200" dirty="0" smtClean="0"/>
+              <a:t>Watch: </a:t>
+            </a:r>
+            <a:r>
+              <a:rPr lang="en-US" sz="2200" dirty="0">
+                <a:hlinkClick r:id="rId2"/>
+              </a:rPr>
+              <a:t>http://</a:t>
+            </a:r>
+            <a:r>
+              <a:rPr lang="en-US" sz="2200" dirty="0" smtClean="0">
+                <a:hlinkClick r:id="rId2"/>
+              </a:rPr>
+              <a:t>youtu.be/hx2FIxdi8lE</a:t>
+            </a:r>
+            <a:endParaRPr lang="en-US" sz="2200" dirty="0" smtClean="0"/>
           </a:p>
           <a:p>
             <a:pPr marL="0" indent="0">
               <a:buNone/>
             </a:pPr>
             <a:r>
-              <a:rPr lang="en-US" dirty="0" smtClean="0"/>
-              <a:t>6) Stretch goal: maybe </a:t>
-            </a:r>
-            <a:r>
-              <a:rPr lang="en-US" dirty="0" smtClean="0"/>
-              <a:t>add restart appearance and logic</a:t>
-            </a:r>
+              <a:rPr lang="en-US" sz="2400" dirty="0" smtClean="0"/>
+              <a:t>Checkpoint: </a:t>
+            </a:r>
+            <a:r>
+              <a:rPr lang="en-US" sz="2400" dirty="0" smtClean="0">
+                <a:hlinkClick r:id="rId3"/>
+              </a:rPr>
+              <a:t>http://scratch.mit.edu/projects/13203931/</a:t>
+            </a:r>
+            <a:endParaRPr lang="en-US" sz="2400" dirty="0" smtClean="0"/>
+          </a:p>
+          <a:p>
+            <a:pPr marL="0" indent="0">
+              <a:buNone/>
+            </a:pPr>
+            <a:r>
+              <a:rPr lang="en-US" sz="2400" dirty="0" smtClean="0"/>
+              <a:t>Share yours to this studio: </a:t>
+            </a:r>
+            <a:r>
+              <a:rPr lang="en-US" sz="2400" dirty="0">
+                <a:hlinkClick r:id="rId4"/>
+              </a:rPr>
+              <a:t>scratch.mit.edu/studios/261917</a:t>
+            </a:r>
+            <a:r>
+              <a:rPr lang="en-US" sz="2400" dirty="0" smtClean="0">
+                <a:hlinkClick r:id="rId4"/>
+              </a:rPr>
+              <a:t>/</a:t>
+            </a:r>
+            <a:endParaRPr lang="en-US" sz="2400" dirty="0" smtClean="0"/>
+          </a:p>
+          <a:p>
+            <a:pPr marL="0" indent="0">
+              <a:buNone/>
+            </a:pPr>
+            <a:endParaRPr lang="en-US" sz="2400" dirty="0" smtClean="0"/>
           </a:p>
           <a:p>
             <a:pPr marL="0" indent="0">
@@ -7888,39 +7711,15 @@
           <p:nvPr/>
         </p:nvPicPr>
         <p:blipFill>
-          <a:blip r:embed="rId3"/>
+          <a:blip r:embed="rId5"/>
           <a:stretch>
             <a:fillRect/>
           </a:stretch>
         </p:blipFill>
         <p:spPr>
           <a:xfrm>
-            <a:off x="1752600" y="3429000"/>
+            <a:off x="5105400" y="3038412"/>
             <a:ext cx="3607622" cy="368384"/>
-          </a:xfrm>
-          <a:prstGeom prst="rect">
-            <a:avLst/>
-          </a:prstGeom>
-        </p:spPr>
-      </p:pic>
-      <p:pic>
-        <p:nvPicPr>
-          <p:cNvPr id="5" name="Picture 4"/>
-          <p:cNvPicPr>
-            <a:picLocks noChangeAspect="1"/>
-          </p:cNvPicPr>
-          <p:nvPr/>
-        </p:nvPicPr>
-        <p:blipFill>
-          <a:blip r:embed="rId4"/>
-          <a:stretch>
-            <a:fillRect/>
-          </a:stretch>
-        </p:blipFill>
-        <p:spPr>
-          <a:xfrm>
-            <a:off x="6411157" y="2673658"/>
-            <a:ext cx="1702188" cy="635145"/>
           </a:xfrm>
           <a:prstGeom prst="rect">
             <a:avLst/>
@@ -7936,14 +7735,14 @@
           <p:nvPr/>
         </p:nvPicPr>
         <p:blipFill>
-          <a:blip r:embed="rId5"/>
+          <a:blip r:embed="rId6"/>
           <a:stretch>
             <a:fillRect/>
           </a:stretch>
         </p:blipFill>
         <p:spPr>
           <a:xfrm>
-            <a:off x="6400800" y="1747464"/>
+            <a:off x="6553200" y="1472498"/>
             <a:ext cx="1626075" cy="743632"/>
           </a:xfrm>
           <a:prstGeom prst="rect">
@@ -7951,6 +7750,29 @@
           </a:prstGeom>
         </p:spPr>
       </p:pic>
+      <p:sp>
+        <p:nvSpPr>
+          <p:cNvPr id="5" name="Footer Placeholder 4"/>
+          <p:cNvSpPr>
+            <a:spLocks noGrp="1"/>
+          </p:cNvSpPr>
+          <p:nvPr>
+            <p:ph type="ftr" sz="quarter" idx="11"/>
+          </p:nvPr>
+        </p:nvSpPr>
+        <p:spPr/>
+        <p:txBody>
+          <a:bodyPr/>
+          <a:lstStyle/>
+          <a:p>
+            <a:r>
+              <a:rPr lang="en-US" smtClean="0"/>
+              <a:t>Jim Whitfield    http://tinyurl.com/scratch-beginners-1016</a:t>
+            </a:r>
+            <a:endParaRPr lang="en-US"/>
+          </a:p>
+        </p:txBody>
+      </p:sp>
     </p:spTree>
     <p:extLst>
       <p:ext uri="{BB962C8B-B14F-4D97-AF65-F5344CB8AC3E}">
@@ -8425,7 +8247,7 @@
                             </p:stCondLst>
                             <p:childTnLst>
                               <p:par>
-                                <p:cTn id="31" presetID="5" presetClass="entr" presetSubtype="10" fill="hold" nodeType="clickEffect">
+                                <p:cTn id="31" presetID="2" presetClass="entr" presetSubtype="4" fill="hold" grpId="0" nodeType="clickEffect">
                                   <p:stCondLst>
                                     <p:cond delay="0"/>
                                   </p:stCondLst>
@@ -8438,7 +8260,11 @@
                                           </p:stCondLst>
                                         </p:cTn>
                                         <p:tgtEl>
-                                          <p:spTgt spid="5"/>
+                                          <p:spTgt spid="3">
+                                            <p:txEl>
+                                              <p:pRg st="3" end="3"/>
+                                            </p:txEl>
+                                          </p:spTgt>
                                         </p:tgtEl>
                                         <p:attrNameLst>
                                           <p:attrName>style.visibility</p:attrName>
@@ -8448,44 +8274,72 @@
                                         <p:strVal val="visible"/>
                                       </p:to>
                                     </p:set>
-                                    <p:animEffect transition="in" filter="checkerboard(across)">
-                                      <p:cBhvr>
-                                        <p:cTn id="33" dur="500"/>
-                                        <p:tgtEl>
-                                          <p:spTgt spid="5"/>
-                                        </p:tgtEl>
-                                      </p:cBhvr>
-                                    </p:animEffect>
+                                    <p:anim calcmode="lin" valueType="num">
+                                      <p:cBhvr additive="base">
+                                        <p:cTn id="33" dur="500" fill="hold"/>
+                                        <p:tgtEl>
+                                          <p:spTgt spid="3">
+                                            <p:txEl>
+                                              <p:pRg st="3" end="3"/>
+                                            </p:txEl>
+                                          </p:spTgt>
+                                        </p:tgtEl>
+                                        <p:attrNameLst>
+                                          <p:attrName>ppt_x</p:attrName>
+                                        </p:attrNameLst>
+                                      </p:cBhvr>
+                                      <p:tavLst>
+                                        <p:tav tm="0">
+                                          <p:val>
+                                            <p:strVal val="#ppt_x"/>
+                                          </p:val>
+                                        </p:tav>
+                                        <p:tav tm="100000">
+                                          <p:val>
+                                            <p:strVal val="#ppt_x"/>
+                                          </p:val>
+                                        </p:tav>
+                                      </p:tavLst>
+                                    </p:anim>
+                                    <p:anim calcmode="lin" valueType="num">
+                                      <p:cBhvr additive="base">
+                                        <p:cTn id="34" dur="500" fill="hold"/>
+                                        <p:tgtEl>
+                                          <p:spTgt spid="3">
+                                            <p:txEl>
+                                              <p:pRg st="3" end="3"/>
+                                            </p:txEl>
+                                          </p:spTgt>
+                                        </p:tgtEl>
+                                        <p:attrNameLst>
+                                          <p:attrName>ppt_y</p:attrName>
+                                        </p:attrNameLst>
+                                      </p:cBhvr>
+                                      <p:tavLst>
+                                        <p:tav tm="0">
+                                          <p:val>
+                                            <p:strVal val="1+#ppt_h/2"/>
+                                          </p:val>
+                                        </p:tav>
+                                        <p:tav tm="100000">
+                                          <p:val>
+                                            <p:strVal val="#ppt_y"/>
+                                          </p:val>
+                                        </p:tav>
+                                      </p:tavLst>
+                                    </p:anim>
                                   </p:childTnLst>
                                 </p:cTn>
                               </p:par>
-                            </p:childTnLst>
-                          </p:cTn>
-                        </p:par>
-                      </p:childTnLst>
-                    </p:cTn>
-                  </p:par>
-                  <p:par>
-                    <p:cTn id="34" fill="hold">
-                      <p:stCondLst>
-                        <p:cond delay="indefinite"/>
-                      </p:stCondLst>
-                      <p:childTnLst>
-                        <p:par>
-                          <p:cTn id="35" fill="hold">
-                            <p:stCondLst>
-                              <p:cond delay="0"/>
-                            </p:stCondLst>
-                            <p:childTnLst>
                               <p:par>
-                                <p:cTn id="36" presetID="2" presetClass="entr" presetSubtype="4" fill="hold" grpId="0" nodeType="clickEffect">
+                                <p:cTn id="35" presetID="2" presetClass="entr" presetSubtype="4" fill="hold" grpId="0" nodeType="withEffect">
                                   <p:stCondLst>
                                     <p:cond delay="0"/>
                                   </p:stCondLst>
                                   <p:childTnLst>
                                     <p:set>
                                       <p:cBhvr>
-                                        <p:cTn id="37" dur="1" fill="hold">
+                                        <p:cTn id="36" dur="1" fill="hold">
                                           <p:stCondLst>
                                             <p:cond delay="0"/>
                                           </p:stCondLst>
@@ -8493,7 +8347,7 @@
                                         <p:tgtEl>
                                           <p:spTgt spid="3">
                                             <p:txEl>
-                                              <p:pRg st="3" end="3"/>
+                                              <p:pRg st="4" end="4"/>
                                             </p:txEl>
                                           </p:spTgt>
                                         </p:tgtEl>
@@ -8507,11 +8361,11 @@
                                     </p:set>
                                     <p:anim calcmode="lin" valueType="num">
                                       <p:cBhvr additive="base">
-                                        <p:cTn id="38" dur="500" fill="hold"/>
-                                        <p:tgtEl>
-                                          <p:spTgt spid="3">
-                                            <p:txEl>
-                                              <p:pRg st="3" end="3"/>
+                                        <p:cTn id="37" dur="500" fill="hold"/>
+                                        <p:tgtEl>
+                                          <p:spTgt spid="3">
+                                            <p:txEl>
+                                              <p:pRg st="4" end="4"/>
                                             </p:txEl>
                                           </p:spTgt>
                                         </p:tgtEl>
@@ -8534,92 +8388,7 @@
                                     </p:anim>
                                     <p:anim calcmode="lin" valueType="num">
                                       <p:cBhvr additive="base">
-                                        <p:cTn id="39" dur="500" fill="hold"/>
-                                        <p:tgtEl>
-                                          <p:spTgt spid="3">
-                                            <p:txEl>
-                                              <p:pRg st="3" end="3"/>
-                                            </p:txEl>
-                                          </p:spTgt>
-                                        </p:tgtEl>
-                                        <p:attrNameLst>
-                                          <p:attrName>ppt_y</p:attrName>
-                                        </p:attrNameLst>
-                                      </p:cBhvr>
-                                      <p:tavLst>
-                                        <p:tav tm="0">
-                                          <p:val>
-                                            <p:strVal val="1+#ppt_h/2"/>
-                                          </p:val>
-                                        </p:tav>
-                                        <p:tav tm="100000">
-                                          <p:val>
-                                            <p:strVal val="#ppt_y"/>
-                                          </p:val>
-                                        </p:tav>
-                                      </p:tavLst>
-                                    </p:anim>
-                                  </p:childTnLst>
-                                </p:cTn>
-                              </p:par>
-                              <p:par>
-                                <p:cTn id="40" presetID="2" presetClass="entr" presetSubtype="4" fill="hold" grpId="0" nodeType="withEffect">
-                                  <p:stCondLst>
-                                    <p:cond delay="0"/>
-                                  </p:stCondLst>
-                                  <p:childTnLst>
-                                    <p:set>
-                                      <p:cBhvr>
-                                        <p:cTn id="41" dur="1" fill="hold">
-                                          <p:stCondLst>
-                                            <p:cond delay="0"/>
-                                          </p:stCondLst>
-                                        </p:cTn>
-                                        <p:tgtEl>
-                                          <p:spTgt spid="3">
-                                            <p:txEl>
-                                              <p:pRg st="4" end="4"/>
-                                            </p:txEl>
-                                          </p:spTgt>
-                                        </p:tgtEl>
-                                        <p:attrNameLst>
-                                          <p:attrName>style.visibility</p:attrName>
-                                        </p:attrNameLst>
-                                      </p:cBhvr>
-                                      <p:to>
-                                        <p:strVal val="visible"/>
-                                      </p:to>
-                                    </p:set>
-                                    <p:anim calcmode="lin" valueType="num">
-                                      <p:cBhvr additive="base">
-                                        <p:cTn id="42" dur="500" fill="hold"/>
-                                        <p:tgtEl>
-                                          <p:spTgt spid="3">
-                                            <p:txEl>
-                                              <p:pRg st="4" end="4"/>
-                                            </p:txEl>
-                                          </p:spTgt>
-                                        </p:tgtEl>
-                                        <p:attrNameLst>
-                                          <p:attrName>ppt_x</p:attrName>
-                                        </p:attrNameLst>
-                                      </p:cBhvr>
-                                      <p:tavLst>
-                                        <p:tav tm="0">
-                                          <p:val>
-                                            <p:strVal val="#ppt_x"/>
-                                          </p:val>
-                                        </p:tav>
-                                        <p:tav tm="100000">
-                                          <p:val>
-                                            <p:strVal val="#ppt_x"/>
-                                          </p:val>
-                                        </p:tav>
-                                      </p:tavLst>
-                                    </p:anim>
-                                    <p:anim calcmode="lin" valueType="num">
-                                      <p:cBhvr additive="base">
-                                        <p:cTn id="43" dur="500" fill="hold"/>
+                                        <p:cTn id="38" dur="500" fill="hold"/>
                                         <p:tgtEl>
                                           <p:spTgt spid="3">
                                             <p:txEl>
@@ -8654,26 +8423,26 @@
                     </p:cTn>
                   </p:par>
                   <p:par>
-                    <p:cTn id="44" fill="hold">
+                    <p:cTn id="39" fill="hold">
                       <p:stCondLst>
                         <p:cond delay="indefinite"/>
                       </p:stCondLst>
                       <p:childTnLst>
                         <p:par>
-                          <p:cTn id="45" fill="hold">
+                          <p:cTn id="40" fill="hold">
                             <p:stCondLst>
                               <p:cond delay="0"/>
                             </p:stCondLst>
                             <p:childTnLst>
                               <p:par>
-                                <p:cTn id="46" presetID="53" presetClass="entr" presetSubtype="16" fill="hold" nodeType="clickEffect">
+                                <p:cTn id="41" presetID="53" presetClass="entr" presetSubtype="16" fill="hold" nodeType="clickEffect">
                                   <p:stCondLst>
                                     <p:cond delay="0"/>
                                   </p:stCondLst>
                                   <p:childTnLst>
                                     <p:set>
                                       <p:cBhvr>
-                                        <p:cTn id="47" dur="1" fill="hold">
+                                        <p:cTn id="42" dur="1" fill="hold">
                                           <p:stCondLst>
                                             <p:cond delay="0"/>
                                           </p:stCondLst>
@@ -8691,7 +8460,7 @@
                                     </p:set>
                                     <p:anim calcmode="lin" valueType="num">
                                       <p:cBhvr>
-                                        <p:cTn id="48" dur="500" fill="hold"/>
+                                        <p:cTn id="43" dur="500" fill="hold"/>
                                         <p:tgtEl>
                                           <p:spTgt spid="4"/>
                                         </p:tgtEl>
@@ -8714,7 +8483,7 @@
                                     </p:anim>
                                     <p:anim calcmode="lin" valueType="num">
                                       <p:cBhvr>
-                                        <p:cTn id="49" dur="500" fill="hold"/>
+                                        <p:cTn id="44" dur="500" fill="hold"/>
                                         <p:tgtEl>
                                           <p:spTgt spid="4"/>
                                         </p:tgtEl>
@@ -8737,7 +8506,7 @@
                                     </p:anim>
                                     <p:animEffect transition="in" filter="fade">
                                       <p:cBhvr>
-                                        <p:cTn id="50" dur="500"/>
+                                        <p:cTn id="45" dur="500"/>
                                         <p:tgtEl>
                                           <p:spTgt spid="4"/>
                                         </p:tgtEl>
@@ -8753,26 +8522,26 @@
                     </p:cTn>
                   </p:par>
                   <p:par>
-                    <p:cTn id="51" fill="hold">
+                    <p:cTn id="46" fill="hold">
                       <p:stCondLst>
                         <p:cond delay="indefinite"/>
                       </p:stCondLst>
                       <p:childTnLst>
                         <p:par>
-                          <p:cTn id="52" fill="hold">
+                          <p:cTn id="47" fill="hold">
                             <p:stCondLst>
                               <p:cond delay="0"/>
                             </p:stCondLst>
                             <p:childTnLst>
                               <p:par>
-                                <p:cTn id="53" presetID="2" presetClass="entr" presetSubtype="4" fill="hold" grpId="0" nodeType="clickEffect">
+                                <p:cTn id="48" presetID="2" presetClass="entr" presetSubtype="4" fill="hold" grpId="0" nodeType="clickEffect">
                                   <p:stCondLst>
                                     <p:cond delay="0"/>
                                   </p:stCondLst>
                                   <p:childTnLst>
                                     <p:set>
                                       <p:cBhvr>
-                                        <p:cTn id="54" dur="1" fill="hold">
+                                        <p:cTn id="49" dur="1" fill="hold">
                                           <p:stCondLst>
                                             <p:cond delay="0"/>
                                           </p:stCondLst>
@@ -8794,7 +8563,7 @@
                                     </p:set>
                                     <p:anim calcmode="lin" valueType="num">
                                       <p:cBhvr additive="base">
-                                        <p:cTn id="55" dur="500" fill="hold"/>
+                                        <p:cTn id="50" dur="500" fill="hold"/>
                                         <p:tgtEl>
                                           <p:spTgt spid="3">
                                             <p:txEl>
@@ -8821,7 +8590,7 @@
                                     </p:anim>
                                     <p:anim calcmode="lin" valueType="num">
                                       <p:cBhvr additive="base">
-                                        <p:cTn id="56" dur="500" fill="hold"/>
+                                        <p:cTn id="51" dur="500" fill="hold"/>
                                         <p:tgtEl>
                                           <p:spTgt spid="3">
                                             <p:txEl>
@@ -8856,26 +8625,26 @@
                     </p:cTn>
                   </p:par>
                   <p:par>
-                    <p:cTn id="57" fill="hold">
+                    <p:cTn id="52" fill="hold">
                       <p:stCondLst>
                         <p:cond delay="indefinite"/>
                       </p:stCondLst>
                       <p:childTnLst>
                         <p:par>
-                          <p:cTn id="58" fill="hold">
+                          <p:cTn id="53" fill="hold">
                             <p:stCondLst>
                               <p:cond delay="0"/>
                             </p:stCondLst>
                             <p:childTnLst>
                               <p:par>
-                                <p:cTn id="59" presetID="2" presetClass="entr" presetSubtype="4" fill="hold" grpId="0" nodeType="clickEffect">
+                                <p:cTn id="54" presetID="2" presetClass="entr" presetSubtype="4" fill="hold" grpId="0" nodeType="clickEffect">
                                   <p:stCondLst>
                                     <p:cond delay="0"/>
                                   </p:stCondLst>
                                   <p:childTnLst>
                                     <p:set>
                                       <p:cBhvr>
-                                        <p:cTn id="60" dur="1" fill="hold">
+                                        <p:cTn id="55" dur="1" fill="hold">
                                           <p:stCondLst>
                                             <p:cond delay="0"/>
                                           </p:stCondLst>
@@ -8883,7 +8652,7 @@
                                         <p:tgtEl>
                                           <p:spTgt spid="3">
                                             <p:txEl>
-                                              <p:pRg st="6" end="6"/>
+                                              <p:pRg st="7" end="7"/>
                                             </p:txEl>
                                           </p:spTgt>
                                         </p:tgtEl>
@@ -8897,11 +8666,11 @@
                                     </p:set>
                                     <p:anim calcmode="lin" valueType="num">
                                       <p:cBhvr additive="base">
-                                        <p:cTn id="61" dur="500" fill="hold"/>
-                                        <p:tgtEl>
-                                          <p:spTgt spid="3">
-                                            <p:txEl>
-                                              <p:pRg st="6" end="6"/>
+                                        <p:cTn id="56" dur="500" fill="hold"/>
+                                        <p:tgtEl>
+                                          <p:spTgt spid="3">
+                                            <p:txEl>
+                                              <p:pRg st="7" end="7"/>
                                             </p:txEl>
                                           </p:spTgt>
                                         </p:tgtEl>
@@ -8924,11 +8693,11 @@
                                     </p:anim>
                                     <p:anim calcmode="lin" valueType="num">
                                       <p:cBhvr additive="base">
-                                        <p:cTn id="62" dur="500" fill="hold"/>
-                                        <p:tgtEl>
-                                          <p:spTgt spid="3">
-                                            <p:txEl>
-                                              <p:pRg st="6" end="6"/>
+                                        <p:cTn id="57" dur="500" fill="hold"/>
+                                        <p:tgtEl>
+                                          <p:spTgt spid="3">
+                                            <p:txEl>
+                                              <p:pRg st="7" end="7"/>
                                             </p:txEl>
                                           </p:spTgt>
                                         </p:tgtEl>
@@ -8959,26 +8728,26 @@
                     </p:cTn>
                   </p:par>
                   <p:par>
-                    <p:cTn id="63" fill="hold">
+                    <p:cTn id="58" fill="hold">
                       <p:stCondLst>
                         <p:cond delay="indefinite"/>
                       </p:stCondLst>
                       <p:childTnLst>
                         <p:par>
-                          <p:cTn id="64" fill="hold">
+                          <p:cTn id="59" fill="hold">
                             <p:stCondLst>
                               <p:cond delay="0"/>
                             </p:stCondLst>
                             <p:childTnLst>
                               <p:par>
-                                <p:cTn id="65" presetID="2" presetClass="entr" presetSubtype="4" fill="hold" grpId="0" nodeType="clickEffect">
+                                <p:cTn id="60" presetID="2" presetClass="entr" presetSubtype="4" fill="hold" grpId="0" nodeType="clickEffect">
                                   <p:stCondLst>
                                     <p:cond delay="0"/>
                                   </p:stCondLst>
                                   <p:childTnLst>
                                     <p:set>
                                       <p:cBhvr>
-                                        <p:cTn id="66" dur="1" fill="hold">
+                                        <p:cTn id="61" dur="1" fill="hold">
                                           <p:stCondLst>
                                             <p:cond delay="0"/>
                                           </p:stCondLst>
@@ -8986,7 +8755,7 @@
                                         <p:tgtEl>
                                           <p:spTgt spid="3">
                                             <p:txEl>
-                                              <p:pRg st="7" end="7"/>
+                                              <p:pRg st="8" end="8"/>
                                             </p:txEl>
                                           </p:spTgt>
                                         </p:tgtEl>
@@ -9000,11 +8769,11 @@
                                     </p:set>
                                     <p:anim calcmode="lin" valueType="num">
                                       <p:cBhvr additive="base">
-                                        <p:cTn id="67" dur="500" fill="hold"/>
-                                        <p:tgtEl>
-                                          <p:spTgt spid="3">
-                                            <p:txEl>
-                                              <p:pRg st="7" end="7"/>
+                                        <p:cTn id="62" dur="500" fill="hold"/>
+                                        <p:tgtEl>
+                                          <p:spTgt spid="3">
+                                            <p:txEl>
+                                              <p:pRg st="8" end="8"/>
                                             </p:txEl>
                                           </p:spTgt>
                                         </p:tgtEl>
@@ -9027,11 +8796,11 @@
                                     </p:anim>
                                     <p:anim calcmode="lin" valueType="num">
                                       <p:cBhvr additive="base">
-                                        <p:cTn id="68" dur="500" fill="hold"/>
-                                        <p:tgtEl>
-                                          <p:spTgt spid="3">
-                                            <p:txEl>
-                                              <p:pRg st="7" end="7"/>
+                                        <p:cTn id="63" dur="500" fill="hold"/>
+                                        <p:tgtEl>
+                                          <p:spTgt spid="3">
+                                            <p:txEl>
+                                              <p:pRg st="8" end="8"/>
                                             </p:txEl>
                                           </p:spTgt>
                                         </p:tgtEl>
@@ -9062,26 +8831,26 @@
                     </p:cTn>
                   </p:par>
                   <p:par>
-                    <p:cTn id="69" fill="hold">
+                    <p:cTn id="64" fill="hold">
                       <p:stCondLst>
                         <p:cond delay="indefinite"/>
                       </p:stCondLst>
                       <p:childTnLst>
                         <p:par>
-                          <p:cTn id="70" fill="hold">
+                          <p:cTn id="65" fill="hold">
                             <p:stCondLst>
                               <p:cond delay="0"/>
                             </p:stCondLst>
                             <p:childTnLst>
                               <p:par>
-                                <p:cTn id="71" presetID="2" presetClass="entr" presetSubtype="4" fill="hold" grpId="0" nodeType="clickEffect">
+                                <p:cTn id="66" presetID="2" presetClass="entr" presetSubtype="4" fill="hold" grpId="0" nodeType="clickEffect">
                                   <p:stCondLst>
                                     <p:cond delay="0"/>
                                   </p:stCondLst>
                                   <p:childTnLst>
                                     <p:set>
                                       <p:cBhvr>
-                                        <p:cTn id="72" dur="1" fill="hold">
+                                        <p:cTn id="67" dur="1" fill="hold">
                                           <p:stCondLst>
                                             <p:cond delay="0"/>
                                           </p:stCondLst>
@@ -9089,7 +8858,7 @@
                                         <p:tgtEl>
                                           <p:spTgt spid="3">
                                             <p:txEl>
-                                              <p:pRg st="8" end="8"/>
+                                              <p:pRg st="9" end="9"/>
                                             </p:txEl>
                                           </p:spTgt>
                                         </p:tgtEl>
@@ -9103,11 +8872,11 @@
                                     </p:set>
                                     <p:anim calcmode="lin" valueType="num">
                                       <p:cBhvr additive="base">
-                                        <p:cTn id="73" dur="500" fill="hold"/>
-                                        <p:tgtEl>
-                                          <p:spTgt spid="3">
-                                            <p:txEl>
-                                              <p:pRg st="8" end="8"/>
+                                        <p:cTn id="68" dur="500" fill="hold"/>
+                                        <p:tgtEl>
+                                          <p:spTgt spid="3">
+                                            <p:txEl>
+                                              <p:pRg st="9" end="9"/>
                                             </p:txEl>
                                           </p:spTgt>
                                         </p:tgtEl>
@@ -9130,11 +8899,11 @@
                                     </p:anim>
                                     <p:anim calcmode="lin" valueType="num">
                                       <p:cBhvr additive="base">
-                                        <p:cTn id="74" dur="500" fill="hold"/>
-                                        <p:tgtEl>
-                                          <p:spTgt spid="3">
-                                            <p:txEl>
-                                              <p:pRg st="8" end="8"/>
+                                        <p:cTn id="69" dur="500" fill="hold"/>
+                                        <p:tgtEl>
+                                          <p:spTgt spid="3">
+                                            <p:txEl>
+                                              <p:pRg st="9" end="9"/>
                                             </p:txEl>
                                           </p:spTgt>
                                         </p:tgtEl>
@@ -9261,15 +9030,19 @@
             <a:pPr marL="0" indent="0">
               <a:buNone/>
             </a:pPr>
+            <a:endParaRPr lang="en-US" dirty="0" smtClean="0"/>
+          </a:p>
+          <a:p>
+            <a:pPr marL="0" indent="0">
+              <a:buNone/>
+            </a:pPr>
             <a:r>
               <a:rPr lang="en-US" dirty="0" smtClean="0"/>
-              <a:t>On the Ball</a:t>
-            </a:r>
-          </a:p>
-          <a:p>
+              <a:t>Bat ‘startup’ </a:t>
+            </a:r>
             <a:r>
               <a:rPr lang="en-US" dirty="0" smtClean="0"/>
-              <a:t>startup code:</a:t>
+              <a:t>code:</a:t>
             </a:r>
           </a:p>
           <a:p>
@@ -9287,7 +9060,12 @@
             <p:ph sz="half" idx="2"/>
           </p:nvPr>
         </p:nvSpPr>
-        <p:spPr/>
+        <p:spPr>
+          <a:xfrm>
+            <a:off x="3197258" y="2259801"/>
+            <a:ext cx="2517742" cy="1087439"/>
+          </a:xfrm>
+        </p:spPr>
         <p:txBody>
           <a:bodyPr/>
           <a:lstStyle/>
@@ -9295,20 +9073,16 @@
             <a:pPr marL="0" indent="0">
               <a:buNone/>
             </a:pPr>
-            <a:r>
-              <a:rPr lang="en-US" dirty="0" smtClean="0"/>
-              <a:t>Ball gameplay code:</a:t>
-            </a:r>
+            <a:endParaRPr lang="en-US" dirty="0" smtClean="0"/>
           </a:p>
           <a:p>
             <a:pPr marL="0" indent="0">
               <a:buNone/>
             </a:pPr>
             <a:r>
-              <a:rPr lang="en-US" sz="2000" dirty="0" smtClean="0"/>
-              <a:t>(grey box is for replay only)</a:t>
-            </a:r>
-            <a:endParaRPr lang="en-US" dirty="0"/>
+              <a:rPr lang="en-US" dirty="0" smtClean="0"/>
+              <a:t>Bat gameplay code:</a:t>
+            </a:r>
           </a:p>
         </p:txBody>
       </p:sp>
@@ -9336,9 +9110,213 @@
           </a:prstGeom>
         </p:spPr>
       </p:pic>
+      <p:sp>
+        <p:nvSpPr>
+          <p:cNvPr id="7" name="Content Placeholder 7"/>
+          <p:cNvSpPr txBox="1">
+            <a:spLocks/>
+          </p:cNvSpPr>
+          <p:nvPr/>
+        </p:nvSpPr>
+        <p:spPr>
+          <a:xfrm>
+            <a:off x="6954249" y="2259801"/>
+            <a:ext cx="2517742" cy="1087439"/>
+          </a:xfrm>
+          <a:prstGeom prst="rect">
+            <a:avLst/>
+          </a:prstGeom>
+        </p:spPr>
+        <p:txBody>
+          <a:bodyPr vert="horz" lIns="91440" tIns="45720" rIns="91440" bIns="45720" rtlCol="0">
+            <a:normAutofit/>
+          </a:bodyPr>
+          <a:lstStyle>
+            <a:lvl1pPr marL="171450" indent="-171450" algn="l" defTabSz="685800" rtl="0" eaLnBrk="1" latinLnBrk="0" hangingPunct="1">
+              <a:lnSpc>
+                <a:spcPct val="90000"/>
+              </a:lnSpc>
+              <a:spcBef>
+                <a:spcPts val="750"/>
+              </a:spcBef>
+              <a:buFont typeface="Arial" panose="020B0604020202020204" pitchFamily="34" charset="0"/>
+              <a:buChar char="•"/>
+              <a:defRPr sz="2100" kern="1200">
+                <a:solidFill>
+                  <a:schemeClr val="tx1"/>
+                </a:solidFill>
+                <a:latin typeface="+mn-lt"/>
+                <a:ea typeface="+mn-ea"/>
+                <a:cs typeface="+mn-cs"/>
+              </a:defRPr>
+            </a:lvl1pPr>
+            <a:lvl2pPr marL="514350" indent="-171450" algn="l" defTabSz="685800" rtl="0" eaLnBrk="1" latinLnBrk="0" hangingPunct="1">
+              <a:lnSpc>
+                <a:spcPct val="90000"/>
+              </a:lnSpc>
+              <a:spcBef>
+                <a:spcPts val="375"/>
+              </a:spcBef>
+              <a:buFont typeface="Arial" panose="020B0604020202020204" pitchFamily="34" charset="0"/>
+              <a:buChar char="•"/>
+              <a:defRPr sz="1800" kern="1200">
+                <a:solidFill>
+                  <a:schemeClr val="tx1"/>
+                </a:solidFill>
+                <a:latin typeface="+mn-lt"/>
+                <a:ea typeface="+mn-ea"/>
+                <a:cs typeface="+mn-cs"/>
+              </a:defRPr>
+            </a:lvl2pPr>
+            <a:lvl3pPr marL="857250" indent="-171450" algn="l" defTabSz="685800" rtl="0" eaLnBrk="1" latinLnBrk="0" hangingPunct="1">
+              <a:lnSpc>
+                <a:spcPct val="90000"/>
+              </a:lnSpc>
+              <a:spcBef>
+                <a:spcPts val="375"/>
+              </a:spcBef>
+              <a:buFont typeface="Arial" panose="020B0604020202020204" pitchFamily="34" charset="0"/>
+              <a:buChar char="•"/>
+              <a:defRPr sz="1500" kern="1200">
+                <a:solidFill>
+                  <a:schemeClr val="tx1"/>
+                </a:solidFill>
+                <a:latin typeface="+mn-lt"/>
+                <a:ea typeface="+mn-ea"/>
+                <a:cs typeface="+mn-cs"/>
+              </a:defRPr>
+            </a:lvl3pPr>
+            <a:lvl4pPr marL="1200150" indent="-171450" algn="l" defTabSz="685800" rtl="0" eaLnBrk="1" latinLnBrk="0" hangingPunct="1">
+              <a:lnSpc>
+                <a:spcPct val="90000"/>
+              </a:lnSpc>
+              <a:spcBef>
+                <a:spcPts val="375"/>
+              </a:spcBef>
+              <a:buFont typeface="Arial" panose="020B0604020202020204" pitchFamily="34" charset="0"/>
+              <a:buChar char="•"/>
+              <a:defRPr sz="1350" kern="1200">
+                <a:solidFill>
+                  <a:schemeClr val="tx1"/>
+                </a:solidFill>
+                <a:latin typeface="+mn-lt"/>
+                <a:ea typeface="+mn-ea"/>
+                <a:cs typeface="+mn-cs"/>
+              </a:defRPr>
+            </a:lvl4pPr>
+            <a:lvl5pPr marL="1543050" indent="-171450" algn="l" defTabSz="685800" rtl="0" eaLnBrk="1" latinLnBrk="0" hangingPunct="1">
+              <a:lnSpc>
+                <a:spcPct val="90000"/>
+              </a:lnSpc>
+              <a:spcBef>
+                <a:spcPts val="375"/>
+              </a:spcBef>
+              <a:buFont typeface="Arial" panose="020B0604020202020204" pitchFamily="34" charset="0"/>
+              <a:buChar char="•"/>
+              <a:defRPr sz="1350" kern="1200">
+                <a:solidFill>
+                  <a:schemeClr val="tx1"/>
+                </a:solidFill>
+                <a:latin typeface="+mn-lt"/>
+                <a:ea typeface="+mn-ea"/>
+                <a:cs typeface="+mn-cs"/>
+              </a:defRPr>
+            </a:lvl5pPr>
+            <a:lvl6pPr marL="1885950" indent="-171450" algn="l" defTabSz="685800" rtl="0" eaLnBrk="1" latinLnBrk="0" hangingPunct="1">
+              <a:lnSpc>
+                <a:spcPct val="90000"/>
+              </a:lnSpc>
+              <a:spcBef>
+                <a:spcPts val="375"/>
+              </a:spcBef>
+              <a:buFont typeface="Arial" panose="020B0604020202020204" pitchFamily="34" charset="0"/>
+              <a:buChar char="•"/>
+              <a:defRPr sz="1350" kern="1200">
+                <a:solidFill>
+                  <a:schemeClr val="tx1"/>
+                </a:solidFill>
+                <a:latin typeface="+mn-lt"/>
+                <a:ea typeface="+mn-ea"/>
+                <a:cs typeface="+mn-cs"/>
+              </a:defRPr>
+            </a:lvl6pPr>
+            <a:lvl7pPr marL="2228850" indent="-171450" algn="l" defTabSz="685800" rtl="0" eaLnBrk="1" latinLnBrk="0" hangingPunct="1">
+              <a:lnSpc>
+                <a:spcPct val="90000"/>
+              </a:lnSpc>
+              <a:spcBef>
+                <a:spcPts val="375"/>
+              </a:spcBef>
+              <a:buFont typeface="Arial" panose="020B0604020202020204" pitchFamily="34" charset="0"/>
+              <a:buChar char="•"/>
+              <a:defRPr sz="1350" kern="1200">
+                <a:solidFill>
+                  <a:schemeClr val="tx1"/>
+                </a:solidFill>
+                <a:latin typeface="+mn-lt"/>
+                <a:ea typeface="+mn-ea"/>
+                <a:cs typeface="+mn-cs"/>
+              </a:defRPr>
+            </a:lvl7pPr>
+            <a:lvl8pPr marL="2571750" indent="-171450" algn="l" defTabSz="685800" rtl="0" eaLnBrk="1" latinLnBrk="0" hangingPunct="1">
+              <a:lnSpc>
+                <a:spcPct val="90000"/>
+              </a:lnSpc>
+              <a:spcBef>
+                <a:spcPts val="375"/>
+              </a:spcBef>
+              <a:buFont typeface="Arial" panose="020B0604020202020204" pitchFamily="34" charset="0"/>
+              <a:buChar char="•"/>
+              <a:defRPr sz="1350" kern="1200">
+                <a:solidFill>
+                  <a:schemeClr val="tx1"/>
+                </a:solidFill>
+                <a:latin typeface="+mn-lt"/>
+                <a:ea typeface="+mn-ea"/>
+                <a:cs typeface="+mn-cs"/>
+              </a:defRPr>
+            </a:lvl8pPr>
+            <a:lvl9pPr marL="2914650" indent="-171450" algn="l" defTabSz="685800" rtl="0" eaLnBrk="1" latinLnBrk="0" hangingPunct="1">
+              <a:lnSpc>
+                <a:spcPct val="90000"/>
+              </a:lnSpc>
+              <a:spcBef>
+                <a:spcPts val="375"/>
+              </a:spcBef>
+              <a:buFont typeface="Arial" panose="020B0604020202020204" pitchFamily="34" charset="0"/>
+              <a:buChar char="•"/>
+              <a:defRPr sz="1350" kern="1200">
+                <a:solidFill>
+                  <a:schemeClr val="tx1"/>
+                </a:solidFill>
+                <a:latin typeface="+mn-lt"/>
+                <a:ea typeface="+mn-ea"/>
+                <a:cs typeface="+mn-cs"/>
+              </a:defRPr>
+            </a:lvl9pPr>
+          </a:lstStyle>
+          <a:p>
+            <a:pPr marL="0" indent="0">
+              <a:buFont typeface="Arial" panose="020B0604020202020204" pitchFamily="34" charset="0"/>
+              <a:buNone/>
+            </a:pPr>
+            <a:endParaRPr lang="en-US" dirty="0" smtClean="0"/>
+          </a:p>
+          <a:p>
+            <a:pPr marL="0" indent="0">
+              <a:buFont typeface="Arial" panose="020B0604020202020204" pitchFamily="34" charset="0"/>
+              <a:buNone/>
+            </a:pPr>
+            <a:r>
+              <a:rPr lang="en-US" dirty="0" smtClean="0"/>
+              <a:t>Bat flying code:</a:t>
+            </a:r>
+          </a:p>
+        </p:txBody>
+      </p:sp>
       <p:pic>
         <p:nvPicPr>
-          <p:cNvPr id="11" name="Picture 10"/>
+          <p:cNvPr id="5" name="Picture 4"/>
           <p:cNvPicPr>
             <a:picLocks noChangeAspect="1"/>
           </p:cNvPicPr>
@@ -9352,14 +9330,37 @@
         </p:blipFill>
         <p:spPr>
           <a:xfrm>
-            <a:off x="386383" y="3048000"/>
-            <a:ext cx="8485533" cy="3582216"/>
+            <a:off x="304800" y="2996320"/>
+            <a:ext cx="8993649" cy="3861680"/>
           </a:xfrm>
           <a:prstGeom prst="rect">
             <a:avLst/>
           </a:prstGeom>
         </p:spPr>
       </p:pic>
+      <p:sp>
+        <p:nvSpPr>
+          <p:cNvPr id="6" name="Footer Placeholder 5"/>
+          <p:cNvSpPr>
+            <a:spLocks noGrp="1"/>
+          </p:cNvSpPr>
+          <p:nvPr>
+            <p:ph type="ftr" sz="quarter" idx="11"/>
+          </p:nvPr>
+        </p:nvSpPr>
+        <p:spPr/>
+        <p:txBody>
+          <a:bodyPr/>
+          <a:lstStyle/>
+          <a:p>
+            <a:r>
+              <a:rPr lang="en-US" smtClean="0"/>
+              <a:t>Jim Whitfield    http://tinyurl.com/scratch-beginners-1016</a:t>
+            </a:r>
+            <a:endParaRPr lang="en-US"/>
+          </a:p>
+        </p:txBody>
+      </p:sp>
     </p:spTree>
     <p:extLst>
       <p:ext uri="{BB962C8B-B14F-4D97-AF65-F5344CB8AC3E}">
@@ -9428,7 +9429,7 @@
           <a:p>
             <a:r>
               <a:rPr lang="en-US" dirty="0" smtClean="0"/>
-              <a:t>Next Class…</a:t>
+              <a:t>What’s next?</a:t>
             </a:r>
             <a:endParaRPr lang="en-US" dirty="0"/>
           </a:p>
@@ -9449,17 +9450,155 @@
           <a:bodyPr/>
           <a:lstStyle/>
           <a:p>
+            <a:pPr>
+              <a:lnSpc>
+                <a:spcPct val="150000"/>
+              </a:lnSpc>
+              <a:buFont typeface="Wingdings" panose="05000000000000000000" pitchFamily="2" charset="2"/>
+              <a:buChar char="q"/>
+            </a:pPr>
             <a:r>
               <a:rPr lang="en-US" dirty="0" smtClean="0"/>
-              <a:t>Adding a score with variables</a:t>
-            </a:r>
-          </a:p>
-          <a:p>
+              <a:t>Add </a:t>
+            </a:r>
+            <a:r>
+              <a:rPr lang="en-US" dirty="0"/>
+              <a:t>a simple </a:t>
+            </a:r>
             <a:r>
               <a:rPr lang="en-US" dirty="0" smtClean="0"/>
-              <a:t>Adding Messages to control game state.</a:t>
+              <a:t>start </a:t>
+            </a:r>
+            <a:r>
+              <a:rPr lang="en-US" dirty="0"/>
+              <a:t>and </a:t>
+            </a:r>
+            <a:r>
+              <a:rPr lang="en-US" dirty="0" smtClean="0"/>
+              <a:t>finish using </a:t>
+            </a:r>
+            <a:r>
+              <a:rPr lang="en-US" dirty="0"/>
+              <a:t>stage </a:t>
+            </a:r>
+            <a:r>
+              <a:rPr lang="en-US" dirty="0" smtClean="0"/>
+              <a:t>backgrounds</a:t>
             </a:r>
             <a:endParaRPr lang="en-US" dirty="0"/>
+          </a:p>
+          <a:p>
+            <a:pPr>
+              <a:lnSpc>
+                <a:spcPct val="150000"/>
+              </a:lnSpc>
+              <a:buFont typeface="Wingdings" panose="05000000000000000000" pitchFamily="2" charset="2"/>
+              <a:buChar char="q"/>
+            </a:pPr>
+            <a:r>
+              <a:rPr lang="en-US" dirty="0" smtClean="0"/>
+              <a:t>Add sounds</a:t>
+            </a:r>
+          </a:p>
+          <a:p>
+            <a:pPr>
+              <a:lnSpc>
+                <a:spcPct val="150000"/>
+              </a:lnSpc>
+              <a:buFont typeface="Wingdings" panose="05000000000000000000" pitchFamily="2" charset="2"/>
+              <a:buChar char="q"/>
+            </a:pPr>
+            <a:r>
+              <a:rPr lang="en-US" dirty="0"/>
+              <a:t>Improve the </a:t>
+            </a:r>
+            <a:r>
+              <a:rPr lang="en-US" dirty="0" smtClean="0"/>
+              <a:t>paddle</a:t>
+            </a:r>
+          </a:p>
+          <a:p>
+            <a:pPr marL="0" indent="0">
+              <a:lnSpc>
+                <a:spcPct val="150000"/>
+              </a:lnSpc>
+              <a:buNone/>
+            </a:pPr>
+            <a:r>
+              <a:rPr lang="en-US" dirty="0" smtClean="0"/>
+              <a:t>Share on the studio at </a:t>
+            </a:r>
+            <a:r>
+              <a:rPr lang="en-US" dirty="0" smtClean="0">
+                <a:hlinkClick r:id="rId2"/>
+              </a:rPr>
+              <a:t>scratch.mit.edu/studios/261917</a:t>
+            </a:r>
+            <a:r>
+              <a:rPr lang="en-US" dirty="0">
+                <a:hlinkClick r:id="rId2"/>
+              </a:rPr>
+              <a:t>/</a:t>
+            </a:r>
+            <a:endParaRPr lang="en-US" dirty="0" smtClean="0"/>
+          </a:p>
+          <a:p>
+            <a:pPr>
+              <a:lnSpc>
+                <a:spcPct val="150000"/>
+              </a:lnSpc>
+              <a:buFont typeface="Wingdings" panose="05000000000000000000" pitchFamily="2" charset="2"/>
+              <a:buChar char="q"/>
+            </a:pPr>
+            <a:r>
+              <a:rPr lang="en-US" dirty="0" smtClean="0"/>
+              <a:t>Add </a:t>
+            </a:r>
+            <a:r>
+              <a:rPr lang="en-US" dirty="0"/>
+              <a:t>a </a:t>
+            </a:r>
+            <a:r>
+              <a:rPr lang="en-US" dirty="0" smtClean="0"/>
+              <a:t>score or timer</a:t>
+            </a:r>
+          </a:p>
+          <a:p>
+            <a:pPr>
+              <a:lnSpc>
+                <a:spcPct val="150000"/>
+              </a:lnSpc>
+              <a:buFont typeface="Wingdings" panose="05000000000000000000" pitchFamily="2" charset="2"/>
+              <a:buChar char="q"/>
+            </a:pPr>
+            <a:r>
+              <a:rPr lang="en-US" dirty="0" smtClean="0"/>
+              <a:t>Improve the game over + game restart using messages.</a:t>
+            </a:r>
+            <a:endParaRPr lang="en-US" dirty="0"/>
+          </a:p>
+        </p:txBody>
+      </p:sp>
+      <p:sp>
+        <p:nvSpPr>
+          <p:cNvPr id="2" name="Footer Placeholder 1"/>
+          <p:cNvSpPr>
+            <a:spLocks noGrp="1"/>
+          </p:cNvSpPr>
+          <p:nvPr>
+            <p:ph type="ftr" sz="quarter" idx="11"/>
+          </p:nvPr>
+        </p:nvSpPr>
+        <p:spPr/>
+        <p:txBody>
+          <a:bodyPr/>
+          <a:lstStyle/>
+          <a:p>
+            <a:r>
+              <a:rPr lang="en-US" smtClean="0"/>
+              <a:t>Jim Whitfield    http://tinyurl.com/scratch-beginners-1016</a:t>
+            </a:r>
+            <a:endParaRPr lang="en-US"/>
           </a:p>
         </p:txBody>
       </p:sp>
@@ -9529,7 +9668,15 @@
           <a:p>
             <a:r>
               <a:rPr lang="en-US" dirty="0" smtClean="0"/>
-              <a:t>Session 3: Data</a:t>
+              <a:t>Data.  </a:t>
+            </a:r>
+            <a:r>
+              <a:rPr lang="en-US" dirty="0" smtClean="0"/>
+              <a:t>Also called </a:t>
+            </a:r>
+            <a:r>
+              <a:rPr lang="en-US" dirty="0" smtClean="0"/>
+              <a:t>Variables</a:t>
             </a:r>
             <a:endParaRPr lang="en-US" dirty="0"/>
           </a:p>
@@ -9552,7 +9699,7 @@
           <a:p>
             <a:r>
               <a:rPr lang="en-US" dirty="0" smtClean="0"/>
-              <a:t>You can add data by “variables”</a:t>
+              <a:t>You can add changing data by “variables”</a:t>
             </a:r>
           </a:p>
           <a:p>
@@ -9562,7 +9709,7 @@
                   <a:srgbClr val="00B0F0"/>
                 </a:solidFill>
               </a:rPr>
-              <a:t>What data might you want in PONG?</a:t>
+              <a:t>What data might you want in PONG or Bat Away?</a:t>
             </a:r>
           </a:p>
           <a:p>
@@ -9587,7 +9734,7 @@
                   <a:srgbClr val="7030A0"/>
                 </a:solidFill>
               </a:rPr>
-              <a:t>Quick Project:  Add the score (bounce count)</a:t>
+              <a:t>Quick change:  Add the score (a ‘touch’ count)</a:t>
             </a:r>
             <a:endParaRPr lang="en-US" dirty="0">
               <a:solidFill>
@@ -9645,6 +9792,29 @@
           </a:prstGeom>
         </p:spPr>
       </p:pic>
+      <p:sp>
+        <p:nvSpPr>
+          <p:cNvPr id="3" name="Footer Placeholder 2"/>
+          <p:cNvSpPr>
+            <a:spLocks noGrp="1"/>
+          </p:cNvSpPr>
+          <p:nvPr>
+            <p:ph type="ftr" sz="quarter" idx="11"/>
+          </p:nvPr>
+        </p:nvSpPr>
+        <p:spPr/>
+        <p:txBody>
+          <a:bodyPr/>
+          <a:lstStyle/>
+          <a:p>
+            <a:r>
+              <a:rPr lang="en-US" smtClean="0"/>
+              <a:t>Jim Whitfield    http://tinyurl.com/scratch-beginners-1016</a:t>
+            </a:r>
+            <a:endParaRPr lang="en-US"/>
+          </a:p>
+        </p:txBody>
+      </p:sp>
     </p:spTree>
     <p:extLst>
       <p:ext uri="{BB962C8B-B14F-4D97-AF65-F5344CB8AC3E}">
@@ -9706,14 +9876,16 @@
         </p:nvSpPr>
         <p:spPr/>
         <p:txBody>
-          <a:bodyPr/>
+          <a:bodyPr>
+            <a:normAutofit/>
+          </a:bodyPr>
           <a:lstStyle/>
           <a:p>
             <a:r>
-              <a:rPr lang="en-US" dirty="0" smtClean="0"/>
+              <a:rPr lang="en-US" sz="3600" b="1" dirty="0" smtClean="0"/>
               <a:t>Here’s my score code</a:t>
             </a:r>
-            <a:endParaRPr lang="en-US" dirty="0"/>
+            <a:endParaRPr lang="en-US" sz="3600" b="1" dirty="0"/>
           </a:p>
         </p:txBody>
       </p:sp>
@@ -9788,6 +9960,29 @@
           </a:prstGeom>
         </p:spPr>
       </p:pic>
+      <p:sp>
+        <p:nvSpPr>
+          <p:cNvPr id="5" name="Footer Placeholder 4"/>
+          <p:cNvSpPr>
+            <a:spLocks noGrp="1"/>
+          </p:cNvSpPr>
+          <p:nvPr>
+            <p:ph type="ftr" sz="quarter" idx="11"/>
+          </p:nvPr>
+        </p:nvSpPr>
+        <p:spPr/>
+        <p:txBody>
+          <a:bodyPr/>
+          <a:lstStyle/>
+          <a:p>
+            <a:r>
+              <a:rPr lang="en-US" smtClean="0"/>
+              <a:t>Jim Whitfield    http://tinyurl.com/scratch-beginners-1016</a:t>
+            </a:r>
+            <a:endParaRPr lang="en-US"/>
+          </a:p>
+        </p:txBody>
+      </p:sp>
     </p:spTree>
     <p:extLst>
       <p:ext uri="{BB962C8B-B14F-4D97-AF65-F5344CB8AC3E}">
@@ -10009,6 +10204,29 @@
                 <a:srgbClr val="0070C0"/>
               </a:solidFill>
             </a:endParaRPr>
+          </a:p>
+        </p:txBody>
+      </p:sp>
+      <p:sp>
+        <p:nvSpPr>
+          <p:cNvPr id="4" name="Footer Placeholder 3"/>
+          <p:cNvSpPr>
+            <a:spLocks noGrp="1"/>
+          </p:cNvSpPr>
+          <p:nvPr>
+            <p:ph type="ftr" sz="quarter" idx="11"/>
+          </p:nvPr>
+        </p:nvSpPr>
+        <p:spPr/>
+        <p:txBody>
+          <a:bodyPr/>
+          <a:lstStyle/>
+          <a:p>
+            <a:r>
+              <a:rPr lang="en-US" smtClean="0"/>
+              <a:t>Jim Whitfield    http://tinyurl.com/scratch-beginners-1016</a:t>
+            </a:r>
+            <a:endParaRPr lang="en-US"/>
           </a:p>
         </p:txBody>
       </p:sp>
@@ -10929,8 +11147,16 @@
           <a:lstStyle/>
           <a:p>
             <a:r>
+              <a:rPr lang="en-US" sz="3600" b="1" i="1" dirty="0" smtClean="0"/>
+              <a:t>“Secret”</a:t>
+            </a:r>
+            <a:r>
+              <a:rPr lang="en-US" sz="3600" b="1" dirty="0" smtClean="0"/>
+              <a:t> Messages</a:t>
+            </a:r>
+            <a:r>
               <a:rPr lang="en-US" dirty="0" smtClean="0"/>
-              <a:t>“Secret” Messages</a:t>
+              <a:t/>
             </a:r>
             <a:br>
               <a:rPr lang="en-US" dirty="0" smtClean="0"/>
@@ -11034,6 +11260,29 @@
               </a:rPr>
               <a:t>The “game” doesn’t know if it is over.  Messages are a pretty good way to tell everything ‘game over’</a:t>
             </a:r>
+          </a:p>
+        </p:txBody>
+      </p:sp>
+      <p:sp>
+        <p:nvSpPr>
+          <p:cNvPr id="4" name="Footer Placeholder 3"/>
+          <p:cNvSpPr>
+            <a:spLocks noGrp="1"/>
+          </p:cNvSpPr>
+          <p:nvPr>
+            <p:ph type="ftr" sz="quarter" idx="11"/>
+          </p:nvPr>
+        </p:nvSpPr>
+        <p:spPr/>
+        <p:txBody>
+          <a:bodyPr/>
+          <a:lstStyle/>
+          <a:p>
+            <a:r>
+              <a:rPr lang="en-US" smtClean="0"/>
+              <a:t>Jim Whitfield    http://tinyurl.com/scratch-beginners-1016</a:t>
+            </a:r>
+            <a:endParaRPr lang="en-US"/>
           </a:p>
         </p:txBody>
       </p:sp>
@@ -11922,6 +12171,29 @@
           </a:prstGeom>
         </p:spPr>
       </p:pic>
+      <p:sp>
+        <p:nvSpPr>
+          <p:cNvPr id="5" name="Footer Placeholder 4"/>
+          <p:cNvSpPr>
+            <a:spLocks noGrp="1"/>
+          </p:cNvSpPr>
+          <p:nvPr>
+            <p:ph type="ftr" sz="quarter" idx="11"/>
+          </p:nvPr>
+        </p:nvSpPr>
+        <p:spPr/>
+        <p:txBody>
+          <a:bodyPr/>
+          <a:lstStyle/>
+          <a:p>
+            <a:r>
+              <a:rPr lang="en-US" smtClean="0"/>
+              <a:t>Jim Whitfield    http://tinyurl.com/scratch-beginners-1016</a:t>
+            </a:r>
+            <a:endParaRPr lang="en-US"/>
+          </a:p>
+        </p:txBody>
+      </p:sp>
     </p:spTree>
     <p:extLst>
       <p:ext uri="{BB962C8B-B14F-4D97-AF65-F5344CB8AC3E}">
@@ -12004,7 +12276,12 @@
             <p:ph idx="1"/>
           </p:nvPr>
         </p:nvSpPr>
-        <p:spPr/>
+        <p:spPr>
+          <a:xfrm>
+            <a:off x="628650" y="1825626"/>
+            <a:ext cx="7886700" cy="2037556"/>
+          </a:xfrm>
+        </p:spPr>
         <p:txBody>
           <a:bodyPr/>
           <a:lstStyle/>
@@ -12021,16 +12298,10 @@
             </a:r>
           </a:p>
           <a:p>
+            <a:pPr marL="0" indent="0">
+              <a:buNone/>
+            </a:pPr>
             <a:endParaRPr lang="en-US" dirty="0" smtClean="0"/>
-          </a:p>
-          <a:p>
-            <a:endParaRPr lang="en-US" dirty="0"/>
-          </a:p>
-          <a:p>
-            <a:r>
-              <a:rPr lang="en-US" dirty="0" smtClean="0"/>
-              <a:t>Sounds can be imported into sprites</a:t>
-            </a:r>
           </a:p>
           <a:p>
             <a:endParaRPr lang="en-US" dirty="0"/>
@@ -12077,7 +12348,7 @@
         </p:blipFill>
         <p:spPr>
           <a:xfrm>
-            <a:off x="760520" y="2779122"/>
+            <a:off x="762000" y="2764086"/>
             <a:ext cx="3366267" cy="1067043"/>
           </a:xfrm>
           <a:prstGeom prst="rect">
@@ -12187,6 +12458,242 @@
           <a:lstStyle/>
           <a:p>
             <a:pPr algn="ctr"/>
+            <a:endParaRPr lang="en-US"/>
+          </a:p>
+        </p:txBody>
+      </p:sp>
+      <p:sp>
+        <p:nvSpPr>
+          <p:cNvPr id="9" name="Content Placeholder 2"/>
+          <p:cNvSpPr txBox="1">
+            <a:spLocks/>
+          </p:cNvSpPr>
+          <p:nvPr/>
+        </p:nvSpPr>
+        <p:spPr>
+          <a:xfrm>
+            <a:off x="628650" y="4059090"/>
+            <a:ext cx="7886700" cy="2037556"/>
+          </a:xfrm>
+          <a:prstGeom prst="rect">
+            <a:avLst/>
+          </a:prstGeom>
+        </p:spPr>
+        <p:txBody>
+          <a:bodyPr vert="horz" lIns="91440" tIns="45720" rIns="91440" bIns="45720" rtlCol="0">
+            <a:normAutofit/>
+          </a:bodyPr>
+          <a:lstStyle>
+            <a:lvl1pPr marL="171450" indent="-171450" algn="l" defTabSz="685800" rtl="0" eaLnBrk="1" latinLnBrk="0" hangingPunct="1">
+              <a:lnSpc>
+                <a:spcPct val="90000"/>
+              </a:lnSpc>
+              <a:spcBef>
+                <a:spcPts val="750"/>
+              </a:spcBef>
+              <a:buFont typeface="Arial" panose="020B0604020202020204" pitchFamily="34" charset="0"/>
+              <a:buChar char="•"/>
+              <a:defRPr sz="2100" kern="1200">
+                <a:solidFill>
+                  <a:schemeClr val="tx1"/>
+                </a:solidFill>
+                <a:latin typeface="+mn-lt"/>
+                <a:ea typeface="+mn-ea"/>
+                <a:cs typeface="+mn-cs"/>
+              </a:defRPr>
+            </a:lvl1pPr>
+            <a:lvl2pPr marL="514350" indent="-171450" algn="l" defTabSz="685800" rtl="0" eaLnBrk="1" latinLnBrk="0" hangingPunct="1">
+              <a:lnSpc>
+                <a:spcPct val="90000"/>
+              </a:lnSpc>
+              <a:spcBef>
+                <a:spcPts val="375"/>
+              </a:spcBef>
+              <a:buFont typeface="Arial" panose="020B0604020202020204" pitchFamily="34" charset="0"/>
+              <a:buChar char="•"/>
+              <a:defRPr sz="1800" kern="1200">
+                <a:solidFill>
+                  <a:schemeClr val="tx1"/>
+                </a:solidFill>
+                <a:latin typeface="+mn-lt"/>
+                <a:ea typeface="+mn-ea"/>
+                <a:cs typeface="+mn-cs"/>
+              </a:defRPr>
+            </a:lvl2pPr>
+            <a:lvl3pPr marL="857250" indent="-171450" algn="l" defTabSz="685800" rtl="0" eaLnBrk="1" latinLnBrk="0" hangingPunct="1">
+              <a:lnSpc>
+                <a:spcPct val="90000"/>
+              </a:lnSpc>
+              <a:spcBef>
+                <a:spcPts val="375"/>
+              </a:spcBef>
+              <a:buFont typeface="Arial" panose="020B0604020202020204" pitchFamily="34" charset="0"/>
+              <a:buChar char="•"/>
+              <a:defRPr sz="1500" kern="1200">
+                <a:solidFill>
+                  <a:schemeClr val="tx1"/>
+                </a:solidFill>
+                <a:latin typeface="+mn-lt"/>
+                <a:ea typeface="+mn-ea"/>
+                <a:cs typeface="+mn-cs"/>
+              </a:defRPr>
+            </a:lvl3pPr>
+            <a:lvl4pPr marL="1200150" indent="-171450" algn="l" defTabSz="685800" rtl="0" eaLnBrk="1" latinLnBrk="0" hangingPunct="1">
+              <a:lnSpc>
+                <a:spcPct val="90000"/>
+              </a:lnSpc>
+              <a:spcBef>
+                <a:spcPts val="375"/>
+              </a:spcBef>
+              <a:buFont typeface="Arial" panose="020B0604020202020204" pitchFamily="34" charset="0"/>
+              <a:buChar char="•"/>
+              <a:defRPr sz="1350" kern="1200">
+                <a:solidFill>
+                  <a:schemeClr val="tx1"/>
+                </a:solidFill>
+                <a:latin typeface="+mn-lt"/>
+                <a:ea typeface="+mn-ea"/>
+                <a:cs typeface="+mn-cs"/>
+              </a:defRPr>
+            </a:lvl4pPr>
+            <a:lvl5pPr marL="1543050" indent="-171450" algn="l" defTabSz="685800" rtl="0" eaLnBrk="1" latinLnBrk="0" hangingPunct="1">
+              <a:lnSpc>
+                <a:spcPct val="90000"/>
+              </a:lnSpc>
+              <a:spcBef>
+                <a:spcPts val="375"/>
+              </a:spcBef>
+              <a:buFont typeface="Arial" panose="020B0604020202020204" pitchFamily="34" charset="0"/>
+              <a:buChar char="•"/>
+              <a:defRPr sz="1350" kern="1200">
+                <a:solidFill>
+                  <a:schemeClr val="tx1"/>
+                </a:solidFill>
+                <a:latin typeface="+mn-lt"/>
+                <a:ea typeface="+mn-ea"/>
+                <a:cs typeface="+mn-cs"/>
+              </a:defRPr>
+            </a:lvl5pPr>
+            <a:lvl6pPr marL="1885950" indent="-171450" algn="l" defTabSz="685800" rtl="0" eaLnBrk="1" latinLnBrk="0" hangingPunct="1">
+              <a:lnSpc>
+                <a:spcPct val="90000"/>
+              </a:lnSpc>
+              <a:spcBef>
+                <a:spcPts val="375"/>
+              </a:spcBef>
+              <a:buFont typeface="Arial" panose="020B0604020202020204" pitchFamily="34" charset="0"/>
+              <a:buChar char="•"/>
+              <a:defRPr sz="1350" kern="1200">
+                <a:solidFill>
+                  <a:schemeClr val="tx1"/>
+                </a:solidFill>
+                <a:latin typeface="+mn-lt"/>
+                <a:ea typeface="+mn-ea"/>
+                <a:cs typeface="+mn-cs"/>
+              </a:defRPr>
+            </a:lvl6pPr>
+            <a:lvl7pPr marL="2228850" indent="-171450" algn="l" defTabSz="685800" rtl="0" eaLnBrk="1" latinLnBrk="0" hangingPunct="1">
+              <a:lnSpc>
+                <a:spcPct val="90000"/>
+              </a:lnSpc>
+              <a:spcBef>
+                <a:spcPts val="375"/>
+              </a:spcBef>
+              <a:buFont typeface="Arial" panose="020B0604020202020204" pitchFamily="34" charset="0"/>
+              <a:buChar char="•"/>
+              <a:defRPr sz="1350" kern="1200">
+                <a:solidFill>
+                  <a:schemeClr val="tx1"/>
+                </a:solidFill>
+                <a:latin typeface="+mn-lt"/>
+                <a:ea typeface="+mn-ea"/>
+                <a:cs typeface="+mn-cs"/>
+              </a:defRPr>
+            </a:lvl7pPr>
+            <a:lvl8pPr marL="2571750" indent="-171450" algn="l" defTabSz="685800" rtl="0" eaLnBrk="1" latinLnBrk="0" hangingPunct="1">
+              <a:lnSpc>
+                <a:spcPct val="90000"/>
+              </a:lnSpc>
+              <a:spcBef>
+                <a:spcPts val="375"/>
+              </a:spcBef>
+              <a:buFont typeface="Arial" panose="020B0604020202020204" pitchFamily="34" charset="0"/>
+              <a:buChar char="•"/>
+              <a:defRPr sz="1350" kern="1200">
+                <a:solidFill>
+                  <a:schemeClr val="tx1"/>
+                </a:solidFill>
+                <a:latin typeface="+mn-lt"/>
+                <a:ea typeface="+mn-ea"/>
+                <a:cs typeface="+mn-cs"/>
+              </a:defRPr>
+            </a:lvl8pPr>
+            <a:lvl9pPr marL="2914650" indent="-171450" algn="l" defTabSz="685800" rtl="0" eaLnBrk="1" latinLnBrk="0" hangingPunct="1">
+              <a:lnSpc>
+                <a:spcPct val="90000"/>
+              </a:lnSpc>
+              <a:spcBef>
+                <a:spcPts val="375"/>
+              </a:spcBef>
+              <a:buFont typeface="Arial" panose="020B0604020202020204" pitchFamily="34" charset="0"/>
+              <a:buChar char="•"/>
+              <a:defRPr sz="1350" kern="1200">
+                <a:solidFill>
+                  <a:schemeClr val="tx1"/>
+                </a:solidFill>
+                <a:latin typeface="+mn-lt"/>
+                <a:ea typeface="+mn-ea"/>
+                <a:cs typeface="+mn-cs"/>
+              </a:defRPr>
+            </a:lvl9pPr>
+          </a:lstStyle>
+          <a:p>
+            <a:r>
+              <a:rPr lang="en-US" dirty="0" smtClean="0"/>
+              <a:t>You can import sounds</a:t>
+            </a:r>
+          </a:p>
+          <a:p>
+            <a:pPr marL="0" indent="0">
+              <a:buFont typeface="Arial" panose="020B0604020202020204" pitchFamily="34" charset="0"/>
+              <a:buNone/>
+            </a:pPr>
+            <a:endParaRPr lang="en-US" dirty="0" smtClean="0"/>
+          </a:p>
+          <a:p>
+            <a:endParaRPr lang="en-US" dirty="0" smtClean="0"/>
+          </a:p>
+          <a:p>
+            <a:endParaRPr lang="en-US" dirty="0"/>
+          </a:p>
+          <a:p>
+            <a:r>
+              <a:rPr lang="en-US" dirty="0" smtClean="0"/>
+              <a:t>You can edit sounds (stock and imported)</a:t>
+            </a:r>
+            <a:endParaRPr lang="en-US" dirty="0"/>
+          </a:p>
+        </p:txBody>
+      </p:sp>
+      <p:sp>
+        <p:nvSpPr>
+          <p:cNvPr id="8" name="Footer Placeholder 7"/>
+          <p:cNvSpPr>
+            <a:spLocks noGrp="1"/>
+          </p:cNvSpPr>
+          <p:nvPr>
+            <p:ph type="ftr" sz="quarter" idx="11"/>
+          </p:nvPr>
+        </p:nvSpPr>
+        <p:spPr/>
+        <p:txBody>
+          <a:bodyPr/>
+          <a:lstStyle/>
+          <a:p>
+            <a:r>
+              <a:rPr lang="en-US" smtClean="0"/>
+              <a:t>Jim Whitfield    http://tinyurl.com/scratch-beginners-1016</a:t>
+            </a:r>
             <a:endParaRPr lang="en-US"/>
           </a:p>
         </p:txBody>
@@ -12349,6 +12856,29 @@
           </a:p>
         </p:txBody>
       </p:sp>
+      <p:sp>
+        <p:nvSpPr>
+          <p:cNvPr id="4" name="Footer Placeholder 3"/>
+          <p:cNvSpPr>
+            <a:spLocks noGrp="1"/>
+          </p:cNvSpPr>
+          <p:nvPr>
+            <p:ph type="ftr" sz="quarter" idx="11"/>
+          </p:nvPr>
+        </p:nvSpPr>
+        <p:spPr/>
+        <p:txBody>
+          <a:bodyPr/>
+          <a:lstStyle/>
+          <a:p>
+            <a:r>
+              <a:rPr lang="en-US" smtClean="0"/>
+              <a:t>Jim Whitfield    http://tinyurl.com/scratch-beginners-1016</a:t>
+            </a:r>
+            <a:endParaRPr lang="en-US"/>
+          </a:p>
+        </p:txBody>
+      </p:sp>
     </p:spTree>
     <p:extLst>
       <p:ext uri="{BB962C8B-B14F-4D97-AF65-F5344CB8AC3E}">
@@ -12471,6 +13001,29 @@
               <a:t>Want to change the quiz?</a:t>
             </a:r>
             <a:endParaRPr lang="en-US" dirty="0"/>
+          </a:p>
+        </p:txBody>
+      </p:sp>
+      <p:sp>
+        <p:nvSpPr>
+          <p:cNvPr id="4" name="Footer Placeholder 3"/>
+          <p:cNvSpPr>
+            <a:spLocks noGrp="1"/>
+          </p:cNvSpPr>
+          <p:nvPr>
+            <p:ph type="ftr" sz="quarter" idx="11"/>
+          </p:nvPr>
+        </p:nvSpPr>
+        <p:spPr/>
+        <p:txBody>
+          <a:bodyPr/>
+          <a:lstStyle/>
+          <a:p>
+            <a:r>
+              <a:rPr lang="en-US" smtClean="0"/>
+              <a:t>Jim Whitfield    http://tinyurl.com/scratch-beginners-1016</a:t>
+            </a:r>
+            <a:endParaRPr lang="en-US"/>
           </a:p>
         </p:txBody>
       </p:sp>
@@ -12652,6 +13205,29 @@
           </a:p>
         </p:txBody>
       </p:sp>
+      <p:sp>
+        <p:nvSpPr>
+          <p:cNvPr id="4" name="Footer Placeholder 3"/>
+          <p:cNvSpPr>
+            <a:spLocks noGrp="1"/>
+          </p:cNvSpPr>
+          <p:nvPr>
+            <p:ph type="ftr" sz="quarter" idx="11"/>
+          </p:nvPr>
+        </p:nvSpPr>
+        <p:spPr/>
+        <p:txBody>
+          <a:bodyPr/>
+          <a:lstStyle/>
+          <a:p>
+            <a:r>
+              <a:rPr lang="en-US" smtClean="0"/>
+              <a:t>Jim Whitfield    http://tinyurl.com/scratch-beginners-1016</a:t>
+            </a:r>
+            <a:endParaRPr lang="en-US"/>
+          </a:p>
+        </p:txBody>
+      </p:sp>
     </p:spTree>
     <p:extLst>
       <p:ext uri="{BB962C8B-B14F-4D97-AF65-F5344CB8AC3E}">
@@ -12692,16 +13268,10 @@
         <a:gradFill flip="none" rotWithShape="1">
           <a:gsLst>
             <a:gs pos="0">
-              <a:schemeClr val="accent4">
-                <a:lumMod val="22000"/>
-                <a:lumOff val="78000"/>
-              </a:schemeClr>
+              <a:schemeClr val="bg1"/>
             </a:gs>
-            <a:gs pos="83000">
-              <a:schemeClr val="accent4">
-                <a:lumMod val="20000"/>
-                <a:lumOff val="80000"/>
-              </a:schemeClr>
+            <a:gs pos="67000">
+              <a:schemeClr val="bg1"/>
             </a:gs>
             <a:gs pos="100000">
               <a:schemeClr val="accent4">
@@ -12750,7 +13320,29 @@
           <a:p>
             <a:r>
               <a:rPr lang="en-US" dirty="0" smtClean="0"/>
-              <a:t>5 minute Project!  </a:t>
+              <a:t>5 minute </a:t>
+            </a:r>
+            <a:r>
+              <a:rPr lang="en-US" dirty="0" err="1" smtClean="0"/>
+              <a:t>Warmup</a:t>
+            </a:r>
+            <a:r>
+              <a:rPr lang="en-US" dirty="0" smtClean="0"/>
+              <a:t>! </a:t>
+            </a:r>
+            <a:r>
+              <a:rPr lang="en-US" b="1" dirty="0">
+                <a:blipFill dpi="0" rotWithShape="1">
+                  <a:blip r:embed="rId2"/>
+                  <a:srcRect/>
+                  <a:tile tx="0" ty="0" sx="100000" sy="100000" flip="none" algn="tl"/>
+                </a:blipFill>
+              </a:rPr>
+              <a:t>“Rainbow Writing”</a:t>
+            </a:r>
+            <a:r>
+              <a:rPr lang="en-US" dirty="0" smtClean="0"/>
+              <a:t>  </a:t>
             </a:r>
             <a:endParaRPr lang="en-US" dirty="0"/>
           </a:p>
@@ -12766,11 +13358,40 @@
             <p:ph idx="1"/>
           </p:nvPr>
         </p:nvSpPr>
-        <p:spPr/>
+        <p:spPr>
+          <a:xfrm>
+            <a:off x="628650" y="1447800"/>
+            <a:ext cx="7886700" cy="4729163"/>
+          </a:xfrm>
+        </p:spPr>
         <p:txBody>
           <a:bodyPr/>
           <a:lstStyle/>
           <a:p>
+            <a:r>
+              <a:rPr lang="en-US" dirty="0" smtClean="0"/>
+              <a:t>Go to </a:t>
+            </a:r>
+            <a:r>
+              <a:rPr lang="en-US" u="sng" dirty="0" smtClean="0"/>
+              <a:t>scratch.mit.edu</a:t>
+            </a:r>
+            <a:r>
+              <a:rPr lang="en-US" dirty="0" smtClean="0"/>
+              <a:t> and sign in if you have an account.</a:t>
+            </a:r>
+          </a:p>
+          <a:p>
+            <a:r>
+              <a:rPr lang="en-US" dirty="0" smtClean="0">
+                <a:blipFill dpi="0" rotWithShape="1">
+                  <a:blip r:embed="rId2"/>
+                  <a:srcRect/>
+                  <a:tile tx="0" ty="0" sx="100000" sy="100000" flip="none" algn="tl"/>
+                </a:blipFill>
+              </a:rPr>
+              <a:t>“</a:t>
+            </a:r>
             <a:r>
               <a:rPr lang="en-US" dirty="0">
                 <a:blipFill dpi="0" rotWithShape="1">
@@ -12779,7 +13400,7 @@
                   <a:tile tx="0" ty="0" sx="100000" sy="100000" flip="none" algn="tl"/>
                 </a:blipFill>
               </a:rPr>
-              <a:t>“Rainbow Writing”    </a:t>
+              <a:t>Rainbow Writing”    </a:t>
             </a:r>
             <a:r>
               <a:rPr lang="en-US" sz="2000" dirty="0" smtClean="0">
@@ -12799,6 +13420,27 @@
             <a:r>
               <a:rPr lang="en-US" dirty="0" smtClean="0"/>
               <a:t>Make the writing follow the mouse. </a:t>
+            </a:r>
+          </a:p>
+          <a:p>
+            <a:r>
+              <a:rPr lang="en-US" dirty="0" smtClean="0"/>
+              <a:t>Create a project, create a new sprite, paint it to be a dot of non-black.</a:t>
+            </a:r>
+          </a:p>
+          <a:p>
+            <a:r>
+              <a:rPr lang="en-US" dirty="0" smtClean="0"/>
+              <a:t>Drag these script</a:t>
+            </a:r>
+          </a:p>
+          <a:p>
+            <a:pPr marL="0" indent="0">
+              <a:buNone/>
+            </a:pPr>
+            <a:r>
+              <a:rPr lang="en-US" dirty="0" smtClean="0"/>
+              <a:t>blocks on to the sprite</a:t>
             </a:r>
           </a:p>
           <a:p>
@@ -12845,7 +13487,7 @@
         </p:blipFill>
         <p:spPr bwMode="auto">
           <a:xfrm>
-            <a:off x="914400" y="3352800"/>
+            <a:off x="3403600" y="3429000"/>
             <a:ext cx="2336800" cy="2908300"/>
           </a:xfrm>
           <a:prstGeom prst="rect">
@@ -12886,6 +13528,29 @@
           </a:extLst>
         </p:spPr>
       </p:pic>
+      <p:sp>
+        <p:nvSpPr>
+          <p:cNvPr id="4" name="Footer Placeholder 3"/>
+          <p:cNvSpPr>
+            <a:spLocks noGrp="1"/>
+          </p:cNvSpPr>
+          <p:nvPr>
+            <p:ph type="ftr" sz="quarter" idx="11"/>
+          </p:nvPr>
+        </p:nvSpPr>
+        <p:spPr/>
+        <p:txBody>
+          <a:bodyPr/>
+          <a:lstStyle/>
+          <a:p>
+            <a:r>
+              <a:rPr lang="en-US" smtClean="0"/>
+              <a:t>Jim Whitfield    http://tinyurl.com/scratch-beginners-1016</a:t>
+            </a:r>
+            <a:endParaRPr lang="en-US"/>
+          </a:p>
+        </p:txBody>
+      </p:sp>
     </p:spTree>
     <p:extLst>
       <p:ext uri="{BB962C8B-B14F-4D97-AF65-F5344CB8AC3E}">
@@ -12970,7 +13635,7 @@
                   </a:schemeClr>
                 </a:solidFill>
               </a:rPr>
-              <a:t>Batty-Pong</a:t>
+              <a:t>Bat Away</a:t>
             </a:r>
             <a:r>
               <a:rPr lang="en-US" sz="3900" b="1" dirty="0" smtClean="0">
@@ -13009,17 +13674,7 @@
                   </a:schemeClr>
                 </a:solidFill>
               </a:rPr>
-              <a:t>(Ask </a:t>
-            </a:r>
-            <a:r>
-              <a:rPr lang="en-US" sz="2700" dirty="0" smtClean="0">
-                <a:solidFill>
-                  <a:schemeClr val="accent6">
-                    <a:lumMod val="75000"/>
-                  </a:schemeClr>
-                </a:solidFill>
-              </a:rPr>
-              <a:t>yourself: </a:t>
+              <a:t>(Ask yourself: </a:t>
             </a:r>
             <a:br>
               <a:rPr lang="en-US" sz="2700" dirty="0" smtClean="0">
@@ -13048,17 +13703,7 @@
                   </a:schemeClr>
                 </a:solidFill>
               </a:rPr>
-              <a:t>     </a:t>
-            </a:r>
-            <a:r>
-              <a:rPr lang="en-US" sz="2700" dirty="0" smtClean="0">
-                <a:solidFill>
-                  <a:schemeClr val="accent6">
-                    <a:lumMod val="75000"/>
-                  </a:schemeClr>
-                </a:solidFill>
-              </a:rPr>
-              <a:t>“</a:t>
+              <a:t>     “</a:t>
             </a:r>
             <a:r>
               <a:rPr lang="en-US" sz="2700" dirty="0" smtClean="0">
@@ -13068,17 +13713,7 @@
                   </a:schemeClr>
                 </a:solidFill>
               </a:rPr>
-              <a:t>How can I use what he’s saying to write </a:t>
-            </a:r>
-            <a:r>
-              <a:rPr lang="en-US" sz="2700" dirty="0" smtClean="0">
-                <a:solidFill>
-                  <a:schemeClr val="accent1">
-                    <a:lumMod val="75000"/>
-                  </a:schemeClr>
-                </a:solidFill>
-              </a:rPr>
-              <a:t>the game</a:t>
+              <a:t>How can I use what he’s saying to write the game</a:t>
             </a:r>
             <a:r>
               <a:rPr lang="en-US" sz="2700" dirty="0" smtClean="0">
@@ -13113,7 +13748,7 @@
         <p:spPr/>
         <p:txBody>
           <a:bodyPr>
-            <a:normAutofit/>
+            <a:normAutofit fontScale="92500" lnSpcReduction="20000"/>
           </a:bodyPr>
           <a:lstStyle/>
           <a:p>
@@ -13122,104 +13757,104 @@
             </a:pPr>
             <a:r>
               <a:rPr lang="en-US" dirty="0" smtClean="0"/>
-              <a:t>First </a:t>
-            </a:r>
+              <a:t>First milestones:</a:t>
+            </a:r>
+          </a:p>
+          <a:p>
             <a:r>
               <a:rPr lang="en-US" dirty="0" smtClean="0"/>
-              <a:t>stages</a:t>
-            </a:r>
-            <a:endParaRPr lang="en-US" dirty="0" smtClean="0"/>
+              <a:t>A Bat flies around the stage</a:t>
+            </a:r>
           </a:p>
           <a:p>
             <a:r>
               <a:rPr lang="en-US" dirty="0" smtClean="0"/>
-              <a:t>A </a:t>
-            </a:r>
+              <a:t>The player guards the bottom from the bat.  </a:t>
+            </a:r>
+          </a:p>
+          <a:p>
             <a:r>
               <a:rPr lang="en-US" dirty="0" smtClean="0"/>
-              <a:t>Bat flies </a:t>
-            </a:r>
-            <a:r>
-              <a:rPr lang="en-US" dirty="0" smtClean="0"/>
-              <a:t>around the stage</a:t>
-            </a:r>
-          </a:p>
-          <a:p>
-            <a:r>
-              <a:rPr lang="en-US" dirty="0" smtClean="0"/>
-              <a:t>You </a:t>
-            </a:r>
-            <a:r>
-              <a:rPr lang="en-US" dirty="0" smtClean="0"/>
-              <a:t>guard the bottom from the bat</a:t>
-            </a:r>
-            <a:endParaRPr lang="en-US" dirty="0" smtClean="0"/>
-          </a:p>
-          <a:p>
-            <a:r>
-              <a:rPr lang="en-US" dirty="0" smtClean="0"/>
-              <a:t>If the </a:t>
-            </a:r>
-            <a:r>
-              <a:rPr lang="en-US" dirty="0" smtClean="0"/>
-              <a:t>bat </a:t>
-            </a:r>
-            <a:r>
-              <a:rPr lang="en-US" dirty="0" smtClean="0"/>
-              <a:t>gets past </a:t>
-            </a:r>
-            <a:r>
-              <a:rPr lang="en-US" dirty="0" smtClean="0"/>
-              <a:t>you: </a:t>
+              <a:t>If the bat gets past the guard: </a:t>
             </a:r>
             <a:r>
               <a:rPr lang="en-US" dirty="0" smtClean="0">
                 <a:solidFill>
-                  <a:srgbClr val="FF0000"/>
+                  <a:schemeClr val="accent2">
+                    <a:lumMod val="75000"/>
+                  </a:schemeClr>
                 </a:solidFill>
               </a:rPr>
-              <a:t>GAME </a:t>
+              <a:t>GAME OVER </a:t>
+            </a:r>
+          </a:p>
+          <a:p>
+            <a:pPr marL="0" indent="0">
+              <a:buNone/>
+            </a:pPr>
+            <a:r>
+              <a:rPr lang="en-US" dirty="0" smtClean="0"/>
+              <a:t>Here’s mine with just a few additions: </a:t>
+            </a:r>
+            <a:r>
+              <a:rPr lang="en-US" sz="2000" dirty="0" smtClean="0">
+                <a:hlinkClick r:id="rId2"/>
+              </a:rPr>
+              <a:t>scratch.mit.edu/projects/13203931</a:t>
+            </a:r>
+            <a:r>
+              <a:rPr lang="en-US" sz="2000" dirty="0">
+                <a:hlinkClick r:id="rId2"/>
+              </a:rPr>
+              <a:t>/</a:t>
+            </a:r>
+            <a:endParaRPr lang="en-US" sz="2000" dirty="0"/>
+          </a:p>
+          <a:p>
+            <a:pPr marL="0" indent="0">
+              <a:buNone/>
+            </a:pPr>
+            <a:endParaRPr lang="en-US" dirty="0" smtClean="0"/>
+          </a:p>
+          <a:p>
+            <a:pPr marL="0" indent="0">
+              <a:buNone/>
+            </a:pPr>
+            <a:r>
+              <a:rPr lang="en-US" dirty="0" smtClean="0"/>
+              <a:t>Later milestones:</a:t>
+            </a:r>
+          </a:p>
+          <a:p>
+            <a:r>
+              <a:rPr lang="en-US" dirty="0" smtClean="0"/>
+              <a:t>If </a:t>
+            </a:r>
+            <a:r>
+              <a:rPr lang="en-US" dirty="0"/>
+              <a:t>the bat gets past the </a:t>
+            </a:r>
+            <a:r>
+              <a:rPr lang="en-US" dirty="0" smtClean="0"/>
+              <a:t>guard: </a:t>
             </a:r>
             <a:r>
               <a:rPr lang="en-US" dirty="0" smtClean="0">
                 <a:solidFill>
-                  <a:srgbClr val="FF0000"/>
+                  <a:schemeClr val="accent2">
+                    <a:lumMod val="75000"/>
+                  </a:schemeClr>
                 </a:solidFill>
               </a:rPr>
-              <a:t>OVER </a:t>
-            </a:r>
-            <a:endParaRPr lang="en-US" dirty="0" smtClean="0"/>
-          </a:p>
-          <a:p>
-            <a:r>
-              <a:rPr lang="en-US" dirty="0"/>
-              <a:t>L</a:t>
-            </a:r>
+              <a:t>the bat scores</a:t>
+            </a:r>
+          </a:p>
+          <a:p>
             <a:r>
               <a:rPr lang="en-US" dirty="0" smtClean="0"/>
-              <a:t>ater: </a:t>
-            </a:r>
-            <a:r>
-              <a:rPr lang="en-US" dirty="0" smtClean="0">
-                <a:solidFill>
-                  <a:srgbClr val="FF0000"/>
-                </a:solidFill>
-              </a:rPr>
-              <a:t>the bat </a:t>
-            </a:r>
-            <a:r>
-              <a:rPr lang="en-US" dirty="0" smtClean="0">
-                <a:solidFill>
-                  <a:srgbClr val="FF0000"/>
-                </a:solidFill>
-              </a:rPr>
-              <a:t>scores</a:t>
-            </a:r>
-            <a:endParaRPr lang="en-US" dirty="0" smtClean="0">
-              <a:solidFill>
-                <a:srgbClr val="FF0000"/>
-              </a:solidFill>
-            </a:endParaRPr>
+              <a:t>At some time  (say, after three scores), end the game.</a:t>
+            </a:r>
+            <a:endParaRPr lang="en-US" dirty="0"/>
           </a:p>
           <a:p>
             <a:endParaRPr lang="en-US" dirty="0"/>
@@ -13234,7 +13869,15 @@
                   <a:srgbClr val="0070C0"/>
                 </a:solidFill>
               </a:rPr>
-              <a:t>Think about tricks for detecting that the player missed the </a:t>
+              <a:t>As I talk, think about tricks for detecting that the player missed the bat?  (Know one way?  </a:t>
+            </a:r>
+            <a:r>
+              <a:rPr lang="en-US" dirty="0">
+                <a:solidFill>
+                  <a:srgbClr val="0070C0"/>
+                </a:solidFill>
+              </a:rPr>
+              <a:t>Find a second way to do it</a:t>
             </a:r>
             <a:r>
               <a:rPr lang="en-US" dirty="0" smtClean="0">
@@ -13242,23 +13885,7 @@
                   <a:srgbClr val="0070C0"/>
                 </a:solidFill>
               </a:rPr>
-              <a:t>bat?  </a:t>
-            </a:r>
-            <a:r>
-              <a:rPr lang="en-US" dirty="0">
-                <a:solidFill>
-                  <a:srgbClr val="0070C0"/>
-                </a:solidFill>
-              </a:rPr>
-              <a:t>(Already solved my challenges?  Find a second way to do it</a:t>
-            </a:r>
-            <a:r>
-              <a:rPr lang="en-US" dirty="0" smtClean="0">
-                <a:solidFill>
-                  <a:srgbClr val="0070C0"/>
-                </a:solidFill>
-              </a:rPr>
-              <a:t>!)</a:t>
+              <a:t>! TMTOWTDI)</a:t>
             </a:r>
           </a:p>
           <a:p>
@@ -13271,7 +13898,7 @@
                   <a:srgbClr val="7030A0"/>
                 </a:solidFill>
               </a:rPr>
-              <a:t>(The trick I’m using is to have a line of a unique color,</a:t>
+              <a:t>(The trick I’m using is to have a sprite that is a line at the bottom,</a:t>
             </a:r>
           </a:p>
           <a:p>
@@ -13284,29 +13911,36 @@
                   <a:srgbClr val="7030A0"/>
                 </a:solidFill>
               </a:rPr>
-              <a:t>and test if the </a:t>
-            </a:r>
-            <a:r>
-              <a:rPr lang="en-US" dirty="0" smtClean="0">
-                <a:solidFill>
-                  <a:srgbClr val="7030A0"/>
-                </a:solidFill>
-              </a:rPr>
-              <a:t>bat </a:t>
-            </a:r>
-            <a:r>
-              <a:rPr lang="en-US" dirty="0" smtClean="0">
-                <a:solidFill>
-                  <a:srgbClr val="7030A0"/>
-                </a:solidFill>
-              </a:rPr>
-              <a:t>touches that color.)</a:t>
+              <a:t>and test if the bat touches that sprite.)</a:t>
             </a:r>
             <a:endParaRPr lang="en-US" dirty="0">
               <a:solidFill>
                 <a:srgbClr val="7030A0"/>
               </a:solidFill>
             </a:endParaRPr>
+          </a:p>
+        </p:txBody>
+      </p:sp>
+      <p:sp>
+        <p:nvSpPr>
+          <p:cNvPr id="4" name="Footer Placeholder 3"/>
+          <p:cNvSpPr>
+            <a:spLocks noGrp="1"/>
+          </p:cNvSpPr>
+          <p:nvPr>
+            <p:ph type="ftr" sz="quarter" idx="11"/>
+          </p:nvPr>
+        </p:nvSpPr>
+        <p:spPr/>
+        <p:txBody>
+          <a:bodyPr/>
+          <a:lstStyle/>
+          <a:p>
+            <a:r>
+              <a:rPr lang="en-US" smtClean="0"/>
+              <a:t>Jim Whitfield    http://tinyurl.com/scratch-beginners-1016</a:t>
+            </a:r>
+            <a:endParaRPr lang="en-US"/>
           </a:p>
         </p:txBody>
       </p:sp>
@@ -14102,15 +14736,33 @@
                                   </p:childTnLst>
                                 </p:cTn>
                               </p:par>
+                            </p:childTnLst>
+                          </p:cTn>
+                        </p:par>
+                      </p:childTnLst>
+                    </p:cTn>
+                  </p:par>
+                  <p:par>
+                    <p:cTn id="50" fill="hold">
+                      <p:stCondLst>
+                        <p:cond delay="indefinite"/>
+                      </p:stCondLst>
+                      <p:childTnLst>
+                        <p:par>
+                          <p:cTn id="51" fill="hold">
+                            <p:stCondLst>
+                              <p:cond delay="0"/>
+                            </p:stCondLst>
+                            <p:childTnLst>
                               <p:par>
-                                <p:cTn id="50" presetID="2" presetClass="entr" presetSubtype="4" fill="hold" grpId="0" nodeType="withEffect">
+                                <p:cTn id="52" presetID="2" presetClass="entr" presetSubtype="4" fill="hold" grpId="0" nodeType="clickEffect">
                                   <p:stCondLst>
                                     <p:cond delay="0"/>
                                   </p:stCondLst>
                                   <p:childTnLst>
                                     <p:set>
                                       <p:cBhvr>
-                                        <p:cTn id="51" dur="1" fill="hold">
+                                        <p:cTn id="53" dur="1" fill="hold">
                                           <p:stCondLst>
                                             <p:cond delay="0"/>
                                           </p:stCondLst>
@@ -14132,7 +14784,7 @@
                                     </p:set>
                                     <p:anim calcmode="lin" valueType="num">
                                       <p:cBhvr additive="base">
-                                        <p:cTn id="52" dur="500" fill="hold"/>
+                                        <p:cTn id="54" dur="500" fill="hold"/>
                                         <p:tgtEl>
                                           <p:spTgt spid="3">
                                             <p:txEl>
@@ -14159,11 +14811,302 @@
                                     </p:anim>
                                     <p:anim calcmode="lin" valueType="num">
                                       <p:cBhvr additive="base">
-                                        <p:cTn id="53" dur="500" fill="hold"/>
+                                        <p:cTn id="55" dur="500" fill="hold"/>
                                         <p:tgtEl>
                                           <p:spTgt spid="3">
                                             <p:txEl>
                                               <p:pRg st="8" end="8"/>
+                                            </p:txEl>
+                                          </p:spTgt>
+                                        </p:tgtEl>
+                                        <p:attrNameLst>
+                                          <p:attrName>ppt_y</p:attrName>
+                                        </p:attrNameLst>
+                                      </p:cBhvr>
+                                      <p:tavLst>
+                                        <p:tav tm="0">
+                                          <p:val>
+                                            <p:strVal val="1+#ppt_h/2"/>
+                                          </p:val>
+                                        </p:tav>
+                                        <p:tav tm="100000">
+                                          <p:val>
+                                            <p:strVal val="#ppt_y"/>
+                                          </p:val>
+                                        </p:tav>
+                                      </p:tavLst>
+                                    </p:anim>
+                                  </p:childTnLst>
+                                </p:cTn>
+                              </p:par>
+                            </p:childTnLst>
+                          </p:cTn>
+                        </p:par>
+                      </p:childTnLst>
+                    </p:cTn>
+                  </p:par>
+                  <p:par>
+                    <p:cTn id="56" fill="hold">
+                      <p:stCondLst>
+                        <p:cond delay="indefinite"/>
+                      </p:stCondLst>
+                      <p:childTnLst>
+                        <p:par>
+                          <p:cTn id="57" fill="hold">
+                            <p:stCondLst>
+                              <p:cond delay="0"/>
+                            </p:stCondLst>
+                            <p:childTnLst>
+                              <p:par>
+                                <p:cTn id="58" presetID="2" presetClass="entr" presetSubtype="4" fill="hold" grpId="0" nodeType="clickEffect">
+                                  <p:stCondLst>
+                                    <p:cond delay="0"/>
+                                  </p:stCondLst>
+                                  <p:childTnLst>
+                                    <p:set>
+                                      <p:cBhvr>
+                                        <p:cTn id="59" dur="1" fill="hold">
+                                          <p:stCondLst>
+                                            <p:cond delay="0"/>
+                                          </p:stCondLst>
+                                        </p:cTn>
+                                        <p:tgtEl>
+                                          <p:spTgt spid="3">
+                                            <p:txEl>
+                                              <p:pRg st="10" end="10"/>
+                                            </p:txEl>
+                                          </p:spTgt>
+                                        </p:tgtEl>
+                                        <p:attrNameLst>
+                                          <p:attrName>style.visibility</p:attrName>
+                                        </p:attrNameLst>
+                                      </p:cBhvr>
+                                      <p:to>
+                                        <p:strVal val="visible"/>
+                                      </p:to>
+                                    </p:set>
+                                    <p:anim calcmode="lin" valueType="num">
+                                      <p:cBhvr additive="base">
+                                        <p:cTn id="60" dur="500" fill="hold"/>
+                                        <p:tgtEl>
+                                          <p:spTgt spid="3">
+                                            <p:txEl>
+                                              <p:pRg st="10" end="10"/>
+                                            </p:txEl>
+                                          </p:spTgt>
+                                        </p:tgtEl>
+                                        <p:attrNameLst>
+                                          <p:attrName>ppt_x</p:attrName>
+                                        </p:attrNameLst>
+                                      </p:cBhvr>
+                                      <p:tavLst>
+                                        <p:tav tm="0">
+                                          <p:val>
+                                            <p:strVal val="#ppt_x"/>
+                                          </p:val>
+                                        </p:tav>
+                                        <p:tav tm="100000">
+                                          <p:val>
+                                            <p:strVal val="#ppt_x"/>
+                                          </p:val>
+                                        </p:tav>
+                                      </p:tavLst>
+                                    </p:anim>
+                                    <p:anim calcmode="lin" valueType="num">
+                                      <p:cBhvr additive="base">
+                                        <p:cTn id="61" dur="500" fill="hold"/>
+                                        <p:tgtEl>
+                                          <p:spTgt spid="3">
+                                            <p:txEl>
+                                              <p:pRg st="10" end="10"/>
+                                            </p:txEl>
+                                          </p:spTgt>
+                                        </p:tgtEl>
+                                        <p:attrNameLst>
+                                          <p:attrName>ppt_y</p:attrName>
+                                        </p:attrNameLst>
+                                      </p:cBhvr>
+                                      <p:tavLst>
+                                        <p:tav tm="0">
+                                          <p:val>
+                                            <p:strVal val="1+#ppt_h/2"/>
+                                          </p:val>
+                                        </p:tav>
+                                        <p:tav tm="100000">
+                                          <p:val>
+                                            <p:strVal val="#ppt_y"/>
+                                          </p:val>
+                                        </p:tav>
+                                      </p:tavLst>
+                                    </p:anim>
+                                  </p:childTnLst>
+                                </p:cTn>
+                              </p:par>
+                            </p:childTnLst>
+                          </p:cTn>
+                        </p:par>
+                      </p:childTnLst>
+                    </p:cTn>
+                  </p:par>
+                  <p:par>
+                    <p:cTn id="62" fill="hold">
+                      <p:stCondLst>
+                        <p:cond delay="indefinite"/>
+                      </p:stCondLst>
+                      <p:childTnLst>
+                        <p:par>
+                          <p:cTn id="63" fill="hold">
+                            <p:stCondLst>
+                              <p:cond delay="0"/>
+                            </p:stCondLst>
+                            <p:childTnLst>
+                              <p:par>
+                                <p:cTn id="64" presetID="2" presetClass="entr" presetSubtype="4" fill="hold" grpId="0" nodeType="clickEffect">
+                                  <p:stCondLst>
+                                    <p:cond delay="0"/>
+                                  </p:stCondLst>
+                                  <p:childTnLst>
+                                    <p:set>
+                                      <p:cBhvr>
+                                        <p:cTn id="65" dur="1" fill="hold">
+                                          <p:stCondLst>
+                                            <p:cond delay="0"/>
+                                          </p:stCondLst>
+                                        </p:cTn>
+                                        <p:tgtEl>
+                                          <p:spTgt spid="3">
+                                            <p:txEl>
+                                              <p:pRg st="11" end="11"/>
+                                            </p:txEl>
+                                          </p:spTgt>
+                                        </p:tgtEl>
+                                        <p:attrNameLst>
+                                          <p:attrName>style.visibility</p:attrName>
+                                        </p:attrNameLst>
+                                      </p:cBhvr>
+                                      <p:to>
+                                        <p:strVal val="visible"/>
+                                      </p:to>
+                                    </p:set>
+                                    <p:anim calcmode="lin" valueType="num">
+                                      <p:cBhvr additive="base">
+                                        <p:cTn id="66" dur="500" fill="hold"/>
+                                        <p:tgtEl>
+                                          <p:spTgt spid="3">
+                                            <p:txEl>
+                                              <p:pRg st="11" end="11"/>
+                                            </p:txEl>
+                                          </p:spTgt>
+                                        </p:tgtEl>
+                                        <p:attrNameLst>
+                                          <p:attrName>ppt_x</p:attrName>
+                                        </p:attrNameLst>
+                                      </p:cBhvr>
+                                      <p:tavLst>
+                                        <p:tav tm="0">
+                                          <p:val>
+                                            <p:strVal val="#ppt_x"/>
+                                          </p:val>
+                                        </p:tav>
+                                        <p:tav tm="100000">
+                                          <p:val>
+                                            <p:strVal val="#ppt_x"/>
+                                          </p:val>
+                                        </p:tav>
+                                      </p:tavLst>
+                                    </p:anim>
+                                    <p:anim calcmode="lin" valueType="num">
+                                      <p:cBhvr additive="base">
+                                        <p:cTn id="67" dur="500" fill="hold"/>
+                                        <p:tgtEl>
+                                          <p:spTgt spid="3">
+                                            <p:txEl>
+                                              <p:pRg st="11" end="11"/>
+                                            </p:txEl>
+                                          </p:spTgt>
+                                        </p:tgtEl>
+                                        <p:attrNameLst>
+                                          <p:attrName>ppt_y</p:attrName>
+                                        </p:attrNameLst>
+                                      </p:cBhvr>
+                                      <p:tavLst>
+                                        <p:tav tm="0">
+                                          <p:val>
+                                            <p:strVal val="1+#ppt_h/2"/>
+                                          </p:val>
+                                        </p:tav>
+                                        <p:tav tm="100000">
+                                          <p:val>
+                                            <p:strVal val="#ppt_y"/>
+                                          </p:val>
+                                        </p:tav>
+                                      </p:tavLst>
+                                    </p:anim>
+                                  </p:childTnLst>
+                                </p:cTn>
+                              </p:par>
+                              <p:par>
+                                <p:cTn id="68" presetID="2" presetClass="entr" presetSubtype="4" fill="hold" grpId="0" nodeType="withEffect">
+                                  <p:stCondLst>
+                                    <p:cond delay="0"/>
+                                  </p:stCondLst>
+                                  <p:childTnLst>
+                                    <p:set>
+                                      <p:cBhvr>
+                                        <p:cTn id="69" dur="1" fill="hold">
+                                          <p:stCondLst>
+                                            <p:cond delay="0"/>
+                                          </p:stCondLst>
+                                        </p:cTn>
+                                        <p:tgtEl>
+                                          <p:spTgt spid="3">
+                                            <p:txEl>
+                                              <p:pRg st="12" end="12"/>
+                                            </p:txEl>
+                                          </p:spTgt>
+                                        </p:tgtEl>
+                                        <p:attrNameLst>
+                                          <p:attrName>style.visibility</p:attrName>
+                                        </p:attrNameLst>
+                                      </p:cBhvr>
+                                      <p:to>
+                                        <p:strVal val="visible"/>
+                                      </p:to>
+                                    </p:set>
+                                    <p:anim calcmode="lin" valueType="num">
+                                      <p:cBhvr additive="base">
+                                        <p:cTn id="70" dur="500" fill="hold"/>
+                                        <p:tgtEl>
+                                          <p:spTgt spid="3">
+                                            <p:txEl>
+                                              <p:pRg st="12" end="12"/>
+                                            </p:txEl>
+                                          </p:spTgt>
+                                        </p:tgtEl>
+                                        <p:attrNameLst>
+                                          <p:attrName>ppt_x</p:attrName>
+                                        </p:attrNameLst>
+                                      </p:cBhvr>
+                                      <p:tavLst>
+                                        <p:tav tm="0">
+                                          <p:val>
+                                            <p:strVal val="#ppt_x"/>
+                                          </p:val>
+                                        </p:tav>
+                                        <p:tav tm="100000">
+                                          <p:val>
+                                            <p:strVal val="#ppt_x"/>
+                                          </p:val>
+                                        </p:tav>
+                                      </p:tavLst>
+                                    </p:anim>
+                                    <p:anim calcmode="lin" valueType="num">
+                                      <p:cBhvr additive="base">
+                                        <p:cTn id="71" dur="500" fill="hold"/>
+                                        <p:tgtEl>
+                                          <p:spTgt spid="3">
+                                            <p:txEl>
+                                              <p:pRg st="12" end="12"/>
                                             </p:txEl>
                                           </p:spTgt>
                                         </p:tgtEl>
@@ -14251,26 +15194,20 @@
         </p:nvSpPr>
         <p:spPr/>
         <p:txBody>
-          <a:bodyPr/>
+          <a:bodyPr>
+            <a:normAutofit/>
+          </a:bodyPr>
           <a:lstStyle/>
           <a:p>
             <a:r>
-              <a:rPr lang="en-US" dirty="0" smtClean="0">
+              <a:rPr lang="en-US" sz="3600" b="1" dirty="0" smtClean="0">
                 <a:solidFill>
                   <a:srgbClr val="0070C0"/>
                 </a:solidFill>
               </a:rPr>
-              <a:t>What </a:t>
-            </a:r>
-            <a:r>
-              <a:rPr lang="en-US" dirty="0" smtClean="0">
-                <a:solidFill>
-                  <a:srgbClr val="0070C0"/>
-                </a:solidFill>
-              </a:rPr>
-              <a:t>can computers be told to do?</a:t>
-            </a:r>
-            <a:endParaRPr lang="en-US" dirty="0">
+              <a:t>What can computers be told to do?</a:t>
+            </a:r>
+            <a:endParaRPr lang="en-US" sz="3600" b="1" dirty="0">
               <a:solidFill>
                 <a:srgbClr val="0070C0"/>
               </a:solidFill>
@@ -14302,9 +15239,14 @@
           <a:p>
             <a:r>
               <a:rPr lang="en-US" dirty="0" smtClean="0"/>
-              <a:t>If you’ve used Scratch, you know some script types</a:t>
-            </a:r>
-            <a:endParaRPr lang="en-US" dirty="0" smtClean="0"/>
+              <a:t>If you’ve used Scratch, you know some script types.</a:t>
+            </a:r>
+          </a:p>
+          <a:p>
+            <a:r>
+              <a:rPr lang="en-US" dirty="0" smtClean="0"/>
+              <a:t>You just used these:</a:t>
+            </a:r>
           </a:p>
           <a:p>
             <a:r>
@@ -14340,13 +15282,7 @@
               <a:rPr lang="en-US" dirty="0" smtClean="0">
                 <a:hlinkClick r:id="rId2"/>
               </a:rPr>
-              <a:t>Scratch Logo </a:t>
-            </a:r>
-            <a:r>
-              <a:rPr lang="en-US" dirty="0" smtClean="0">
-                <a:hlinkClick r:id="rId2"/>
-              </a:rPr>
-              <a:t>Demo</a:t>
+              <a:t>Scratch Logo Demo</a:t>
             </a:r>
             <a:endParaRPr lang="en-US" dirty="0" smtClean="0"/>
           </a:p>
@@ -14362,21 +15298,8 @@
             </a:pPr>
             <a:r>
               <a:rPr lang="en-US" dirty="0" smtClean="0"/>
-              <a:t>The n</a:t>
-            </a:r>
-            <a:r>
-              <a:rPr lang="en-US" dirty="0" smtClean="0"/>
-              <a:t>ext few slides show some of the </a:t>
-            </a:r>
-            <a:r>
-              <a:rPr lang="en-US" dirty="0" smtClean="0"/>
-              <a:t>other </a:t>
-            </a:r>
-            <a:r>
-              <a:rPr lang="en-US" dirty="0" smtClean="0"/>
-              <a:t>important script blocks.</a:t>
-            </a:r>
-            <a:endParaRPr lang="en-US" dirty="0" smtClean="0"/>
+              <a:t>The next few slides show some of the other important script blocks.</a:t>
+            </a:r>
           </a:p>
           <a:p>
             <a:pPr marL="0" indent="0">
@@ -14515,6 +15438,29 @@
           </a:extLst>
         </p:spPr>
       </p:pic>
+      <p:sp>
+        <p:nvSpPr>
+          <p:cNvPr id="4" name="Footer Placeholder 3"/>
+          <p:cNvSpPr>
+            <a:spLocks noGrp="1"/>
+          </p:cNvSpPr>
+          <p:nvPr>
+            <p:ph type="ftr" sz="quarter" idx="11"/>
+          </p:nvPr>
+        </p:nvSpPr>
+        <p:spPr/>
+        <p:txBody>
+          <a:bodyPr/>
+          <a:lstStyle/>
+          <a:p>
+            <a:r>
+              <a:rPr lang="en-US" smtClean="0"/>
+              <a:t>Jim Whitfield    http://tinyurl.com/scratch-beginners-1016</a:t>
+            </a:r>
+            <a:endParaRPr lang="en-US"/>
+          </a:p>
+        </p:txBody>
+      </p:sp>
     </p:spTree>
     <p:extLst>
       <p:ext uri="{BB962C8B-B14F-4D97-AF65-F5344CB8AC3E}">
@@ -14764,7 +15710,7 @@
                             </p:stCondLst>
                             <p:childTnLst>
                               <p:par>
-                                <p:cTn id="17" presetID="22" presetClass="entr" presetSubtype="8" fill="hold" nodeType="clickEffect">
+                                <p:cTn id="17" presetID="2" presetClass="entr" presetSubtype="4" fill="hold" grpId="0" nodeType="clickEffect">
                                   <p:stCondLst>
                                     <p:cond delay="0"/>
                                   </p:stCondLst>
@@ -14777,7 +15723,11 @@
                                           </p:stCondLst>
                                         </p:cTn>
                                         <p:tgtEl>
-                                          <p:spTgt spid="1026"/>
+                                          <p:spTgt spid="3">
+                                            <p:txEl>
+                                              <p:pRg st="2" end="2"/>
+                                            </p:txEl>
+                                          </p:spTgt>
                                         </p:tgtEl>
                                         <p:attrNameLst>
                                           <p:attrName>style.visibility</p:attrName>
@@ -14787,14 +15737,60 @@
                                         <p:strVal val="visible"/>
                                       </p:to>
                                     </p:set>
-                                    <p:animEffect transition="in" filter="wipe(left)">
-                                      <p:cBhvr>
-                                        <p:cTn id="19" dur="500"/>
-                                        <p:tgtEl>
-                                          <p:spTgt spid="1026"/>
-                                        </p:tgtEl>
-                                      </p:cBhvr>
-                                    </p:animEffect>
+                                    <p:anim calcmode="lin" valueType="num">
+                                      <p:cBhvr additive="base">
+                                        <p:cTn id="19" dur="500" fill="hold"/>
+                                        <p:tgtEl>
+                                          <p:spTgt spid="3">
+                                            <p:txEl>
+                                              <p:pRg st="2" end="2"/>
+                                            </p:txEl>
+                                          </p:spTgt>
+                                        </p:tgtEl>
+                                        <p:attrNameLst>
+                                          <p:attrName>ppt_x</p:attrName>
+                                        </p:attrNameLst>
+                                      </p:cBhvr>
+                                      <p:tavLst>
+                                        <p:tav tm="0">
+                                          <p:val>
+                                            <p:strVal val="#ppt_x"/>
+                                          </p:val>
+                                        </p:tav>
+                                        <p:tav tm="100000">
+                                          <p:val>
+                                            <p:strVal val="#ppt_x"/>
+                                          </p:val>
+                                        </p:tav>
+                                      </p:tavLst>
+                                    </p:anim>
+                                    <p:anim calcmode="lin" valueType="num">
+                                      <p:cBhvr additive="base">
+                                        <p:cTn id="20" dur="500" fill="hold"/>
+                                        <p:tgtEl>
+                                          <p:spTgt spid="3">
+                                            <p:txEl>
+                                              <p:pRg st="2" end="2"/>
+                                            </p:txEl>
+                                          </p:spTgt>
+                                        </p:tgtEl>
+                                        <p:attrNameLst>
+                                          <p:attrName>ppt_y</p:attrName>
+                                        </p:attrNameLst>
+                                      </p:cBhvr>
+                                      <p:tavLst>
+                                        <p:tav tm="0">
+                                          <p:val>
+                                            <p:strVal val="1+#ppt_h/2"/>
+                                          </p:val>
+                                        </p:tav>
+                                        <p:tav tm="100000">
+                                          <p:val>
+                                            <p:strVal val="#ppt_y"/>
+                                          </p:val>
+                                        </p:tav>
+                                      </p:tavLst>
+                                    </p:anim>
                                   </p:childTnLst>
                                 </p:cTn>
                               </p:par>
@@ -14805,36 +15801,32 @@
                     </p:cTn>
                   </p:par>
                   <p:par>
-                    <p:cTn id="20" fill="hold">
+                    <p:cTn id="21" fill="hold">
                       <p:stCondLst>
                         <p:cond delay="indefinite"/>
                       </p:stCondLst>
                       <p:childTnLst>
                         <p:par>
-                          <p:cTn id="21" fill="hold">
+                          <p:cTn id="22" fill="hold">
                             <p:stCondLst>
                               <p:cond delay="0"/>
                             </p:stCondLst>
                             <p:childTnLst>
                               <p:par>
-                                <p:cTn id="22" presetID="2" presetClass="entr" presetSubtype="4" fill="hold" grpId="0" nodeType="clickEffect">
+                                <p:cTn id="23" presetID="22" presetClass="entr" presetSubtype="8" fill="hold" nodeType="clickEffect">
                                   <p:stCondLst>
                                     <p:cond delay="0"/>
                                   </p:stCondLst>
                                   <p:childTnLst>
                                     <p:set>
                                       <p:cBhvr>
-                                        <p:cTn id="23" dur="1" fill="hold">
+                                        <p:cTn id="24" dur="1" fill="hold">
                                           <p:stCondLst>
                                             <p:cond delay="0"/>
                                           </p:stCondLst>
                                         </p:cTn>
                                         <p:tgtEl>
-                                          <p:spTgt spid="3">
-                                            <p:txEl>
-                                              <p:pRg st="2" end="2"/>
-                                            </p:txEl>
-                                          </p:spTgt>
+                                          <p:spTgt spid="1026"/>
                                         </p:tgtEl>
                                         <p:attrNameLst>
                                           <p:attrName>style.visibility</p:attrName>
@@ -14844,60 +15836,14 @@
                                         <p:strVal val="visible"/>
                                       </p:to>
                                     </p:set>
-                                    <p:anim calcmode="lin" valueType="num">
-                                      <p:cBhvr additive="base">
-                                        <p:cTn id="24" dur="500" fill="hold"/>
-                                        <p:tgtEl>
-                                          <p:spTgt spid="3">
-                                            <p:txEl>
-                                              <p:pRg st="2" end="2"/>
-                                            </p:txEl>
-                                          </p:spTgt>
-                                        </p:tgtEl>
-                                        <p:attrNameLst>
-                                          <p:attrName>ppt_x</p:attrName>
-                                        </p:attrNameLst>
-                                      </p:cBhvr>
-                                      <p:tavLst>
-                                        <p:tav tm="0">
-                                          <p:val>
-                                            <p:strVal val="#ppt_x"/>
-                                          </p:val>
-                                        </p:tav>
-                                        <p:tav tm="100000">
-                                          <p:val>
-                                            <p:strVal val="#ppt_x"/>
-                                          </p:val>
-                                        </p:tav>
-                                      </p:tavLst>
-                                    </p:anim>
-                                    <p:anim calcmode="lin" valueType="num">
-                                      <p:cBhvr additive="base">
-                                        <p:cTn id="25" dur="500" fill="hold"/>
-                                        <p:tgtEl>
-                                          <p:spTgt spid="3">
-                                            <p:txEl>
-                                              <p:pRg st="2" end="2"/>
-                                            </p:txEl>
-                                          </p:spTgt>
-                                        </p:tgtEl>
-                                        <p:attrNameLst>
-                                          <p:attrName>ppt_y</p:attrName>
-                                        </p:attrNameLst>
-                                      </p:cBhvr>
-                                      <p:tavLst>
-                                        <p:tav tm="0">
-                                          <p:val>
-                                            <p:strVal val="1+#ppt_h/2"/>
-                                          </p:val>
-                                        </p:tav>
-                                        <p:tav tm="100000">
-                                          <p:val>
-                                            <p:strVal val="#ppt_y"/>
-                                          </p:val>
-                                        </p:tav>
-                                      </p:tavLst>
-                                    </p:anim>
+                                    <p:animEffect transition="in" filter="wipe(left)">
+                                      <p:cBhvr>
+                                        <p:cTn id="25" dur="500"/>
+                                        <p:tgtEl>
+                                          <p:spTgt spid="1026"/>
+                                        </p:tgtEl>
+                                      </p:cBhvr>
+                                    </p:animEffect>
                                   </p:childTnLst>
                                 </p:cTn>
                               </p:par>
@@ -14920,7 +15866,7 @@
                             </p:stCondLst>
                             <p:childTnLst>
                               <p:par>
-                                <p:cTn id="28" presetID="22" presetClass="entr" presetSubtype="4" fill="hold" nodeType="clickEffect">
+                                <p:cTn id="28" presetID="2" presetClass="entr" presetSubtype="4" fill="hold" grpId="0" nodeType="clickEffect">
                                   <p:stCondLst>
                                     <p:cond delay="0"/>
                                   </p:stCondLst>
@@ -14933,7 +15879,11 @@
                                           </p:stCondLst>
                                         </p:cTn>
                                         <p:tgtEl>
-                                          <p:spTgt spid="1027"/>
+                                          <p:spTgt spid="3">
+                                            <p:txEl>
+                                              <p:pRg st="3" end="3"/>
+                                            </p:txEl>
+                                          </p:spTgt>
                                         </p:tgtEl>
                                         <p:attrNameLst>
                                           <p:attrName>style.visibility</p:attrName>
@@ -14943,14 +15893,60 @@
                                         <p:strVal val="visible"/>
                                       </p:to>
                                     </p:set>
-                                    <p:animEffect transition="in" filter="wipe(down)">
-                                      <p:cBhvr>
-                                        <p:cTn id="30" dur="500"/>
-                                        <p:tgtEl>
-                                          <p:spTgt spid="1027"/>
-                                        </p:tgtEl>
-                                      </p:cBhvr>
-                                    </p:animEffect>
+                                    <p:anim calcmode="lin" valueType="num">
+                                      <p:cBhvr additive="base">
+                                        <p:cTn id="30" dur="500" fill="hold"/>
+                                        <p:tgtEl>
+                                          <p:spTgt spid="3">
+                                            <p:txEl>
+                                              <p:pRg st="3" end="3"/>
+                                            </p:txEl>
+                                          </p:spTgt>
+                                        </p:tgtEl>
+                                        <p:attrNameLst>
+                                          <p:attrName>ppt_x</p:attrName>
+                                        </p:attrNameLst>
+                                      </p:cBhvr>
+                                      <p:tavLst>
+                                        <p:tav tm="0">
+                                          <p:val>
+                                            <p:strVal val="#ppt_x"/>
+                                          </p:val>
+                                        </p:tav>
+                                        <p:tav tm="100000">
+                                          <p:val>
+                                            <p:strVal val="#ppt_x"/>
+                                          </p:val>
+                                        </p:tav>
+                                      </p:tavLst>
+                                    </p:anim>
+                                    <p:anim calcmode="lin" valueType="num">
+                                      <p:cBhvr additive="base">
+                                        <p:cTn id="31" dur="500" fill="hold"/>
+                                        <p:tgtEl>
+                                          <p:spTgt spid="3">
+                                            <p:txEl>
+                                              <p:pRg st="3" end="3"/>
+                                            </p:txEl>
+                                          </p:spTgt>
+                                        </p:tgtEl>
+                                        <p:attrNameLst>
+                                          <p:attrName>ppt_y</p:attrName>
+                                        </p:attrNameLst>
+                                      </p:cBhvr>
+                                      <p:tavLst>
+                                        <p:tav tm="0">
+                                          <p:val>
+                                            <p:strVal val="1+#ppt_h/2"/>
+                                          </p:val>
+                                        </p:tav>
+                                        <p:tav tm="100000">
+                                          <p:val>
+                                            <p:strVal val="#ppt_y"/>
+                                          </p:val>
+                                        </p:tav>
+                                      </p:tavLst>
+                                    </p:anim>
                                   </p:childTnLst>
                                 </p:cTn>
                               </p:par>
@@ -14961,36 +15957,32 @@
                     </p:cTn>
                   </p:par>
                   <p:par>
-                    <p:cTn id="31" fill="hold">
+                    <p:cTn id="32" fill="hold">
                       <p:stCondLst>
                         <p:cond delay="indefinite"/>
                       </p:stCondLst>
                       <p:childTnLst>
                         <p:par>
-                          <p:cTn id="32" fill="hold">
+                          <p:cTn id="33" fill="hold">
                             <p:stCondLst>
                               <p:cond delay="0"/>
                             </p:stCondLst>
                             <p:childTnLst>
                               <p:par>
-                                <p:cTn id="33" presetID="2" presetClass="entr" presetSubtype="4" fill="hold" grpId="0" nodeType="clickEffect">
+                                <p:cTn id="34" presetID="22" presetClass="entr" presetSubtype="4" fill="hold" nodeType="clickEffect">
                                   <p:stCondLst>
                                     <p:cond delay="0"/>
                                   </p:stCondLst>
                                   <p:childTnLst>
                                     <p:set>
                                       <p:cBhvr>
-                                        <p:cTn id="34" dur="1" fill="hold">
+                                        <p:cTn id="35" dur="1" fill="hold">
                                           <p:stCondLst>
                                             <p:cond delay="0"/>
                                           </p:stCondLst>
                                         </p:cTn>
                                         <p:tgtEl>
-                                          <p:spTgt spid="3">
-                                            <p:txEl>
-                                              <p:pRg st="4" end="4"/>
-                                            </p:txEl>
-                                          </p:spTgt>
+                                          <p:spTgt spid="1027"/>
                                         </p:tgtEl>
                                         <p:attrNameLst>
                                           <p:attrName>style.visibility</p:attrName>
@@ -15000,60 +15992,14 @@
                                         <p:strVal val="visible"/>
                                       </p:to>
                                     </p:set>
-                                    <p:anim calcmode="lin" valueType="num">
-                                      <p:cBhvr additive="base">
-                                        <p:cTn id="35" dur="500" fill="hold"/>
-                                        <p:tgtEl>
-                                          <p:spTgt spid="3">
-                                            <p:txEl>
-                                              <p:pRg st="4" end="4"/>
-                                            </p:txEl>
-                                          </p:spTgt>
-                                        </p:tgtEl>
-                                        <p:attrNameLst>
-                                          <p:attrName>ppt_x</p:attrName>
-                                        </p:attrNameLst>
-                                      </p:cBhvr>
-                                      <p:tavLst>
-                                        <p:tav tm="0">
-                                          <p:val>
-                                            <p:strVal val="#ppt_x"/>
-                                          </p:val>
-                                        </p:tav>
-                                        <p:tav tm="100000">
-                                          <p:val>
-                                            <p:strVal val="#ppt_x"/>
-                                          </p:val>
-                                        </p:tav>
-                                      </p:tavLst>
-                                    </p:anim>
-                                    <p:anim calcmode="lin" valueType="num">
-                                      <p:cBhvr additive="base">
-                                        <p:cTn id="36" dur="500" fill="hold"/>
-                                        <p:tgtEl>
-                                          <p:spTgt spid="3">
-                                            <p:txEl>
-                                              <p:pRg st="4" end="4"/>
-                                            </p:txEl>
-                                          </p:spTgt>
-                                        </p:tgtEl>
-                                        <p:attrNameLst>
-                                          <p:attrName>ppt_y</p:attrName>
-                                        </p:attrNameLst>
-                                      </p:cBhvr>
-                                      <p:tavLst>
-                                        <p:tav tm="0">
-                                          <p:val>
-                                            <p:strVal val="1+#ppt_h/2"/>
-                                          </p:val>
-                                        </p:tav>
-                                        <p:tav tm="100000">
-                                          <p:val>
-                                            <p:strVal val="#ppt_y"/>
-                                          </p:val>
-                                        </p:tav>
-                                      </p:tavLst>
-                                    </p:anim>
+                                    <p:animEffect transition="in" filter="wipe(down)">
+                                      <p:cBhvr>
+                                        <p:cTn id="36" dur="500"/>
+                                        <p:tgtEl>
+                                          <p:spTgt spid="1027"/>
+                                        </p:tgtEl>
+                                      </p:cBhvr>
+                                    </p:animEffect>
                                   </p:childTnLst>
                                 </p:cTn>
                               </p:par>
@@ -15091,7 +16037,7 @@
                                         <p:tgtEl>
                                           <p:spTgt spid="3">
                                             <p:txEl>
-                                              <p:pRg st="6" end="6"/>
+                                              <p:pRg st="5" end="5"/>
                                             </p:txEl>
                                           </p:spTgt>
                                         </p:tgtEl>
@@ -15109,7 +16055,7 @@
                                         <p:tgtEl>
                                           <p:spTgt spid="3">
                                             <p:txEl>
-                                              <p:pRg st="6" end="6"/>
+                                              <p:pRg st="5" end="5"/>
                                             </p:txEl>
                                           </p:spTgt>
                                         </p:tgtEl>
@@ -15136,7 +16082,110 @@
                                         <p:tgtEl>
                                           <p:spTgt spid="3">
                                             <p:txEl>
-                                              <p:pRg st="6" end="6"/>
+                                              <p:pRg st="5" end="5"/>
+                                            </p:txEl>
+                                          </p:spTgt>
+                                        </p:tgtEl>
+                                        <p:attrNameLst>
+                                          <p:attrName>ppt_y</p:attrName>
+                                        </p:attrNameLst>
+                                      </p:cBhvr>
+                                      <p:tavLst>
+                                        <p:tav tm="0">
+                                          <p:val>
+                                            <p:strVal val="1+#ppt_h/2"/>
+                                          </p:val>
+                                        </p:tav>
+                                        <p:tav tm="100000">
+                                          <p:val>
+                                            <p:strVal val="#ppt_y"/>
+                                          </p:val>
+                                        </p:tav>
+                                      </p:tavLst>
+                                    </p:anim>
+                                  </p:childTnLst>
+                                </p:cTn>
+                              </p:par>
+                            </p:childTnLst>
+                          </p:cTn>
+                        </p:par>
+                      </p:childTnLst>
+                    </p:cTn>
+                  </p:par>
+                  <p:par>
+                    <p:cTn id="43" fill="hold">
+                      <p:stCondLst>
+                        <p:cond delay="indefinite"/>
+                      </p:stCondLst>
+                      <p:childTnLst>
+                        <p:par>
+                          <p:cTn id="44" fill="hold">
+                            <p:stCondLst>
+                              <p:cond delay="0"/>
+                            </p:stCondLst>
+                            <p:childTnLst>
+                              <p:par>
+                                <p:cTn id="45" presetID="2" presetClass="entr" presetSubtype="4" fill="hold" grpId="0" nodeType="clickEffect">
+                                  <p:stCondLst>
+                                    <p:cond delay="0"/>
+                                  </p:stCondLst>
+                                  <p:childTnLst>
+                                    <p:set>
+                                      <p:cBhvr>
+                                        <p:cTn id="46" dur="1" fill="hold">
+                                          <p:stCondLst>
+                                            <p:cond delay="0"/>
+                                          </p:stCondLst>
+                                        </p:cTn>
+                                        <p:tgtEl>
+                                          <p:spTgt spid="3">
+                                            <p:txEl>
+                                              <p:pRg st="7" end="7"/>
+                                            </p:txEl>
+                                          </p:spTgt>
+                                        </p:tgtEl>
+                                        <p:attrNameLst>
+                                          <p:attrName>style.visibility</p:attrName>
+                                        </p:attrNameLst>
+                                      </p:cBhvr>
+                                      <p:to>
+                                        <p:strVal val="visible"/>
+                                      </p:to>
+                                    </p:set>
+                                    <p:anim calcmode="lin" valueType="num">
+                                      <p:cBhvr additive="base">
+                                        <p:cTn id="47" dur="500" fill="hold"/>
+                                        <p:tgtEl>
+                                          <p:spTgt spid="3">
+                                            <p:txEl>
+                                              <p:pRg st="7" end="7"/>
+                                            </p:txEl>
+                                          </p:spTgt>
+                                        </p:tgtEl>
+                                        <p:attrNameLst>
+                                          <p:attrName>ppt_x</p:attrName>
+                                        </p:attrNameLst>
+                                      </p:cBhvr>
+                                      <p:tavLst>
+                                        <p:tav tm="0">
+                                          <p:val>
+                                            <p:strVal val="#ppt_x"/>
+                                          </p:val>
+                                        </p:tav>
+                                        <p:tav tm="100000">
+                                          <p:val>
+                                            <p:strVal val="#ppt_x"/>
+                                          </p:val>
+                                        </p:tav>
+                                      </p:tavLst>
+                                    </p:anim>
+                                    <p:anim calcmode="lin" valueType="num">
+                                      <p:cBhvr additive="base">
+                                        <p:cTn id="48" dur="500" fill="hold"/>
+                                        <p:tgtEl>
+                                          <p:spTgt spid="3">
+                                            <p:txEl>
+                                              <p:pRg st="7" end="7"/>
                                             </p:txEl>
                                           </p:spTgt>
                                         </p:tgtEl>
@@ -15230,11 +16279,7 @@
           <a:p>
             <a:r>
               <a:rPr lang="en-US" sz="3600" b="1" dirty="0" smtClean="0"/>
-              <a:t>Computers </a:t>
-            </a:r>
-            <a:r>
-              <a:rPr lang="en-US" sz="3600" b="1" dirty="0" smtClean="0"/>
-              <a:t>is so </a:t>
+              <a:t>Computers is so </a:t>
             </a:r>
             <a:r>
               <a:rPr lang="en-US" sz="3600" b="1" dirty="0" err="1" smtClean="0"/>
@@ -15271,13 +16316,13 @@
         </p:nvSpPr>
         <p:spPr>
           <a:xfrm>
-            <a:off x="457200" y="1600200"/>
-            <a:ext cx="7950727" cy="4525963"/>
+            <a:off x="990600" y="1524000"/>
+            <a:ext cx="7417327" cy="4602163"/>
           </a:xfrm>
         </p:spPr>
         <p:txBody>
           <a:bodyPr>
-            <a:normAutofit/>
+            <a:normAutofit lnSpcReduction="10000"/>
           </a:bodyPr>
           <a:lstStyle/>
           <a:p>
@@ -15286,25 +16331,35 @@
             </a:pPr>
             <a:r>
               <a:rPr lang="en-US" sz="3600" dirty="0" smtClean="0">
+                <a:solidFill>
+                  <a:srgbClr val="FF0000"/>
+                </a:solidFill>
+              </a:rPr>
+              <a:t>Don’t do what I said, do what I want!!</a:t>
+            </a:r>
+            <a:endParaRPr lang="en-US" dirty="0" smtClean="0">
+              <a:solidFill>
+                <a:srgbClr val="FF0000"/>
+              </a:solidFill>
+            </a:endParaRPr>
+          </a:p>
+          <a:p>
+            <a:pPr marL="0" indent="0" algn="r">
+              <a:buNone/>
+            </a:pPr>
+            <a:r>
+              <a:rPr lang="en-US" dirty="0" smtClean="0">
                 <a:solidFill>
                   <a:srgbClr val="7030A0"/>
                 </a:solidFill>
               </a:rPr>
-              <a:t>Don’t do what I said, do what I want!!</a:t>
-            </a:r>
-            <a:endParaRPr lang="en-US" sz="3200" dirty="0" smtClean="0"/>
-          </a:p>
-          <a:p>
-            <a:endParaRPr lang="en-US" dirty="0" smtClean="0"/>
+              <a:t>We all wish it were that easy.</a:t>
+            </a:r>
           </a:p>
           <a:p>
             <a:r>
               <a:rPr lang="en-US" dirty="0" smtClean="0"/>
-              <a:t>They </a:t>
-            </a:r>
-            <a:r>
-              <a:rPr lang="en-US" dirty="0" smtClean="0"/>
-              <a:t>take </a:t>
+              <a:t>Programs take </a:t>
             </a:r>
             <a:r>
               <a:rPr lang="en-US" b="1" dirty="0" smtClean="0"/>
@@ -15334,31 +16389,7 @@
                   <a:srgbClr val="FF0000"/>
                 </a:solidFill>
               </a:rPr>
-              <a:t>In </a:t>
-            </a:r>
-            <a:r>
-              <a:rPr lang="en-US" dirty="0" smtClean="0">
-                <a:solidFill>
-                  <a:srgbClr val="FF0000"/>
-                </a:solidFill>
-              </a:rPr>
-              <a:t>Rainbow Writer</a:t>
-            </a:r>
-            <a:r>
-              <a:rPr lang="en-US" dirty="0" smtClean="0">
-                <a:solidFill>
-                  <a:srgbClr val="FF0000"/>
-                </a:solidFill>
-              </a:rPr>
-              <a:t>, </a:t>
-            </a:r>
-            <a:r>
-              <a:rPr lang="en-US" dirty="0" smtClean="0">
-                <a:solidFill>
-                  <a:srgbClr val="FF0000"/>
-                </a:solidFill>
-              </a:rPr>
-              <a:t>you probably wanted the pen to stop writing, but how</a:t>
+              <a:t>In Rainbow Writer, you probably wanted the pen to stop writing, but how</a:t>
             </a:r>
             <a:r>
               <a:rPr lang="en-US" dirty="0">
@@ -15406,7 +16437,34 @@
             </a:r>
           </a:p>
           <a:p>
-            <a:endParaRPr lang="en-US" sz="2400" dirty="0" smtClean="0"/>
+            <a:endParaRPr lang="en-US" sz="1600" dirty="0"/>
+          </a:p>
+          <a:p>
+            <a:pPr marL="0" indent="0">
+              <a:buNone/>
+            </a:pPr>
+            <a:endParaRPr lang="en-US" sz="2800" b="1" dirty="0" smtClean="0"/>
+          </a:p>
+          <a:p>
+            <a:pPr marL="0" indent="0">
+              <a:buNone/>
+            </a:pPr>
+            <a:endParaRPr lang="en-US" sz="2800" b="1" dirty="0"/>
+          </a:p>
+          <a:p>
+            <a:pPr marL="0" indent="0">
+              <a:buNone/>
+            </a:pPr>
+            <a:r>
+              <a:rPr lang="en-US" sz="2800" b="1" dirty="0" smtClean="0"/>
+              <a:t>So, How do I say what I want?</a:t>
+            </a:r>
+          </a:p>
+          <a:p>
+            <a:r>
+              <a:rPr lang="en-US" sz="2400" dirty="0" smtClean="0"/>
+              <a:t>(6 quick slides ahead)</a:t>
+            </a:r>
           </a:p>
         </p:txBody>
       </p:sp>
@@ -15426,7 +16484,7 @@
         </p:blipFill>
         <p:spPr>
           <a:xfrm>
-            <a:off x="5791200" y="4764382"/>
+            <a:off x="5867400" y="3825081"/>
             <a:ext cx="2007127" cy="1334408"/>
           </a:xfrm>
           <a:prstGeom prst="rect">
@@ -15434,6 +16492,29 @@
           </a:prstGeom>
         </p:spPr>
       </p:pic>
+      <p:sp>
+        <p:nvSpPr>
+          <p:cNvPr id="4" name="Footer Placeholder 3"/>
+          <p:cNvSpPr>
+            <a:spLocks noGrp="1"/>
+          </p:cNvSpPr>
+          <p:nvPr>
+            <p:ph type="ftr" sz="quarter" idx="11"/>
+          </p:nvPr>
+        </p:nvSpPr>
+        <p:spPr/>
+        <p:txBody>
+          <a:bodyPr/>
+          <a:lstStyle/>
+          <a:p>
+            <a:r>
+              <a:rPr lang="en-US" smtClean="0"/>
+              <a:t>Jim Whitfield    http://tinyurl.com/scratch-beginners-1016</a:t>
+            </a:r>
+            <a:endParaRPr lang="en-US"/>
+          </a:p>
+        </p:txBody>
+      </p:sp>
     </p:spTree>
     <p:extLst>
       <p:ext uri="{BB962C8B-B14F-4D97-AF65-F5344CB8AC3E}">
@@ -15697,7 +16778,7 @@
                                         <p:tgtEl>
                                           <p:spTgt spid="3">
                                             <p:txEl>
-                                              <p:pRg st="2" end="2"/>
+                                              <p:pRg st="1" end="1"/>
                                             </p:txEl>
                                           </p:spTgt>
                                         </p:tgtEl>
@@ -15715,7 +16796,7 @@
                                         <p:tgtEl>
                                           <p:spTgt spid="3">
                                             <p:txEl>
-                                              <p:pRg st="2" end="2"/>
+                                              <p:pRg st="1" end="1"/>
                                             </p:txEl>
                                           </p:spTgt>
                                         </p:tgtEl>
@@ -15742,7 +16823,7 @@
                                         <p:tgtEl>
                                           <p:spTgt spid="3">
                                             <p:txEl>
-                                              <p:pRg st="2" end="2"/>
+                                              <p:pRg st="1" end="1"/>
                                             </p:txEl>
                                           </p:spTgt>
                                         </p:tgtEl>
@@ -15800,7 +16881,7 @@
                                         <p:tgtEl>
                                           <p:spTgt spid="3">
                                             <p:txEl>
-                                              <p:pRg st="3" end="3"/>
+                                              <p:pRg st="2" end="2"/>
                                             </p:txEl>
                                           </p:spTgt>
                                         </p:tgtEl>
@@ -15818,7 +16899,7 @@
                                         <p:tgtEl>
                                           <p:spTgt spid="3">
                                             <p:txEl>
-                                              <p:pRg st="3" end="3"/>
+                                              <p:pRg st="2" end="2"/>
                                             </p:txEl>
                                           </p:spTgt>
                                         </p:tgtEl>
@@ -15845,7 +16926,7 @@
                                         <p:tgtEl>
                                           <p:spTgt spid="3">
                                             <p:txEl>
-                                              <p:pRg st="3" end="3"/>
+                                              <p:pRg st="2" end="2"/>
                                             </p:txEl>
                                           </p:spTgt>
                                         </p:tgtEl>
@@ -15903,7 +16984,7 @@
                                         <p:tgtEl>
                                           <p:spTgt spid="3">
                                             <p:txEl>
-                                              <p:pRg st="4" end="4"/>
+                                              <p:pRg st="3" end="3"/>
                                             </p:txEl>
                                           </p:spTgt>
                                         </p:tgtEl>
@@ -15921,7 +17002,7 @@
                                         <p:tgtEl>
                                           <p:spTgt spid="3">
                                             <p:txEl>
-                                              <p:pRg st="4" end="4"/>
+                                              <p:pRg st="3" end="3"/>
                                             </p:txEl>
                                           </p:spTgt>
                                         </p:tgtEl>
@@ -15945,6 +17026,109 @@
                                     <p:anim calcmode="lin" valueType="num">
                                       <p:cBhvr additive="base">
                                         <p:cTn id="33" dur="500" fill="hold"/>
+                                        <p:tgtEl>
+                                          <p:spTgt spid="3">
+                                            <p:txEl>
+                                              <p:pRg st="3" end="3"/>
+                                            </p:txEl>
+                                          </p:spTgt>
+                                        </p:tgtEl>
+                                        <p:attrNameLst>
+                                          <p:attrName>ppt_y</p:attrName>
+                                        </p:attrNameLst>
+                                      </p:cBhvr>
+                                      <p:tavLst>
+                                        <p:tav tm="0">
+                                          <p:val>
+                                            <p:strVal val="1+#ppt_h/2"/>
+                                          </p:val>
+                                        </p:tav>
+                                        <p:tav tm="100000">
+                                          <p:val>
+                                            <p:strVal val="#ppt_y"/>
+                                          </p:val>
+                                        </p:tav>
+                                      </p:tavLst>
+                                    </p:anim>
+                                  </p:childTnLst>
+                                </p:cTn>
+                              </p:par>
+                            </p:childTnLst>
+                          </p:cTn>
+                        </p:par>
+                      </p:childTnLst>
+                    </p:cTn>
+                  </p:par>
+                  <p:par>
+                    <p:cTn id="34" fill="hold">
+                      <p:stCondLst>
+                        <p:cond delay="indefinite"/>
+                      </p:stCondLst>
+                      <p:childTnLst>
+                        <p:par>
+                          <p:cTn id="35" fill="hold">
+                            <p:stCondLst>
+                              <p:cond delay="0"/>
+                            </p:stCondLst>
+                            <p:childTnLst>
+                              <p:par>
+                                <p:cTn id="36" presetID="2" presetClass="entr" presetSubtype="4" fill="hold" grpId="0" nodeType="clickEffect">
+                                  <p:stCondLst>
+                                    <p:cond delay="0"/>
+                                  </p:stCondLst>
+                                  <p:childTnLst>
+                                    <p:set>
+                                      <p:cBhvr>
+                                        <p:cTn id="37" dur="1" fill="hold">
+                                          <p:stCondLst>
+                                            <p:cond delay="0"/>
+                                          </p:stCondLst>
+                                        </p:cTn>
+                                        <p:tgtEl>
+                                          <p:spTgt spid="3">
+                                            <p:txEl>
+                                              <p:pRg st="4" end="4"/>
+                                            </p:txEl>
+                                          </p:spTgt>
+                                        </p:tgtEl>
+                                        <p:attrNameLst>
+                                          <p:attrName>style.visibility</p:attrName>
+                                        </p:attrNameLst>
+                                      </p:cBhvr>
+                                      <p:to>
+                                        <p:strVal val="visible"/>
+                                      </p:to>
+                                    </p:set>
+                                    <p:anim calcmode="lin" valueType="num">
+                                      <p:cBhvr additive="base">
+                                        <p:cTn id="38" dur="500" fill="hold"/>
+                                        <p:tgtEl>
+                                          <p:spTgt spid="3">
+                                            <p:txEl>
+                                              <p:pRg st="4" end="4"/>
+                                            </p:txEl>
+                                          </p:spTgt>
+                                        </p:tgtEl>
+                                        <p:attrNameLst>
+                                          <p:attrName>ppt_x</p:attrName>
+                                        </p:attrNameLst>
+                                      </p:cBhvr>
+                                      <p:tavLst>
+                                        <p:tav tm="0">
+                                          <p:val>
+                                            <p:strVal val="#ppt_x"/>
+                                          </p:val>
+                                        </p:tav>
+                                        <p:tav tm="100000">
+                                          <p:val>
+                                            <p:strVal val="#ppt_x"/>
+                                          </p:val>
+                                        </p:tav>
+                                      </p:tavLst>
+                                    </p:anim>
+                                    <p:anim calcmode="lin" valueType="num">
+                                      <p:cBhvr additive="base">
+                                        <p:cTn id="39" dur="500" fill="hold"/>
                                         <p:tgtEl>
                                           <p:spTgt spid="3">
                                             <p:txEl>
@@ -15973,14 +17157,14 @@
                                 </p:cTn>
                               </p:par>
                               <p:par>
-                                <p:cTn id="34" presetID="2" presetClass="entr" presetSubtype="4" fill="hold" grpId="0" nodeType="withEffect">
+                                <p:cTn id="40" presetID="2" presetClass="entr" presetSubtype="4" fill="hold" grpId="0" nodeType="withEffect">
                                   <p:stCondLst>
                                     <p:cond delay="0"/>
                                   </p:stCondLst>
                                   <p:childTnLst>
                                     <p:set>
                                       <p:cBhvr>
-                                        <p:cTn id="35" dur="1" fill="hold">
+                                        <p:cTn id="41" dur="1" fill="hold">
                                           <p:stCondLst>
                                             <p:cond delay="0"/>
                                           </p:stCondLst>
@@ -16002,7 +17186,7 @@
                                     </p:set>
                                     <p:anim calcmode="lin" valueType="num">
                                       <p:cBhvr additive="base">
-                                        <p:cTn id="36" dur="500" fill="hold"/>
+                                        <p:cTn id="42" dur="500" fill="hold"/>
                                         <p:tgtEl>
                                           <p:spTgt spid="3">
                                             <p:txEl>
@@ -16029,11 +17213,217 @@
                                     </p:anim>
                                     <p:anim calcmode="lin" valueType="num">
                                       <p:cBhvr additive="base">
-                                        <p:cTn id="37" dur="500" fill="hold"/>
+                                        <p:cTn id="43" dur="500" fill="hold"/>
                                         <p:tgtEl>
                                           <p:spTgt spid="3">
                                             <p:txEl>
                                               <p:pRg st="5" end="5"/>
+                                            </p:txEl>
+                                          </p:spTgt>
+                                        </p:tgtEl>
+                                        <p:attrNameLst>
+                                          <p:attrName>ppt_y</p:attrName>
+                                        </p:attrNameLst>
+                                      </p:cBhvr>
+                                      <p:tavLst>
+                                        <p:tav tm="0">
+                                          <p:val>
+                                            <p:strVal val="1+#ppt_h/2"/>
+                                          </p:val>
+                                        </p:tav>
+                                        <p:tav tm="100000">
+                                          <p:val>
+                                            <p:strVal val="#ppt_y"/>
+                                          </p:val>
+                                        </p:tav>
+                                      </p:tavLst>
+                                    </p:anim>
+                                  </p:childTnLst>
+                                </p:cTn>
+                              </p:par>
+                            </p:childTnLst>
+                          </p:cTn>
+                        </p:par>
+                      </p:childTnLst>
+                    </p:cTn>
+                  </p:par>
+                  <p:par>
+                    <p:cTn id="44" fill="hold">
+                      <p:stCondLst>
+                        <p:cond delay="indefinite"/>
+                      </p:stCondLst>
+                      <p:childTnLst>
+                        <p:par>
+                          <p:cTn id="45" fill="hold">
+                            <p:stCondLst>
+                              <p:cond delay="0"/>
+                            </p:stCondLst>
+                            <p:childTnLst>
+                              <p:par>
+                                <p:cTn id="46" presetID="2" presetClass="entr" presetSubtype="4" fill="hold" grpId="0" nodeType="clickEffect">
+                                  <p:stCondLst>
+                                    <p:cond delay="0"/>
+                                  </p:stCondLst>
+                                  <p:childTnLst>
+                                    <p:set>
+                                      <p:cBhvr>
+                                        <p:cTn id="47" dur="1" fill="hold">
+                                          <p:stCondLst>
+                                            <p:cond delay="0"/>
+                                          </p:stCondLst>
+                                        </p:cTn>
+                                        <p:tgtEl>
+                                          <p:spTgt spid="3">
+                                            <p:txEl>
+                                              <p:pRg st="9" end="9"/>
+                                            </p:txEl>
+                                          </p:spTgt>
+                                        </p:tgtEl>
+                                        <p:attrNameLst>
+                                          <p:attrName>style.visibility</p:attrName>
+                                        </p:attrNameLst>
+                                      </p:cBhvr>
+                                      <p:to>
+                                        <p:strVal val="visible"/>
+                                      </p:to>
+                                    </p:set>
+                                    <p:anim calcmode="lin" valueType="num">
+                                      <p:cBhvr additive="base">
+                                        <p:cTn id="48" dur="500" fill="hold"/>
+                                        <p:tgtEl>
+                                          <p:spTgt spid="3">
+                                            <p:txEl>
+                                              <p:pRg st="9" end="9"/>
+                                            </p:txEl>
+                                          </p:spTgt>
+                                        </p:tgtEl>
+                                        <p:attrNameLst>
+                                          <p:attrName>ppt_x</p:attrName>
+                                        </p:attrNameLst>
+                                      </p:cBhvr>
+                                      <p:tavLst>
+                                        <p:tav tm="0">
+                                          <p:val>
+                                            <p:strVal val="#ppt_x"/>
+                                          </p:val>
+                                        </p:tav>
+                                        <p:tav tm="100000">
+                                          <p:val>
+                                            <p:strVal val="#ppt_x"/>
+                                          </p:val>
+                                        </p:tav>
+                                      </p:tavLst>
+                                    </p:anim>
+                                    <p:anim calcmode="lin" valueType="num">
+                                      <p:cBhvr additive="base">
+                                        <p:cTn id="49" dur="500" fill="hold"/>
+                                        <p:tgtEl>
+                                          <p:spTgt spid="3">
+                                            <p:txEl>
+                                              <p:pRg st="9" end="9"/>
+                                            </p:txEl>
+                                          </p:spTgt>
+                                        </p:tgtEl>
+                                        <p:attrNameLst>
+                                          <p:attrName>ppt_y</p:attrName>
+                                        </p:attrNameLst>
+                                      </p:cBhvr>
+                                      <p:tavLst>
+                                        <p:tav tm="0">
+                                          <p:val>
+                                            <p:strVal val="1+#ppt_h/2"/>
+                                          </p:val>
+                                        </p:tav>
+                                        <p:tav tm="100000">
+                                          <p:val>
+                                            <p:strVal val="#ppt_y"/>
+                                          </p:val>
+                                        </p:tav>
+                                      </p:tavLst>
+                                    </p:anim>
+                                  </p:childTnLst>
+                                </p:cTn>
+                              </p:par>
+                            </p:childTnLst>
+                          </p:cTn>
+                        </p:par>
+                      </p:childTnLst>
+                    </p:cTn>
+                  </p:par>
+                  <p:par>
+                    <p:cTn id="50" fill="hold">
+                      <p:stCondLst>
+                        <p:cond delay="indefinite"/>
+                      </p:stCondLst>
+                      <p:childTnLst>
+                        <p:par>
+                          <p:cTn id="51" fill="hold">
+                            <p:stCondLst>
+                              <p:cond delay="0"/>
+                            </p:stCondLst>
+                            <p:childTnLst>
+                              <p:par>
+                                <p:cTn id="52" presetID="2" presetClass="entr" presetSubtype="4" fill="hold" grpId="0" nodeType="clickEffect">
+                                  <p:stCondLst>
+                                    <p:cond delay="0"/>
+                                  </p:stCondLst>
+                                  <p:childTnLst>
+                                    <p:set>
+                                      <p:cBhvr>
+                                        <p:cTn id="53" dur="1" fill="hold">
+                                          <p:stCondLst>
+                                            <p:cond delay="0"/>
+                                          </p:stCondLst>
+                                        </p:cTn>
+                                        <p:tgtEl>
+                                          <p:spTgt spid="3">
+                                            <p:txEl>
+                                              <p:pRg st="10" end="10"/>
+                                            </p:txEl>
+                                          </p:spTgt>
+                                        </p:tgtEl>
+                                        <p:attrNameLst>
+                                          <p:attrName>style.visibility</p:attrName>
+                                        </p:attrNameLst>
+                                      </p:cBhvr>
+                                      <p:to>
+                                        <p:strVal val="visible"/>
+                                      </p:to>
+                                    </p:set>
+                                    <p:anim calcmode="lin" valueType="num">
+                                      <p:cBhvr additive="base">
+                                        <p:cTn id="54" dur="500" fill="hold"/>
+                                        <p:tgtEl>
+                                          <p:spTgt spid="3">
+                                            <p:txEl>
+                                              <p:pRg st="10" end="10"/>
+                                            </p:txEl>
+                                          </p:spTgt>
+                                        </p:tgtEl>
+                                        <p:attrNameLst>
+                                          <p:attrName>ppt_x</p:attrName>
+                                        </p:attrNameLst>
+                                      </p:cBhvr>
+                                      <p:tavLst>
+                                        <p:tav tm="0">
+                                          <p:val>
+                                            <p:strVal val="#ppt_x"/>
+                                          </p:val>
+                                        </p:tav>
+                                        <p:tav tm="100000">
+                                          <p:val>
+                                            <p:strVal val="#ppt_x"/>
+                                          </p:val>
+                                        </p:tav>
+                                      </p:tavLst>
+                                    </p:anim>
+                                    <p:anim calcmode="lin" valueType="num">
+                                      <p:cBhvr additive="base">
+                                        <p:cTn id="55" dur="500" fill="hold"/>
+                                        <p:tgtEl>
+                                          <p:spTgt spid="3">
+                                            <p:txEl>
+                                              <p:pRg st="10" end="10"/>
                                             </p:txEl>
                                           </p:spTgt>
                                         </p:tgtEl>
@@ -16061,20 +17451,20 @@
                           </p:cTn>
                         </p:par>
                         <p:par>
-                          <p:cTn id="38" fill="hold">
+                          <p:cTn id="56" fill="hold">
                             <p:stCondLst>
                               <p:cond delay="500"/>
                             </p:stCondLst>
                             <p:childTnLst>
                               <p:par>
-                                <p:cTn id="39" presetID="21" presetClass="entr" presetSubtype="1" fill="hold" nodeType="afterEffect">
+                                <p:cTn id="57" presetID="21" presetClass="entr" presetSubtype="1" fill="hold" nodeType="afterEffect">
                                   <p:stCondLst>
                                     <p:cond delay="0"/>
                                   </p:stCondLst>
                                   <p:childTnLst>
                                     <p:set>
                                       <p:cBhvr>
-                                        <p:cTn id="40" dur="1" fill="hold">
+                                        <p:cTn id="58" dur="1" fill="hold">
                                           <p:stCondLst>
                                             <p:cond delay="0"/>
                                           </p:stCondLst>
@@ -16092,7 +17482,7 @@
                                     </p:set>
                                     <p:animEffect transition="in" filter="wheel(1)">
                                       <p:cBhvr>
-                                        <p:cTn id="41" dur="2000"/>
+                                        <p:cTn id="59" dur="2000"/>
                                         <p:tgtEl>
                                           <p:spTgt spid="6"/>
                                         </p:tgtEl>
@@ -16176,10 +17566,10 @@
           <a:lstStyle/>
           <a:p>
             <a:r>
-              <a:rPr lang="en-US" sz="4400" dirty="0" smtClean="0"/>
+              <a:rPr lang="en-US" sz="4400" b="1" dirty="0" smtClean="0"/>
               <a:t>Events</a:t>
             </a:r>
-            <a:endParaRPr lang="en-US" sz="4400" dirty="0"/>
+            <a:endParaRPr lang="en-US" sz="4400" b="1" dirty="0"/>
           </a:p>
         </p:txBody>
       </p:sp>
@@ -16206,40 +17596,43 @@
           <a:lstStyle/>
           <a:p>
             <a:r>
-              <a:rPr lang="en-US" dirty="0" smtClean="0"/>
+              <a:rPr lang="en-US" sz="2800" dirty="0" smtClean="0"/>
               <a:t>The MOST USEFUL events are</a:t>
             </a:r>
           </a:p>
           <a:p>
-            <a:pPr lvl="1"/>
-            <a:r>
-              <a:rPr lang="en-US" dirty="0" smtClean="0"/>
+            <a:pPr lvl="1">
+              <a:lnSpc>
+                <a:spcPct val="150000"/>
+              </a:lnSpc>
+            </a:pPr>
+            <a:r>
+              <a:rPr lang="en-US" sz="2400" dirty="0" smtClean="0"/>
               <a:t>When the Green Flag is clicked</a:t>
             </a:r>
           </a:p>
           <a:p>
-            <a:pPr lvl="1"/>
-            <a:r>
-              <a:rPr lang="en-US" dirty="0" smtClean="0"/>
-              <a:t>When a keyboard key is </a:t>
-            </a:r>
-            <a:r>
-              <a:rPr lang="en-US" dirty="0" smtClean="0"/>
-              <a:t>pressed</a:t>
-            </a:r>
-            <a:endParaRPr lang="en-US" dirty="0" smtClean="0"/>
-          </a:p>
-          <a:p>
-            <a:pPr lvl="1"/>
-            <a:r>
-              <a:rPr lang="en-US" dirty="0" smtClean="0"/>
-              <a:t>When a sprite is </a:t>
-            </a:r>
-            <a:r>
-              <a:rPr lang="en-US" dirty="0" smtClean="0"/>
-              <a:t>clicked</a:t>
-            </a:r>
-            <a:endParaRPr lang="en-US" dirty="0"/>
+            <a:pPr lvl="1">
+              <a:lnSpc>
+                <a:spcPct val="150000"/>
+              </a:lnSpc>
+            </a:pPr>
+            <a:r>
+              <a:rPr lang="en-US" sz="2400" dirty="0" smtClean="0"/>
+              <a:t>When a keyboard key is pressed</a:t>
+            </a:r>
+          </a:p>
+          <a:p>
+            <a:pPr lvl="1">
+              <a:lnSpc>
+                <a:spcPct val="150000"/>
+              </a:lnSpc>
+            </a:pPr>
+            <a:r>
+              <a:rPr lang="en-US" sz="2400" dirty="0" smtClean="0"/>
+              <a:t>When a sprite is clicked</a:t>
+            </a:r>
+            <a:endParaRPr lang="en-US" sz="2400" dirty="0"/>
           </a:p>
           <a:p>
             <a:pPr lvl="1"/>
@@ -16255,7 +17648,7 @@
                   <a:srgbClr val="0070C0"/>
                 </a:solidFill>
               </a:rPr>
-              <a:t>What is useful for PONG?</a:t>
+              <a:t>What is useful for our project?</a:t>
             </a:r>
           </a:p>
           <a:p>
@@ -16265,20 +17658,9 @@
             <a:endParaRPr lang="en-US" dirty="0"/>
           </a:p>
           <a:p>
-            <a:r>
-              <a:rPr lang="en-US" dirty="0" smtClean="0"/>
-              <a:t>(</a:t>
-            </a:r>
-            <a:r>
-              <a:rPr lang="en-US" dirty="0" err="1" smtClean="0"/>
-              <a:t>pssst</a:t>
-            </a:r>
-            <a:r>
-              <a:rPr lang="en-US" dirty="0" smtClean="0"/>
-              <a:t>: Events are earlier tests that you learn the outcome of.)</a:t>
-            </a:r>
-          </a:p>
-          <a:p>
+            <a:pPr marL="0" indent="0">
+              <a:buNone/>
+            </a:pPr>
             <a:endParaRPr lang="en-US" dirty="0"/>
           </a:p>
         </p:txBody>
@@ -16307,6 +17689,128 @@
           </a:prstGeom>
         </p:spPr>
       </p:pic>
+      <p:cxnSp>
+        <p:nvCxnSpPr>
+          <p:cNvPr id="6" name="Straight Arrow Connector 5"/>
+          <p:cNvCxnSpPr/>
+          <p:nvPr/>
+        </p:nvCxnSpPr>
+        <p:spPr>
+          <a:xfrm>
+            <a:off x="4953000" y="2209800"/>
+            <a:ext cx="1219200" cy="228600"/>
+          </a:xfrm>
+          <a:prstGeom prst="straightConnector1">
+            <a:avLst/>
+          </a:prstGeom>
+          <a:ln>
+            <a:tailEnd type="triangle"/>
+          </a:ln>
+        </p:spPr>
+        <p:style>
+          <a:lnRef idx="1">
+            <a:schemeClr val="accent1"/>
+          </a:lnRef>
+          <a:fillRef idx="0">
+            <a:schemeClr val="accent1"/>
+          </a:fillRef>
+          <a:effectRef idx="0">
+            <a:schemeClr val="accent1"/>
+          </a:effectRef>
+          <a:fontRef idx="minor">
+            <a:schemeClr val="tx1"/>
+          </a:fontRef>
+        </p:style>
+      </p:cxnSp>
+      <p:cxnSp>
+        <p:nvCxnSpPr>
+          <p:cNvPr id="8" name="Straight Arrow Connector 7"/>
+          <p:cNvCxnSpPr/>
+          <p:nvPr/>
+        </p:nvCxnSpPr>
+        <p:spPr>
+          <a:xfrm>
+            <a:off x="5105400" y="2895600"/>
+            <a:ext cx="1066800" cy="152400"/>
+          </a:xfrm>
+          <a:prstGeom prst="straightConnector1">
+            <a:avLst/>
+          </a:prstGeom>
+          <a:ln>
+            <a:tailEnd type="triangle"/>
+          </a:ln>
+        </p:spPr>
+        <p:style>
+          <a:lnRef idx="1">
+            <a:schemeClr val="accent1"/>
+          </a:lnRef>
+          <a:fillRef idx="0">
+            <a:schemeClr val="accent1"/>
+          </a:fillRef>
+          <a:effectRef idx="0">
+            <a:schemeClr val="accent1"/>
+          </a:effectRef>
+          <a:fontRef idx="minor">
+            <a:schemeClr val="tx1"/>
+          </a:fontRef>
+        </p:style>
+      </p:cxnSp>
+      <p:cxnSp>
+        <p:nvCxnSpPr>
+          <p:cNvPr id="10" name="Straight Arrow Connector 9"/>
+          <p:cNvCxnSpPr/>
+          <p:nvPr/>
+        </p:nvCxnSpPr>
+        <p:spPr>
+          <a:xfrm>
+            <a:off x="4038600" y="3429000"/>
+            <a:ext cx="2133600" cy="152400"/>
+          </a:xfrm>
+          <a:prstGeom prst="straightConnector1">
+            <a:avLst/>
+          </a:prstGeom>
+          <a:ln>
+            <a:tailEnd type="triangle"/>
+          </a:ln>
+        </p:spPr>
+        <p:style>
+          <a:lnRef idx="1">
+            <a:schemeClr val="accent1"/>
+          </a:lnRef>
+          <a:fillRef idx="0">
+            <a:schemeClr val="accent1"/>
+          </a:fillRef>
+          <a:effectRef idx="0">
+            <a:schemeClr val="accent1"/>
+          </a:effectRef>
+          <a:fontRef idx="minor">
+            <a:schemeClr val="tx1"/>
+          </a:fontRef>
+        </p:style>
+      </p:cxnSp>
+      <p:sp>
+        <p:nvSpPr>
+          <p:cNvPr id="5" name="Footer Placeholder 4"/>
+          <p:cNvSpPr>
+            <a:spLocks noGrp="1"/>
+          </p:cNvSpPr>
+          <p:nvPr>
+            <p:ph type="ftr" sz="quarter" idx="11"/>
+          </p:nvPr>
+        </p:nvSpPr>
+        <p:spPr/>
+        <p:txBody>
+          <a:bodyPr/>
+          <a:lstStyle/>
+          <a:p>
+            <a:r>
+              <a:rPr lang="en-US" smtClean="0"/>
+              <a:t>Jim Whitfield    http://tinyurl.com/scratch-beginners-1016</a:t>
+            </a:r>
+            <a:endParaRPr lang="en-US"/>
+          </a:p>
+        </p:txBody>
+      </p:sp>
     </p:spTree>
     <p:extLst>
       <p:ext uri="{BB962C8B-B14F-4D97-AF65-F5344CB8AC3E}">
@@ -16398,7 +17902,7 @@
                             </p:stCondLst>
                             <p:childTnLst>
                               <p:par>
-                                <p:cTn id="9" presetID="42" presetClass="entr" presetSubtype="0" fill="hold" grpId="0" nodeType="clickEffect">
+                                <p:cTn id="9" presetID="6" presetClass="entr" presetSubtype="32" fill="hold" nodeType="clickEffect">
                                   <p:stCondLst>
                                     <p:cond delay="0"/>
                                   </p:stCondLst>
@@ -16411,121 +17915,6 @@
                                           </p:stCondLst>
                                         </p:cTn>
                                         <p:tgtEl>
-                                          <p:spTgt spid="3">
-                                            <p:txEl>
-                                              <p:pRg st="0" end="0"/>
-                                            </p:txEl>
-                                          </p:spTgt>
-                                        </p:tgtEl>
-                                        <p:attrNameLst>
-                                          <p:attrName>style.visibility</p:attrName>
-                                        </p:attrNameLst>
-                                      </p:cBhvr>
-                                      <p:to>
-                                        <p:strVal val="visible"/>
-                                      </p:to>
-                                    </p:set>
-                                    <p:animEffect transition="in" filter="fade">
-                                      <p:cBhvr>
-                                        <p:cTn id="11" dur="1000"/>
-                                        <p:tgtEl>
-                                          <p:spTgt spid="3">
-                                            <p:txEl>
-                                              <p:pRg st="0" end="0"/>
-                                            </p:txEl>
-                                          </p:spTgt>
-                                        </p:tgtEl>
-                                      </p:cBhvr>
-                                    </p:animEffect>
-                                    <p:anim calcmode="lin" valueType="num">
-                                      <p:cBhvr>
-                                        <p:cTn id="12" dur="1000" fill="hold"/>
-                                        <p:tgtEl>
-                                          <p:spTgt spid="3">
-                                            <p:txEl>
-                                              <p:pRg st="0" end="0"/>
-                                            </p:txEl>
-                                          </p:spTgt>
-                                        </p:tgtEl>
-                                        <p:attrNameLst>
-                                          <p:attrName>ppt_x</p:attrName>
-                                        </p:attrNameLst>
-                                      </p:cBhvr>
-                                      <p:tavLst>
-                                        <p:tav tm="0">
-                                          <p:val>
-                                            <p:strVal val="#ppt_x"/>
-                                          </p:val>
-                                        </p:tav>
-                                        <p:tav tm="100000">
-                                          <p:val>
-                                            <p:strVal val="#ppt_x"/>
-                                          </p:val>
-                                        </p:tav>
-                                      </p:tavLst>
-                                    </p:anim>
-                                    <p:anim calcmode="lin" valueType="num">
-                                      <p:cBhvr>
-                                        <p:cTn id="13" dur="1000" fill="hold"/>
-                                        <p:tgtEl>
-                                          <p:spTgt spid="3">
-                                            <p:txEl>
-                                              <p:pRg st="0" end="0"/>
-                                            </p:txEl>
-                                          </p:spTgt>
-                                        </p:tgtEl>
-                                        <p:attrNameLst>
-                                          <p:attrName>ppt_y</p:attrName>
-                                        </p:attrNameLst>
-                                      </p:cBhvr>
-                                      <p:tavLst>
-                                        <p:tav tm="0">
-                                          <p:val>
-                                            <p:strVal val="#ppt_y+.1"/>
-                                          </p:val>
-                                        </p:tav>
-                                        <p:tav tm="100000">
-                                          <p:val>
-                                            <p:strVal val="#ppt_y"/>
-                                          </p:val>
-                                        </p:tav>
-                                      </p:tavLst>
-                                    </p:anim>
-                                  </p:childTnLst>
-                                </p:cTn>
-                              </p:par>
-                            </p:childTnLst>
-                          </p:cTn>
-                        </p:par>
-                      </p:childTnLst>
-                    </p:cTn>
-                  </p:par>
-                  <p:par>
-                    <p:cTn id="14" fill="hold">
-                      <p:stCondLst>
-                        <p:cond delay="indefinite"/>
-                      </p:stCondLst>
-                      <p:childTnLst>
-                        <p:par>
-                          <p:cTn id="15" fill="hold">
-                            <p:stCondLst>
-                              <p:cond delay="0"/>
-                            </p:stCondLst>
-                            <p:childTnLst>
-                              <p:par>
-                                <p:cTn id="16" presetID="6" presetClass="entr" presetSubtype="32" fill="hold" nodeType="clickEffect">
-                                  <p:stCondLst>
-                                    <p:cond delay="0"/>
-                                  </p:stCondLst>
-                                  <p:childTnLst>
-                                    <p:set>
-                                      <p:cBhvr>
-                                        <p:cTn id="17" dur="1" fill="hold">
-                                          <p:stCondLst>
-                                            <p:cond delay="0"/>
-                                          </p:stCondLst>
-                                        </p:cTn>
-                                        <p:tgtEl>
                                           <p:spTgt spid="4"/>
                                         </p:tgtEl>
                                         <p:attrNameLst>
@@ -16538,533 +17927,12 @@
                                     </p:set>
                                     <p:animEffect transition="in" filter="circle(out)">
                                       <p:cBhvr>
-                                        <p:cTn id="18" dur="1000"/>
+                                        <p:cTn id="11" dur="1000"/>
                                         <p:tgtEl>
                                           <p:spTgt spid="4"/>
                                         </p:tgtEl>
                                       </p:cBhvr>
                                     </p:animEffect>
-                                  </p:childTnLst>
-                                </p:cTn>
-                              </p:par>
-                              <p:par>
-                                <p:cTn id="19" presetID="42" presetClass="entr" presetSubtype="0" fill="hold" grpId="0" nodeType="withEffect">
-                                  <p:stCondLst>
-                                    <p:cond delay="0"/>
-                                  </p:stCondLst>
-                                  <p:childTnLst>
-                                    <p:set>
-                                      <p:cBhvr>
-                                        <p:cTn id="20" dur="1" fill="hold">
-                                          <p:stCondLst>
-                                            <p:cond delay="0"/>
-                                          </p:stCondLst>
-                                        </p:cTn>
-                                        <p:tgtEl>
-                                          <p:spTgt spid="3">
-                                            <p:txEl>
-                                              <p:pRg st="1" end="1"/>
-                                            </p:txEl>
-                                          </p:spTgt>
-                                        </p:tgtEl>
-                                        <p:attrNameLst>
-                                          <p:attrName>style.visibility</p:attrName>
-                                        </p:attrNameLst>
-                                      </p:cBhvr>
-                                      <p:to>
-                                        <p:strVal val="visible"/>
-                                      </p:to>
-                                    </p:set>
-                                    <p:animEffect transition="in" filter="fade">
-                                      <p:cBhvr>
-                                        <p:cTn id="21" dur="1000"/>
-                                        <p:tgtEl>
-                                          <p:spTgt spid="3">
-                                            <p:txEl>
-                                              <p:pRg st="1" end="1"/>
-                                            </p:txEl>
-                                          </p:spTgt>
-                                        </p:tgtEl>
-                                      </p:cBhvr>
-                                    </p:animEffect>
-                                    <p:anim calcmode="lin" valueType="num">
-                                      <p:cBhvr>
-                                        <p:cTn id="22" dur="1000" fill="hold"/>
-                                        <p:tgtEl>
-                                          <p:spTgt spid="3">
-                                            <p:txEl>
-                                              <p:pRg st="1" end="1"/>
-                                            </p:txEl>
-                                          </p:spTgt>
-                                        </p:tgtEl>
-                                        <p:attrNameLst>
-                                          <p:attrName>ppt_x</p:attrName>
-                                        </p:attrNameLst>
-                                      </p:cBhvr>
-                                      <p:tavLst>
-                                        <p:tav tm="0">
-                                          <p:val>
-                                            <p:strVal val="#ppt_x"/>
-                                          </p:val>
-                                        </p:tav>
-                                        <p:tav tm="100000">
-                                          <p:val>
-                                            <p:strVal val="#ppt_x"/>
-                                          </p:val>
-                                        </p:tav>
-                                      </p:tavLst>
-                                    </p:anim>
-                                    <p:anim calcmode="lin" valueType="num">
-                                      <p:cBhvr>
-                                        <p:cTn id="23" dur="1000" fill="hold"/>
-                                        <p:tgtEl>
-                                          <p:spTgt spid="3">
-                                            <p:txEl>
-                                              <p:pRg st="1" end="1"/>
-                                            </p:txEl>
-                                          </p:spTgt>
-                                        </p:tgtEl>
-                                        <p:attrNameLst>
-                                          <p:attrName>ppt_y</p:attrName>
-                                        </p:attrNameLst>
-                                      </p:cBhvr>
-                                      <p:tavLst>
-                                        <p:tav tm="0">
-                                          <p:val>
-                                            <p:strVal val="#ppt_y+.1"/>
-                                          </p:val>
-                                        </p:tav>
-                                        <p:tav tm="100000">
-                                          <p:val>
-                                            <p:strVal val="#ppt_y"/>
-                                          </p:val>
-                                        </p:tav>
-                                      </p:tavLst>
-                                    </p:anim>
-                                  </p:childTnLst>
-                                </p:cTn>
-                              </p:par>
-                              <p:par>
-                                <p:cTn id="24" presetID="42" presetClass="entr" presetSubtype="0" fill="hold" grpId="0" nodeType="withEffect">
-                                  <p:stCondLst>
-                                    <p:cond delay="0"/>
-                                  </p:stCondLst>
-                                  <p:childTnLst>
-                                    <p:set>
-                                      <p:cBhvr>
-                                        <p:cTn id="25" dur="1" fill="hold">
-                                          <p:stCondLst>
-                                            <p:cond delay="0"/>
-                                          </p:stCondLst>
-                                        </p:cTn>
-                                        <p:tgtEl>
-                                          <p:spTgt spid="3">
-                                            <p:txEl>
-                                              <p:pRg st="2" end="2"/>
-                                            </p:txEl>
-                                          </p:spTgt>
-                                        </p:tgtEl>
-                                        <p:attrNameLst>
-                                          <p:attrName>style.visibility</p:attrName>
-                                        </p:attrNameLst>
-                                      </p:cBhvr>
-                                      <p:to>
-                                        <p:strVal val="visible"/>
-                                      </p:to>
-                                    </p:set>
-                                    <p:animEffect transition="in" filter="fade">
-                                      <p:cBhvr>
-                                        <p:cTn id="26" dur="1000"/>
-                                        <p:tgtEl>
-                                          <p:spTgt spid="3">
-                                            <p:txEl>
-                                              <p:pRg st="2" end="2"/>
-                                            </p:txEl>
-                                          </p:spTgt>
-                                        </p:tgtEl>
-                                      </p:cBhvr>
-                                    </p:animEffect>
-                                    <p:anim calcmode="lin" valueType="num">
-                                      <p:cBhvr>
-                                        <p:cTn id="27" dur="1000" fill="hold"/>
-                                        <p:tgtEl>
-                                          <p:spTgt spid="3">
-                                            <p:txEl>
-                                              <p:pRg st="2" end="2"/>
-                                            </p:txEl>
-                                          </p:spTgt>
-                                        </p:tgtEl>
-                                        <p:attrNameLst>
-                                          <p:attrName>ppt_x</p:attrName>
-                                        </p:attrNameLst>
-                                      </p:cBhvr>
-                                      <p:tavLst>
-                                        <p:tav tm="0">
-                                          <p:val>
-                                            <p:strVal val="#ppt_x"/>
-                                          </p:val>
-                                        </p:tav>
-                                        <p:tav tm="100000">
-                                          <p:val>
-                                            <p:strVal val="#ppt_x"/>
-                                          </p:val>
-                                        </p:tav>
-                                      </p:tavLst>
-                                    </p:anim>
-                                    <p:anim calcmode="lin" valueType="num">
-                                      <p:cBhvr>
-                                        <p:cTn id="28" dur="1000" fill="hold"/>
-                                        <p:tgtEl>
-                                          <p:spTgt spid="3">
-                                            <p:txEl>
-                                              <p:pRg st="2" end="2"/>
-                                            </p:txEl>
-                                          </p:spTgt>
-                                        </p:tgtEl>
-                                        <p:attrNameLst>
-                                          <p:attrName>ppt_y</p:attrName>
-                                        </p:attrNameLst>
-                                      </p:cBhvr>
-                                      <p:tavLst>
-                                        <p:tav tm="0">
-                                          <p:val>
-                                            <p:strVal val="#ppt_y+.1"/>
-                                          </p:val>
-                                        </p:tav>
-                                        <p:tav tm="100000">
-                                          <p:val>
-                                            <p:strVal val="#ppt_y"/>
-                                          </p:val>
-                                        </p:tav>
-                                      </p:tavLst>
-                                    </p:anim>
-                                  </p:childTnLst>
-                                </p:cTn>
-                              </p:par>
-                              <p:par>
-                                <p:cTn id="29" presetID="42" presetClass="entr" presetSubtype="0" fill="hold" grpId="0" nodeType="withEffect">
-                                  <p:stCondLst>
-                                    <p:cond delay="0"/>
-                                  </p:stCondLst>
-                                  <p:childTnLst>
-                                    <p:set>
-                                      <p:cBhvr>
-                                        <p:cTn id="30" dur="1" fill="hold">
-                                          <p:stCondLst>
-                                            <p:cond delay="0"/>
-                                          </p:stCondLst>
-                                        </p:cTn>
-                                        <p:tgtEl>
-                                          <p:spTgt spid="3">
-                                            <p:txEl>
-                                              <p:pRg st="3" end="3"/>
-                                            </p:txEl>
-                                          </p:spTgt>
-                                        </p:tgtEl>
-                                        <p:attrNameLst>
-                                          <p:attrName>style.visibility</p:attrName>
-                                        </p:attrNameLst>
-                                      </p:cBhvr>
-                                      <p:to>
-                                        <p:strVal val="visible"/>
-                                      </p:to>
-                                    </p:set>
-                                    <p:animEffect transition="in" filter="fade">
-                                      <p:cBhvr>
-                                        <p:cTn id="31" dur="1000"/>
-                                        <p:tgtEl>
-                                          <p:spTgt spid="3">
-                                            <p:txEl>
-                                              <p:pRg st="3" end="3"/>
-                                            </p:txEl>
-                                          </p:spTgt>
-                                        </p:tgtEl>
-                                      </p:cBhvr>
-                                    </p:animEffect>
-                                    <p:anim calcmode="lin" valueType="num">
-                                      <p:cBhvr>
-                                        <p:cTn id="32" dur="1000" fill="hold"/>
-                                        <p:tgtEl>
-                                          <p:spTgt spid="3">
-                                            <p:txEl>
-                                              <p:pRg st="3" end="3"/>
-                                            </p:txEl>
-                                          </p:spTgt>
-                                        </p:tgtEl>
-                                        <p:attrNameLst>
-                                          <p:attrName>ppt_x</p:attrName>
-                                        </p:attrNameLst>
-                                      </p:cBhvr>
-                                      <p:tavLst>
-                                        <p:tav tm="0">
-                                          <p:val>
-                                            <p:strVal val="#ppt_x"/>
-                                          </p:val>
-                                        </p:tav>
-                                        <p:tav tm="100000">
-                                          <p:val>
-                                            <p:strVal val="#ppt_x"/>
-                                          </p:val>
-                                        </p:tav>
-                                      </p:tavLst>
-                                    </p:anim>
-                                    <p:anim calcmode="lin" valueType="num">
-                                      <p:cBhvr>
-                                        <p:cTn id="33" dur="1000" fill="hold"/>
-                                        <p:tgtEl>
-                                          <p:spTgt spid="3">
-                                            <p:txEl>
-                                              <p:pRg st="3" end="3"/>
-                                            </p:txEl>
-                                          </p:spTgt>
-                                        </p:tgtEl>
-                                        <p:attrNameLst>
-                                          <p:attrName>ppt_y</p:attrName>
-                                        </p:attrNameLst>
-                                      </p:cBhvr>
-                                      <p:tavLst>
-                                        <p:tav tm="0">
-                                          <p:val>
-                                            <p:strVal val="#ppt_y+.1"/>
-                                          </p:val>
-                                        </p:tav>
-                                        <p:tav tm="100000">
-                                          <p:val>
-                                            <p:strVal val="#ppt_y"/>
-                                          </p:val>
-                                        </p:tav>
-                                      </p:tavLst>
-                                    </p:anim>
-                                  </p:childTnLst>
-                                </p:cTn>
-                              </p:par>
-                            </p:childTnLst>
-                          </p:cTn>
-                        </p:par>
-                      </p:childTnLst>
-                    </p:cTn>
-                  </p:par>
-                  <p:par>
-                    <p:cTn id="34" fill="hold">
-                      <p:stCondLst>
-                        <p:cond delay="indefinite"/>
-                      </p:stCondLst>
-                      <p:childTnLst>
-                        <p:par>
-                          <p:cTn id="35" fill="hold">
-                            <p:stCondLst>
-                              <p:cond delay="0"/>
-                            </p:stCondLst>
-                            <p:childTnLst>
-                              <p:par>
-                                <p:cTn id="36" presetID="42" presetClass="entr" presetSubtype="0" fill="hold" grpId="0" nodeType="clickEffect">
-                                  <p:stCondLst>
-                                    <p:cond delay="0"/>
-                                  </p:stCondLst>
-                                  <p:childTnLst>
-                                    <p:set>
-                                      <p:cBhvr>
-                                        <p:cTn id="37" dur="1" fill="hold">
-                                          <p:stCondLst>
-                                            <p:cond delay="0"/>
-                                          </p:stCondLst>
-                                        </p:cTn>
-                                        <p:tgtEl>
-                                          <p:spTgt spid="3">
-                                            <p:txEl>
-                                              <p:pRg st="6" end="6"/>
-                                            </p:txEl>
-                                          </p:spTgt>
-                                        </p:tgtEl>
-                                        <p:attrNameLst>
-                                          <p:attrName>style.visibility</p:attrName>
-                                        </p:attrNameLst>
-                                      </p:cBhvr>
-                                      <p:to>
-                                        <p:strVal val="visible"/>
-                                      </p:to>
-                                    </p:set>
-                                    <p:animEffect transition="in" filter="fade">
-                                      <p:cBhvr>
-                                        <p:cTn id="38" dur="1000"/>
-                                        <p:tgtEl>
-                                          <p:spTgt spid="3">
-                                            <p:txEl>
-                                              <p:pRg st="6" end="6"/>
-                                            </p:txEl>
-                                          </p:spTgt>
-                                        </p:tgtEl>
-                                      </p:cBhvr>
-                                    </p:animEffect>
-                                    <p:anim calcmode="lin" valueType="num">
-                                      <p:cBhvr>
-                                        <p:cTn id="39" dur="1000" fill="hold"/>
-                                        <p:tgtEl>
-                                          <p:spTgt spid="3">
-                                            <p:txEl>
-                                              <p:pRg st="6" end="6"/>
-                                            </p:txEl>
-                                          </p:spTgt>
-                                        </p:tgtEl>
-                                        <p:attrNameLst>
-                                          <p:attrName>ppt_x</p:attrName>
-                                        </p:attrNameLst>
-                                      </p:cBhvr>
-                                      <p:tavLst>
-                                        <p:tav tm="0">
-                                          <p:val>
-                                            <p:strVal val="#ppt_x"/>
-                                          </p:val>
-                                        </p:tav>
-                                        <p:tav tm="100000">
-                                          <p:val>
-                                            <p:strVal val="#ppt_x"/>
-                                          </p:val>
-                                        </p:tav>
-                                      </p:tavLst>
-                                    </p:anim>
-                                    <p:anim calcmode="lin" valueType="num">
-                                      <p:cBhvr>
-                                        <p:cTn id="40" dur="1000" fill="hold"/>
-                                        <p:tgtEl>
-                                          <p:spTgt spid="3">
-                                            <p:txEl>
-                                              <p:pRg st="6" end="6"/>
-                                            </p:txEl>
-                                          </p:spTgt>
-                                        </p:tgtEl>
-                                        <p:attrNameLst>
-                                          <p:attrName>ppt_y</p:attrName>
-                                        </p:attrNameLst>
-                                      </p:cBhvr>
-                                      <p:tavLst>
-                                        <p:tav tm="0">
-                                          <p:val>
-                                            <p:strVal val="#ppt_y+.1"/>
-                                          </p:val>
-                                        </p:tav>
-                                        <p:tav tm="100000">
-                                          <p:val>
-                                            <p:strVal val="#ppt_y"/>
-                                          </p:val>
-                                        </p:tav>
-                                      </p:tavLst>
-                                    </p:anim>
-                                  </p:childTnLst>
-                                </p:cTn>
-                              </p:par>
-                            </p:childTnLst>
-                          </p:cTn>
-                        </p:par>
-                      </p:childTnLst>
-                    </p:cTn>
-                  </p:par>
-                  <p:par>
-                    <p:cTn id="41" fill="hold">
-                      <p:stCondLst>
-                        <p:cond delay="indefinite"/>
-                      </p:stCondLst>
-                      <p:childTnLst>
-                        <p:par>
-                          <p:cTn id="42" fill="hold">
-                            <p:stCondLst>
-                              <p:cond delay="0"/>
-                            </p:stCondLst>
-                            <p:childTnLst>
-                              <p:par>
-                                <p:cTn id="43" presetID="42" presetClass="entr" presetSubtype="0" fill="hold" grpId="0" nodeType="clickEffect">
-                                  <p:stCondLst>
-                                    <p:cond delay="0"/>
-                                  </p:stCondLst>
-                                  <p:childTnLst>
-                                    <p:set>
-                                      <p:cBhvr>
-                                        <p:cTn id="44" dur="1" fill="hold">
-                                          <p:stCondLst>
-                                            <p:cond delay="0"/>
-                                          </p:stCondLst>
-                                        </p:cTn>
-                                        <p:tgtEl>
-                                          <p:spTgt spid="3">
-                                            <p:txEl>
-                                              <p:pRg st="9" end="9"/>
-                                            </p:txEl>
-                                          </p:spTgt>
-                                        </p:tgtEl>
-                                        <p:attrNameLst>
-                                          <p:attrName>style.visibility</p:attrName>
-                                        </p:attrNameLst>
-                                      </p:cBhvr>
-                                      <p:to>
-                                        <p:strVal val="visible"/>
-                                      </p:to>
-                                    </p:set>
-                                    <p:animEffect transition="in" filter="fade">
-                                      <p:cBhvr>
-                                        <p:cTn id="45" dur="1000"/>
-                                        <p:tgtEl>
-                                          <p:spTgt spid="3">
-                                            <p:txEl>
-                                              <p:pRg st="9" end="9"/>
-                                            </p:txEl>
-                                          </p:spTgt>
-                                        </p:tgtEl>
-                                      </p:cBhvr>
-                                    </p:animEffect>
-                                    <p:anim calcmode="lin" valueType="num">
-                                      <p:cBhvr>
-                                        <p:cTn id="46" dur="1000" fill="hold"/>
-                                        <p:tgtEl>
-                                          <p:spTgt spid="3">
-                                            <p:txEl>
-                                              <p:pRg st="9" end="9"/>
-                                            </p:txEl>
-                                          </p:spTgt>
-                                        </p:tgtEl>
-                                        <p:attrNameLst>
-                                          <p:attrName>ppt_x</p:attrName>
-                                        </p:attrNameLst>
-                                      </p:cBhvr>
-                                      <p:tavLst>
-                                        <p:tav tm="0">
-                                          <p:val>
-                                            <p:strVal val="#ppt_x"/>
-                                          </p:val>
-                                        </p:tav>
-                                        <p:tav tm="100000">
-                                          <p:val>
-                                            <p:strVal val="#ppt_x"/>
-                                          </p:val>
-                                        </p:tav>
-                                      </p:tavLst>
-                                    </p:anim>
-                                    <p:anim calcmode="lin" valueType="num">
-                                      <p:cBhvr>
-                                        <p:cTn id="47" dur="1000" fill="hold"/>
-                                        <p:tgtEl>
-                                          <p:spTgt spid="3">
-                                            <p:txEl>
-                                              <p:pRg st="9" end="9"/>
-                                            </p:txEl>
-                                          </p:spTgt>
-                                        </p:tgtEl>
-                                        <p:attrNameLst>
-                                          <p:attrName>ppt_y</p:attrName>
-                                        </p:attrNameLst>
-                                      </p:cBhvr>
-                                      <p:tavLst>
-                                        <p:tav tm="0">
-                                          <p:val>
-                                            <p:strVal val="#ppt_y+.1"/>
-                                          </p:val>
-                                        </p:tav>
-                                        <p:tav tm="100000">
-                                          <p:val>
-                                            <p:strVal val="#ppt_y"/>
-                                          </p:val>
-                                        </p:tav>
-                                      </p:tavLst>
-                                    </p:anim>
                                   </p:childTnLst>
                                 </p:cTn>
                               </p:par>
@@ -17097,7 +17965,6 @@
     </p:tnLst>
     <p:bldLst>
       <p:bldP spid="2" grpId="0"/>
-      <p:bldP spid="3" grpId="0" uiExpand="1" build="p"/>
     </p:bldLst>
   </p:timing>
 </p:sld>
@@ -17168,7 +18035,7 @@
         </p:spPr>
         <p:txBody>
           <a:bodyPr>
-            <a:normAutofit fontScale="92500" lnSpcReduction="20000"/>
+            <a:normAutofit fontScale="77500" lnSpcReduction="20000"/>
           </a:bodyPr>
           <a:lstStyle/>
           <a:p>
@@ -17181,21 +18048,33 @@
             </a:r>
           </a:p>
           <a:p>
-            <a:pPr lvl="1"/>
+            <a:pPr lvl="1">
+              <a:lnSpc>
+                <a:spcPct val="120000"/>
+              </a:lnSpc>
+            </a:pPr>
             <a:r>
               <a:rPr lang="en-US" sz="3000" dirty="0" smtClean="0"/>
               <a:t>Wait for some time</a:t>
             </a:r>
           </a:p>
           <a:p>
-            <a:pPr lvl="1"/>
+            <a:pPr lvl="1">
+              <a:lnSpc>
+                <a:spcPct val="120000"/>
+              </a:lnSpc>
+            </a:pPr>
             <a:r>
               <a:rPr lang="en-US" sz="3000" dirty="0" smtClean="0"/>
               <a:t>Repeat Forever</a:t>
             </a:r>
           </a:p>
           <a:p>
-            <a:pPr lvl="1"/>
+            <a:pPr lvl="1">
+              <a:lnSpc>
+                <a:spcPct val="120000"/>
+              </a:lnSpc>
+            </a:pPr>
             <a:r>
               <a:rPr lang="en-US" sz="3000" dirty="0" smtClean="0"/>
               <a:t>Repeat a number of times</a:t>
@@ -17204,12 +18083,6 @@
           <a:p>
             <a:pPr lvl="1"/>
             <a:endParaRPr lang="en-US" sz="3000" dirty="0" smtClean="0"/>
-          </a:p>
-          <a:p>
-            <a:pPr marL="57150" indent="0">
-              <a:buNone/>
-            </a:pPr>
-            <a:endParaRPr lang="en-US" sz="1900" dirty="0" smtClean="0"/>
           </a:p>
           <a:p>
             <a:pPr marL="57150" indent="0">
@@ -17221,21 +18094,8 @@
                   <a:srgbClr val="0070C0"/>
                 </a:solidFill>
               </a:rPr>
-              <a:t>What is useful for </a:t>
-            </a:r>
-            <a:r>
-              <a:rPr lang="en-US" sz="3400" dirty="0" smtClean="0">
-                <a:solidFill>
-                  <a:srgbClr val="0070C0"/>
-                </a:solidFill>
-              </a:rPr>
-              <a:t>Batty-Pong?</a:t>
-            </a:r>
-            <a:endParaRPr lang="en-US" sz="3400" dirty="0" smtClean="0">
-              <a:solidFill>
-                <a:srgbClr val="0070C0"/>
-              </a:solidFill>
-            </a:endParaRPr>
+              <a:t>What is useful for Bat Away?</a:t>
+            </a:r>
           </a:p>
           <a:p>
             <a:pPr marL="514350" indent="-457200">
@@ -17262,15 +18122,7 @@
                   <a:srgbClr val="0070C0"/>
                 </a:solidFill>
               </a:rPr>
-              <a:t>for starting the game</a:t>
-            </a:r>
-            <a:r>
-              <a:rPr lang="en-US" sz="3400" dirty="0" smtClean="0">
-                <a:solidFill>
-                  <a:srgbClr val="0070C0"/>
-                </a:solidFill>
-              </a:rPr>
-              <a:t>?</a:t>
+              <a:t>for starting the game?</a:t>
             </a:r>
           </a:p>
           <a:p>
@@ -17286,15 +18138,35 @@
               </a:rPr>
               <a:t>for making the bat fly?</a:t>
             </a:r>
-            <a:endParaRPr lang="en-US" sz="3400" dirty="0" smtClean="0">
+          </a:p>
+          <a:p>
+            <a:pPr marL="342900" lvl="1" indent="0">
+              <a:buNone/>
+            </a:pPr>
+            <a:endParaRPr lang="en-US" dirty="0"/>
+          </a:p>
+          <a:p>
+            <a:pPr marL="0" indent="0">
+              <a:buNone/>
+            </a:pPr>
+            <a:r>
+              <a:rPr lang="en-US" sz="3100" dirty="0" smtClean="0">
+                <a:solidFill>
+                  <a:srgbClr val="FF0000"/>
+                </a:solidFill>
+              </a:rPr>
+              <a:t>Hey, what are those funny angled-things on the other controls?     </a:t>
+            </a:r>
+          </a:p>
+          <a:p>
+            <a:pPr marL="0" indent="0">
+              <a:buNone/>
+            </a:pPr>
+            <a:endParaRPr lang="en-US" sz="3100" dirty="0" smtClean="0">
               <a:solidFill>
-                <a:srgbClr val="0070C0"/>
+                <a:srgbClr val="FF0000"/>
               </a:solidFill>
             </a:endParaRPr>
-          </a:p>
-          <a:p>
-            <a:pPr lvl="1"/>
-            <a:endParaRPr lang="en-US" dirty="0"/>
           </a:p>
         </p:txBody>
       </p:sp>
@@ -17321,6 +18193,128 @@
           </a:prstGeom>
         </p:spPr>
       </p:pic>
+      <p:cxnSp>
+        <p:nvCxnSpPr>
+          <p:cNvPr id="6" name="Straight Arrow Connector 5"/>
+          <p:cNvCxnSpPr/>
+          <p:nvPr/>
+        </p:nvCxnSpPr>
+        <p:spPr>
+          <a:xfrm flipV="1">
+            <a:off x="4953000" y="2209800"/>
+            <a:ext cx="1639198" cy="381000"/>
+          </a:xfrm>
+          <a:prstGeom prst="straightConnector1">
+            <a:avLst/>
+          </a:prstGeom>
+          <a:ln>
+            <a:tailEnd type="triangle"/>
+          </a:ln>
+        </p:spPr>
+        <p:style>
+          <a:lnRef idx="1">
+            <a:schemeClr val="accent1"/>
+          </a:lnRef>
+          <a:fillRef idx="0">
+            <a:schemeClr val="accent1"/>
+          </a:fillRef>
+          <a:effectRef idx="0">
+            <a:schemeClr val="accent1"/>
+          </a:effectRef>
+          <a:fontRef idx="minor">
+            <a:schemeClr val="tx1"/>
+          </a:fontRef>
+        </p:style>
+      </p:cxnSp>
+      <p:cxnSp>
+        <p:nvCxnSpPr>
+          <p:cNvPr id="8" name="Straight Arrow Connector 7"/>
+          <p:cNvCxnSpPr/>
+          <p:nvPr/>
+        </p:nvCxnSpPr>
+        <p:spPr>
+          <a:xfrm>
+            <a:off x="4953000" y="2971800"/>
+            <a:ext cx="1752600" cy="228600"/>
+          </a:xfrm>
+          <a:prstGeom prst="straightConnector1">
+            <a:avLst/>
+          </a:prstGeom>
+          <a:ln>
+            <a:tailEnd type="triangle"/>
+          </a:ln>
+        </p:spPr>
+        <p:style>
+          <a:lnRef idx="1">
+            <a:schemeClr val="accent1"/>
+          </a:lnRef>
+          <a:fillRef idx="0">
+            <a:schemeClr val="accent1"/>
+          </a:fillRef>
+          <a:effectRef idx="0">
+            <a:schemeClr val="accent1"/>
+          </a:effectRef>
+          <a:fontRef idx="minor">
+            <a:schemeClr val="tx1"/>
+          </a:fontRef>
+        </p:style>
+      </p:cxnSp>
+      <p:cxnSp>
+        <p:nvCxnSpPr>
+          <p:cNvPr id="10" name="Straight Arrow Connector 9"/>
+          <p:cNvCxnSpPr/>
+          <p:nvPr/>
+        </p:nvCxnSpPr>
+        <p:spPr>
+          <a:xfrm flipV="1">
+            <a:off x="5029200" y="2667000"/>
+            <a:ext cx="1600200" cy="762000"/>
+          </a:xfrm>
+          <a:prstGeom prst="straightConnector1">
+            <a:avLst/>
+          </a:prstGeom>
+          <a:ln>
+            <a:tailEnd type="triangle"/>
+          </a:ln>
+        </p:spPr>
+        <p:style>
+          <a:lnRef idx="1">
+            <a:schemeClr val="accent1"/>
+          </a:lnRef>
+          <a:fillRef idx="0">
+            <a:schemeClr val="accent1"/>
+          </a:fillRef>
+          <a:effectRef idx="0">
+            <a:schemeClr val="accent1"/>
+          </a:effectRef>
+          <a:fontRef idx="minor">
+            <a:schemeClr val="tx1"/>
+          </a:fontRef>
+        </p:style>
+      </p:cxnSp>
+      <p:sp>
+        <p:nvSpPr>
+          <p:cNvPr id="5" name="Footer Placeholder 4"/>
+          <p:cNvSpPr>
+            <a:spLocks noGrp="1"/>
+          </p:cNvSpPr>
+          <p:nvPr>
+            <p:ph type="ftr" sz="quarter" idx="11"/>
+          </p:nvPr>
+        </p:nvSpPr>
+        <p:spPr/>
+        <p:txBody>
+          <a:bodyPr/>
+          <a:lstStyle/>
+          <a:p>
+            <a:r>
+              <a:rPr lang="en-US" smtClean="0"/>
+              <a:t>Jim Whitfield    http://tinyurl.com/scratch-beginners-1016</a:t>
+            </a:r>
+            <a:endParaRPr lang="en-US"/>
+          </a:p>
+        </p:txBody>
+      </p:sp>
     </p:spTree>
     <p:extLst>
       <p:ext uri="{BB962C8B-B14F-4D97-AF65-F5344CB8AC3E}">
@@ -17434,11 +18428,7 @@
             </a:pPr>
             <a:r>
               <a:rPr lang="en-US" dirty="0" smtClean="0"/>
-              <a:t>If &lt;condition&gt; then </a:t>
-            </a:r>
-            <a:r>
-              <a:rPr lang="en-US" dirty="0" smtClean="0"/>
-              <a:t>{</a:t>
+              <a:t>If &lt;condition&gt; then {</a:t>
             </a:r>
           </a:p>
           <a:p>
@@ -17451,11 +18441,7 @@
             </a:r>
             <a:r>
               <a:rPr lang="en-US" dirty="0" smtClean="0"/>
-              <a:t>  </a:t>
-            </a:r>
-            <a:r>
-              <a:rPr lang="en-US" dirty="0" smtClean="0"/>
-              <a:t>do this stuff</a:t>
+              <a:t>  do this stuff</a:t>
             </a:r>
           </a:p>
           <a:p>
@@ -17466,7 +18452,6 @@
               <a:rPr lang="en-US" dirty="0" smtClean="0"/>
               <a:t>}</a:t>
             </a:r>
-            <a:endParaRPr lang="en-US" dirty="0" smtClean="0"/>
           </a:p>
           <a:p>
             <a:pPr marL="0" indent="0">
@@ -17535,15 +18520,7 @@
             </a:pPr>
             <a:r>
               <a:rPr lang="en-US" dirty="0" smtClean="0"/>
-              <a:t>Repeat </a:t>
-            </a:r>
-            <a:r>
-              <a:rPr lang="en-US" dirty="0" smtClean="0"/>
-              <a:t>until &lt;condition</a:t>
-            </a:r>
-            <a:r>
-              <a:rPr lang="en-US" dirty="0" smtClean="0"/>
-              <a:t>&gt; {</a:t>
+              <a:t>Repeat until &lt;condition&gt; {</a:t>
             </a:r>
           </a:p>
           <a:p>
@@ -17552,7 +18529,7 @@
             </a:pPr>
             <a:r>
               <a:rPr lang="en-US" dirty="0" smtClean="0"/>
-              <a:t>   stuff</a:t>
+              <a:t>   more stuff</a:t>
             </a:r>
             <a:endParaRPr lang="en-US" dirty="0"/>
           </a:p>
@@ -17564,7 +18541,6 @@
               <a:rPr lang="en-US" dirty="0" smtClean="0"/>
               <a:t>}</a:t>
             </a:r>
-            <a:endParaRPr lang="en-US" dirty="0" smtClean="0"/>
           </a:p>
           <a:p>
             <a:endParaRPr lang="en-US" dirty="0"/>
@@ -17579,7 +18555,7 @@
                   <a:srgbClr val="0070C0"/>
                 </a:solidFill>
               </a:rPr>
-              <a:t>What is useful for PONG?</a:t>
+              <a:t>What is useful for Bat Away?</a:t>
             </a:r>
             <a:endParaRPr lang="en-US" dirty="0">
               <a:solidFill>
@@ -17597,8 +18573,8 @@
         </p:nvGrpSpPr>
         <p:grpSpPr>
           <a:xfrm>
-            <a:off x="4186518" y="914400"/>
-            <a:ext cx="4701398" cy="5676551"/>
+            <a:off x="2743200" y="914400"/>
+            <a:ext cx="6144716" cy="5676551"/>
             <a:chOff x="4186518" y="914400"/>
             <a:chExt cx="4701398" cy="5676551"/>
           </a:xfrm>
@@ -17673,8 +18649,8 @@
           </p:nvCxnSpPr>
           <p:spPr>
             <a:xfrm>
-              <a:off x="5638800" y="2056787"/>
-              <a:ext cx="1066800" cy="1981813"/>
+              <a:off x="4580115" y="1905000"/>
+              <a:ext cx="2125485" cy="2133600"/>
             </a:xfrm>
             <a:prstGeom prst="straightConnector1">
               <a:avLst/>
@@ -17706,41 +18682,8 @@
           </p:nvCxnSpPr>
           <p:spPr>
             <a:xfrm>
-              <a:off x="4186518" y="2582599"/>
-              <a:ext cx="2519082" cy="2294201"/>
-            </a:xfrm>
-            <a:prstGeom prst="straightConnector1">
-              <a:avLst/>
-            </a:prstGeom>
-            <a:ln>
-              <a:tailEnd type="arrow"/>
-            </a:ln>
-          </p:spPr>
-          <p:style>
-            <a:lnRef idx="1">
-              <a:schemeClr val="accent1"/>
-            </a:lnRef>
-            <a:fillRef idx="0">
-              <a:schemeClr val="accent1"/>
-            </a:fillRef>
-            <a:effectRef idx="0">
-              <a:schemeClr val="accent1"/>
-            </a:effectRef>
-            <a:fontRef idx="minor">
-              <a:schemeClr val="tx1"/>
-            </a:fontRef>
-          </p:style>
-        </p:cxnSp>
-        <p:cxnSp>
-          <p:nvCxnSpPr>
-            <p:cNvPr id="9" name="Straight Arrow Connector 8"/>
-            <p:cNvCxnSpPr/>
-            <p:nvPr/>
-          </p:nvCxnSpPr>
-          <p:spPr>
-            <a:xfrm>
-              <a:off x="4800600" y="4419600"/>
-              <a:ext cx="1905000" cy="990600"/>
+              <a:off x="4186518" y="3124200"/>
+              <a:ext cx="2519082" cy="1752600"/>
             </a:xfrm>
             <a:prstGeom prst="straightConnector1">
               <a:avLst/>
@@ -17772,8 +18715,8 @@
           </p:nvCxnSpPr>
           <p:spPr>
             <a:xfrm>
-              <a:off x="5029200" y="5029200"/>
-              <a:ext cx="1682318" cy="685800"/>
+              <a:off x="4580115" y="4953000"/>
+              <a:ext cx="2131403" cy="762000"/>
             </a:xfrm>
             <a:prstGeom prst="straightConnector1">
               <a:avLst/>
@@ -17822,6 +18765,29 @@
           </a:prstGeom>
         </p:spPr>
       </p:pic>
+      <p:sp>
+        <p:nvSpPr>
+          <p:cNvPr id="6" name="Footer Placeholder 5"/>
+          <p:cNvSpPr>
+            <a:spLocks noGrp="1"/>
+          </p:cNvSpPr>
+          <p:nvPr>
+            <p:ph type="ftr" sz="quarter" idx="11"/>
+          </p:nvPr>
+        </p:nvSpPr>
+        <p:spPr/>
+        <p:txBody>
+          <a:bodyPr/>
+          <a:lstStyle/>
+          <a:p>
+            <a:r>
+              <a:rPr lang="en-US" smtClean="0"/>
+              <a:t>Jim Whitfield    http://tinyurl.com/scratch-beginners-1016</a:t>
+            </a:r>
+            <a:endParaRPr lang="en-US"/>
+          </a:p>
+        </p:txBody>
+      </p:sp>
     </p:spTree>
     <p:extLst>
       <p:ext uri="{BB962C8B-B14F-4D97-AF65-F5344CB8AC3E}">
@@ -17847,1298 +18813,9 @@
   <p:timing>
     <p:tnLst>
       <p:par>
-        <p:cTn id="1" dur="indefinite" restart="never" nodeType="tmRoot">
-          <p:childTnLst>
-            <p:seq concurrent="1" nextAc="seek">
-              <p:cTn id="2" dur="indefinite" nodeType="mainSeq">
-                <p:childTnLst>
-                  <p:par>
-                    <p:cTn id="3" fill="hold">
-                      <p:stCondLst>
-                        <p:cond delay="indefinite"/>
-                      </p:stCondLst>
-                      <p:childTnLst>
-                        <p:par>
-                          <p:cTn id="4" fill="hold">
-                            <p:stCondLst>
-                              <p:cond delay="0"/>
-                            </p:stCondLst>
-                            <p:childTnLst>
-                              <p:par>
-                                <p:cTn id="5" presetID="1" presetClass="entr" presetSubtype="0" fill="hold" grpId="0" nodeType="clickEffect">
-                                  <p:stCondLst>
-                                    <p:cond delay="0"/>
-                                  </p:stCondLst>
-                                  <p:childTnLst>
-                                    <p:set>
-                                      <p:cBhvr>
-                                        <p:cTn id="6" dur="1" fill="hold">
-                                          <p:stCondLst>
-                                            <p:cond delay="0"/>
-                                          </p:stCondLst>
-                                        </p:cTn>
-                                        <p:tgtEl>
-                                          <p:spTgt spid="2"/>
-                                        </p:tgtEl>
-                                        <p:attrNameLst>
-                                          <p:attrName>style.visibility</p:attrName>
-                                        </p:attrNameLst>
-                                      </p:cBhvr>
-                                      <p:to>
-                                        <p:strVal val="visible"/>
-                                      </p:to>
-                                    </p:set>
-                                  </p:childTnLst>
-                                </p:cTn>
-                              </p:par>
-                              <p:par>
-                                <p:cTn id="7" presetID="10" presetClass="entr" presetSubtype="0" fill="hold" nodeType="withEffect">
-                                  <p:stCondLst>
-                                    <p:cond delay="0"/>
-                                  </p:stCondLst>
-                                  <p:childTnLst>
-                                    <p:set>
-                                      <p:cBhvr>
-                                        <p:cTn id="8" dur="1" fill="hold">
-                                          <p:stCondLst>
-                                            <p:cond delay="0"/>
-                                          </p:stCondLst>
-                                        </p:cTn>
-                                        <p:tgtEl>
-                                          <p:spTgt spid="4"/>
-                                        </p:tgtEl>
-                                        <p:attrNameLst>
-                                          <p:attrName>style.visibility</p:attrName>
-                                        </p:attrNameLst>
-                                      </p:cBhvr>
-                                      <p:to>
-                                        <p:strVal val="visible"/>
-                                      </p:to>
-                                    </p:set>
-                                    <p:animEffect transition="in" filter="fade">
-                                      <p:cBhvr>
-                                        <p:cTn id="9" dur="500"/>
-                                        <p:tgtEl>
-                                          <p:spTgt spid="4"/>
-                                        </p:tgtEl>
-                                      </p:cBhvr>
-                                    </p:animEffect>
-                                  </p:childTnLst>
-                                </p:cTn>
-                              </p:par>
-                              <p:par>
-                                <p:cTn id="10" presetID="2" presetClass="entr" presetSubtype="4" fill="hold" grpId="0" nodeType="withEffect">
-                                  <p:stCondLst>
-                                    <p:cond delay="0"/>
-                                  </p:stCondLst>
-                                  <p:childTnLst>
-                                    <p:set>
-                                      <p:cBhvr>
-                                        <p:cTn id="11" dur="1" fill="hold">
-                                          <p:stCondLst>
-                                            <p:cond delay="0"/>
-                                          </p:stCondLst>
-                                        </p:cTn>
-                                        <p:tgtEl>
-                                          <p:spTgt spid="3">
-                                            <p:txEl>
-                                              <p:pRg st="0" end="0"/>
-                                            </p:txEl>
-                                          </p:spTgt>
-                                        </p:tgtEl>
-                                        <p:attrNameLst>
-                                          <p:attrName>style.visibility</p:attrName>
-                                        </p:attrNameLst>
-                                      </p:cBhvr>
-                                      <p:to>
-                                        <p:strVal val="visible"/>
-                                      </p:to>
-                                    </p:set>
-                                    <p:anim calcmode="lin" valueType="num">
-                                      <p:cBhvr additive="base">
-                                        <p:cTn id="12" dur="500" fill="hold"/>
-                                        <p:tgtEl>
-                                          <p:spTgt spid="3">
-                                            <p:txEl>
-                                              <p:pRg st="0" end="0"/>
-                                            </p:txEl>
-                                          </p:spTgt>
-                                        </p:tgtEl>
-                                        <p:attrNameLst>
-                                          <p:attrName>ppt_x</p:attrName>
-                                        </p:attrNameLst>
-                                      </p:cBhvr>
-                                      <p:tavLst>
-                                        <p:tav tm="0">
-                                          <p:val>
-                                            <p:strVal val="#ppt_x"/>
-                                          </p:val>
-                                        </p:tav>
-                                        <p:tav tm="100000">
-                                          <p:val>
-                                            <p:strVal val="#ppt_x"/>
-                                          </p:val>
-                                        </p:tav>
-                                      </p:tavLst>
-                                    </p:anim>
-                                    <p:anim calcmode="lin" valueType="num">
-                                      <p:cBhvr additive="base">
-                                        <p:cTn id="13" dur="500" fill="hold"/>
-                                        <p:tgtEl>
-                                          <p:spTgt spid="3">
-                                            <p:txEl>
-                                              <p:pRg st="0" end="0"/>
-                                            </p:txEl>
-                                          </p:spTgt>
-                                        </p:tgtEl>
-                                        <p:attrNameLst>
-                                          <p:attrName>ppt_y</p:attrName>
-                                        </p:attrNameLst>
-                                      </p:cBhvr>
-                                      <p:tavLst>
-                                        <p:tav tm="0">
-                                          <p:val>
-                                            <p:strVal val="1+#ppt_h/2"/>
-                                          </p:val>
-                                        </p:tav>
-                                        <p:tav tm="100000">
-                                          <p:val>
-                                            <p:strVal val="#ppt_y"/>
-                                          </p:val>
-                                        </p:tav>
-                                      </p:tavLst>
-                                    </p:anim>
-                                  </p:childTnLst>
-                                </p:cTn>
-                              </p:par>
-                              <p:par>
-                                <p:cTn id="14" presetID="2" presetClass="entr" presetSubtype="4" fill="hold" grpId="0" nodeType="withEffect">
-                                  <p:stCondLst>
-                                    <p:cond delay="0"/>
-                                  </p:stCondLst>
-                                  <p:childTnLst>
-                                    <p:set>
-                                      <p:cBhvr>
-                                        <p:cTn id="15" dur="1" fill="hold">
-                                          <p:stCondLst>
-                                            <p:cond delay="0"/>
-                                          </p:stCondLst>
-                                        </p:cTn>
-                                        <p:tgtEl>
-                                          <p:spTgt spid="3">
-                                            <p:txEl>
-                                              <p:pRg st="1" end="1"/>
-                                            </p:txEl>
-                                          </p:spTgt>
-                                        </p:tgtEl>
-                                        <p:attrNameLst>
-                                          <p:attrName>style.visibility</p:attrName>
-                                        </p:attrNameLst>
-                                      </p:cBhvr>
-                                      <p:to>
-                                        <p:strVal val="visible"/>
-                                      </p:to>
-                                    </p:set>
-                                    <p:anim calcmode="lin" valueType="num">
-                                      <p:cBhvr additive="base">
-                                        <p:cTn id="16" dur="500" fill="hold"/>
-                                        <p:tgtEl>
-                                          <p:spTgt spid="3">
-                                            <p:txEl>
-                                              <p:pRg st="1" end="1"/>
-                                            </p:txEl>
-                                          </p:spTgt>
-                                        </p:tgtEl>
-                                        <p:attrNameLst>
-                                          <p:attrName>ppt_x</p:attrName>
-                                        </p:attrNameLst>
-                                      </p:cBhvr>
-                                      <p:tavLst>
-                                        <p:tav tm="0">
-                                          <p:val>
-                                            <p:strVal val="#ppt_x"/>
-                                          </p:val>
-                                        </p:tav>
-                                        <p:tav tm="100000">
-                                          <p:val>
-                                            <p:strVal val="#ppt_x"/>
-                                          </p:val>
-                                        </p:tav>
-                                      </p:tavLst>
-                                    </p:anim>
-                                    <p:anim calcmode="lin" valueType="num">
-                                      <p:cBhvr additive="base">
-                                        <p:cTn id="17" dur="500" fill="hold"/>
-                                        <p:tgtEl>
-                                          <p:spTgt spid="3">
-                                            <p:txEl>
-                                              <p:pRg st="1" end="1"/>
-                                            </p:txEl>
-                                          </p:spTgt>
-                                        </p:tgtEl>
-                                        <p:attrNameLst>
-                                          <p:attrName>ppt_y</p:attrName>
-                                        </p:attrNameLst>
-                                      </p:cBhvr>
-                                      <p:tavLst>
-                                        <p:tav tm="0">
-                                          <p:val>
-                                            <p:strVal val="1+#ppt_h/2"/>
-                                          </p:val>
-                                        </p:tav>
-                                        <p:tav tm="100000">
-                                          <p:val>
-                                            <p:strVal val="#ppt_y"/>
-                                          </p:val>
-                                        </p:tav>
-                                      </p:tavLst>
-                                    </p:anim>
-                                  </p:childTnLst>
-                                </p:cTn>
-                              </p:par>
-                              <p:par>
-                                <p:cTn id="18" presetID="2" presetClass="entr" presetSubtype="4" fill="hold" grpId="0" nodeType="withEffect">
-                                  <p:stCondLst>
-                                    <p:cond delay="0"/>
-                                  </p:stCondLst>
-                                  <p:childTnLst>
-                                    <p:set>
-                                      <p:cBhvr>
-                                        <p:cTn id="19" dur="1" fill="hold">
-                                          <p:stCondLst>
-                                            <p:cond delay="0"/>
-                                          </p:stCondLst>
-                                        </p:cTn>
-                                        <p:tgtEl>
-                                          <p:spTgt spid="3">
-                                            <p:txEl>
-                                              <p:pRg st="2" end="2"/>
-                                            </p:txEl>
-                                          </p:spTgt>
-                                        </p:tgtEl>
-                                        <p:attrNameLst>
-                                          <p:attrName>style.visibility</p:attrName>
-                                        </p:attrNameLst>
-                                      </p:cBhvr>
-                                      <p:to>
-                                        <p:strVal val="visible"/>
-                                      </p:to>
-                                    </p:set>
-                                    <p:anim calcmode="lin" valueType="num">
-                                      <p:cBhvr additive="base">
-                                        <p:cTn id="20" dur="500" fill="hold"/>
-                                        <p:tgtEl>
-                                          <p:spTgt spid="3">
-                                            <p:txEl>
-                                              <p:pRg st="2" end="2"/>
-                                            </p:txEl>
-                                          </p:spTgt>
-                                        </p:tgtEl>
-                                        <p:attrNameLst>
-                                          <p:attrName>ppt_x</p:attrName>
-                                        </p:attrNameLst>
-                                      </p:cBhvr>
-                                      <p:tavLst>
-                                        <p:tav tm="0">
-                                          <p:val>
-                                            <p:strVal val="#ppt_x"/>
-                                          </p:val>
-                                        </p:tav>
-                                        <p:tav tm="100000">
-                                          <p:val>
-                                            <p:strVal val="#ppt_x"/>
-                                          </p:val>
-                                        </p:tav>
-                                      </p:tavLst>
-                                    </p:anim>
-                                    <p:anim calcmode="lin" valueType="num">
-                                      <p:cBhvr additive="base">
-                                        <p:cTn id="21" dur="500" fill="hold"/>
-                                        <p:tgtEl>
-                                          <p:spTgt spid="3">
-                                            <p:txEl>
-                                              <p:pRg st="2" end="2"/>
-                                            </p:txEl>
-                                          </p:spTgt>
-                                        </p:tgtEl>
-                                        <p:attrNameLst>
-                                          <p:attrName>ppt_y</p:attrName>
-                                        </p:attrNameLst>
-                                      </p:cBhvr>
-                                      <p:tavLst>
-                                        <p:tav tm="0">
-                                          <p:val>
-                                            <p:strVal val="1+#ppt_h/2"/>
-                                          </p:val>
-                                        </p:tav>
-                                        <p:tav tm="100000">
-                                          <p:val>
-                                            <p:strVal val="#ppt_y"/>
-                                          </p:val>
-                                        </p:tav>
-                                      </p:tavLst>
-                                    </p:anim>
-                                  </p:childTnLst>
-                                </p:cTn>
-                              </p:par>
-                            </p:childTnLst>
-                          </p:cTn>
-                        </p:par>
-                      </p:childTnLst>
-                    </p:cTn>
-                  </p:par>
-                  <p:par>
-                    <p:cTn id="22" fill="hold">
-                      <p:stCondLst>
-                        <p:cond delay="indefinite"/>
-                      </p:stCondLst>
-                      <p:childTnLst>
-                        <p:par>
-                          <p:cTn id="23" fill="hold">
-                            <p:stCondLst>
-                              <p:cond delay="0"/>
-                            </p:stCondLst>
-                            <p:childTnLst>
-                              <p:par>
-                                <p:cTn id="24" presetID="2" presetClass="entr" presetSubtype="4" fill="hold" grpId="0" nodeType="clickEffect">
-                                  <p:stCondLst>
-                                    <p:cond delay="0"/>
-                                  </p:stCondLst>
-                                  <p:childTnLst>
-                                    <p:set>
-                                      <p:cBhvr>
-                                        <p:cTn id="25" dur="1" fill="hold">
-                                          <p:stCondLst>
-                                            <p:cond delay="0"/>
-                                          </p:stCondLst>
-                                        </p:cTn>
-                                        <p:tgtEl>
-                                          <p:spTgt spid="3">
-                                            <p:txEl>
-                                              <p:pRg st="4" end="4"/>
-                                            </p:txEl>
-                                          </p:spTgt>
-                                        </p:tgtEl>
-                                        <p:attrNameLst>
-                                          <p:attrName>style.visibility</p:attrName>
-                                        </p:attrNameLst>
-                                      </p:cBhvr>
-                                      <p:to>
-                                        <p:strVal val="visible"/>
-                                      </p:to>
-                                    </p:set>
-                                    <p:anim calcmode="lin" valueType="num">
-                                      <p:cBhvr additive="base">
-                                        <p:cTn id="26" dur="500" fill="hold"/>
-                                        <p:tgtEl>
-                                          <p:spTgt spid="3">
-                                            <p:txEl>
-                                              <p:pRg st="4" end="4"/>
-                                            </p:txEl>
-                                          </p:spTgt>
-                                        </p:tgtEl>
-                                        <p:attrNameLst>
-                                          <p:attrName>ppt_x</p:attrName>
-                                        </p:attrNameLst>
-                                      </p:cBhvr>
-                                      <p:tavLst>
-                                        <p:tav tm="0">
-                                          <p:val>
-                                            <p:strVal val="#ppt_x"/>
-                                          </p:val>
-                                        </p:tav>
-                                        <p:tav tm="100000">
-                                          <p:val>
-                                            <p:strVal val="#ppt_x"/>
-                                          </p:val>
-                                        </p:tav>
-                                      </p:tavLst>
-                                    </p:anim>
-                                    <p:anim calcmode="lin" valueType="num">
-                                      <p:cBhvr additive="base">
-                                        <p:cTn id="27" dur="500" fill="hold"/>
-                                        <p:tgtEl>
-                                          <p:spTgt spid="3">
-                                            <p:txEl>
-                                              <p:pRg st="4" end="4"/>
-                                            </p:txEl>
-                                          </p:spTgt>
-                                        </p:tgtEl>
-                                        <p:attrNameLst>
-                                          <p:attrName>ppt_y</p:attrName>
-                                        </p:attrNameLst>
-                                      </p:cBhvr>
-                                      <p:tavLst>
-                                        <p:tav tm="0">
-                                          <p:val>
-                                            <p:strVal val="1+#ppt_h/2"/>
-                                          </p:val>
-                                        </p:tav>
-                                        <p:tav tm="100000">
-                                          <p:val>
-                                            <p:strVal val="#ppt_y"/>
-                                          </p:val>
-                                        </p:tav>
-                                      </p:tavLst>
-                                    </p:anim>
-                                  </p:childTnLst>
-                                </p:cTn>
-                              </p:par>
-                            </p:childTnLst>
-                          </p:cTn>
-                        </p:par>
-                      </p:childTnLst>
-                    </p:cTn>
-                  </p:par>
-                  <p:par>
-                    <p:cTn id="28" fill="hold">
-                      <p:stCondLst>
-                        <p:cond delay="indefinite"/>
-                      </p:stCondLst>
-                      <p:childTnLst>
-                        <p:par>
-                          <p:cTn id="29" fill="hold">
-                            <p:stCondLst>
-                              <p:cond delay="0"/>
-                            </p:stCondLst>
-                            <p:childTnLst>
-                              <p:par>
-                                <p:cTn id="30" presetID="2" presetClass="entr" presetSubtype="4" fill="hold" grpId="0" nodeType="clickEffect">
-                                  <p:stCondLst>
-                                    <p:cond delay="0"/>
-                                  </p:stCondLst>
-                                  <p:childTnLst>
-                                    <p:set>
-                                      <p:cBhvr>
-                                        <p:cTn id="31" dur="1" fill="hold">
-                                          <p:stCondLst>
-                                            <p:cond delay="0"/>
-                                          </p:stCondLst>
-                                        </p:cTn>
-                                        <p:tgtEl>
-                                          <p:spTgt spid="3">
-                                            <p:txEl>
-                                              <p:pRg st="5" end="5"/>
-                                            </p:txEl>
-                                          </p:spTgt>
-                                        </p:tgtEl>
-                                        <p:attrNameLst>
-                                          <p:attrName>style.visibility</p:attrName>
-                                        </p:attrNameLst>
-                                      </p:cBhvr>
-                                      <p:to>
-                                        <p:strVal val="visible"/>
-                                      </p:to>
-                                    </p:set>
-                                    <p:anim calcmode="lin" valueType="num">
-                                      <p:cBhvr additive="base">
-                                        <p:cTn id="32" dur="500" fill="hold"/>
-                                        <p:tgtEl>
-                                          <p:spTgt spid="3">
-                                            <p:txEl>
-                                              <p:pRg st="5" end="5"/>
-                                            </p:txEl>
-                                          </p:spTgt>
-                                        </p:tgtEl>
-                                        <p:attrNameLst>
-                                          <p:attrName>ppt_x</p:attrName>
-                                        </p:attrNameLst>
-                                      </p:cBhvr>
-                                      <p:tavLst>
-                                        <p:tav tm="0">
-                                          <p:val>
-                                            <p:strVal val="#ppt_x"/>
-                                          </p:val>
-                                        </p:tav>
-                                        <p:tav tm="100000">
-                                          <p:val>
-                                            <p:strVal val="#ppt_x"/>
-                                          </p:val>
-                                        </p:tav>
-                                      </p:tavLst>
-                                    </p:anim>
-                                    <p:anim calcmode="lin" valueType="num">
-                                      <p:cBhvr additive="base">
-                                        <p:cTn id="33" dur="500" fill="hold"/>
-                                        <p:tgtEl>
-                                          <p:spTgt spid="3">
-                                            <p:txEl>
-                                              <p:pRg st="5" end="5"/>
-                                            </p:txEl>
-                                          </p:spTgt>
-                                        </p:tgtEl>
-                                        <p:attrNameLst>
-                                          <p:attrName>ppt_y</p:attrName>
-                                        </p:attrNameLst>
-                                      </p:cBhvr>
-                                      <p:tavLst>
-                                        <p:tav tm="0">
-                                          <p:val>
-                                            <p:strVal val="1+#ppt_h/2"/>
-                                          </p:val>
-                                        </p:tav>
-                                        <p:tav tm="100000">
-                                          <p:val>
-                                            <p:strVal val="#ppt_y"/>
-                                          </p:val>
-                                        </p:tav>
-                                      </p:tavLst>
-                                    </p:anim>
-                                  </p:childTnLst>
-                                </p:cTn>
-                              </p:par>
-                            </p:childTnLst>
-                          </p:cTn>
-                        </p:par>
-                      </p:childTnLst>
-                    </p:cTn>
-                  </p:par>
-                  <p:par>
-                    <p:cTn id="34" fill="hold">
-                      <p:stCondLst>
-                        <p:cond delay="indefinite"/>
-                      </p:stCondLst>
-                      <p:childTnLst>
-                        <p:par>
-                          <p:cTn id="35" fill="hold">
-                            <p:stCondLst>
-                              <p:cond delay="0"/>
-                            </p:stCondLst>
-                            <p:childTnLst>
-                              <p:par>
-                                <p:cTn id="36" presetID="2" presetClass="entr" presetSubtype="4" fill="hold" grpId="0" nodeType="clickEffect">
-                                  <p:stCondLst>
-                                    <p:cond delay="0"/>
-                                  </p:stCondLst>
-                                  <p:childTnLst>
-                                    <p:set>
-                                      <p:cBhvr>
-                                        <p:cTn id="37" dur="1" fill="hold">
-                                          <p:stCondLst>
-                                            <p:cond delay="0"/>
-                                          </p:stCondLst>
-                                        </p:cTn>
-                                        <p:tgtEl>
-                                          <p:spTgt spid="3">
-                                            <p:txEl>
-                                              <p:pRg st="6" end="6"/>
-                                            </p:txEl>
-                                          </p:spTgt>
-                                        </p:tgtEl>
-                                        <p:attrNameLst>
-                                          <p:attrName>style.visibility</p:attrName>
-                                        </p:attrNameLst>
-                                      </p:cBhvr>
-                                      <p:to>
-                                        <p:strVal val="visible"/>
-                                      </p:to>
-                                    </p:set>
-                                    <p:anim calcmode="lin" valueType="num">
-                                      <p:cBhvr additive="base">
-                                        <p:cTn id="38" dur="500" fill="hold"/>
-                                        <p:tgtEl>
-                                          <p:spTgt spid="3">
-                                            <p:txEl>
-                                              <p:pRg st="6" end="6"/>
-                                            </p:txEl>
-                                          </p:spTgt>
-                                        </p:tgtEl>
-                                        <p:attrNameLst>
-                                          <p:attrName>ppt_x</p:attrName>
-                                        </p:attrNameLst>
-                                      </p:cBhvr>
-                                      <p:tavLst>
-                                        <p:tav tm="0">
-                                          <p:val>
-                                            <p:strVal val="#ppt_x"/>
-                                          </p:val>
-                                        </p:tav>
-                                        <p:tav tm="100000">
-                                          <p:val>
-                                            <p:strVal val="#ppt_x"/>
-                                          </p:val>
-                                        </p:tav>
-                                      </p:tavLst>
-                                    </p:anim>
-                                    <p:anim calcmode="lin" valueType="num">
-                                      <p:cBhvr additive="base">
-                                        <p:cTn id="39" dur="500" fill="hold"/>
-                                        <p:tgtEl>
-                                          <p:spTgt spid="3">
-                                            <p:txEl>
-                                              <p:pRg st="6" end="6"/>
-                                            </p:txEl>
-                                          </p:spTgt>
-                                        </p:tgtEl>
-                                        <p:attrNameLst>
-                                          <p:attrName>ppt_y</p:attrName>
-                                        </p:attrNameLst>
-                                      </p:cBhvr>
-                                      <p:tavLst>
-                                        <p:tav tm="0">
-                                          <p:val>
-                                            <p:strVal val="1+#ppt_h/2"/>
-                                          </p:val>
-                                        </p:tav>
-                                        <p:tav tm="100000">
-                                          <p:val>
-                                            <p:strVal val="#ppt_y"/>
-                                          </p:val>
-                                        </p:tav>
-                                      </p:tavLst>
-                                    </p:anim>
-                                  </p:childTnLst>
-                                </p:cTn>
-                              </p:par>
-                            </p:childTnLst>
-                          </p:cTn>
-                        </p:par>
-                      </p:childTnLst>
-                    </p:cTn>
-                  </p:par>
-                  <p:par>
-                    <p:cTn id="40" fill="hold">
-                      <p:stCondLst>
-                        <p:cond delay="indefinite"/>
-                      </p:stCondLst>
-                      <p:childTnLst>
-                        <p:par>
-                          <p:cTn id="41" fill="hold">
-                            <p:stCondLst>
-                              <p:cond delay="0"/>
-                            </p:stCondLst>
-                            <p:childTnLst>
-                              <p:par>
-                                <p:cTn id="42" presetID="2" presetClass="entr" presetSubtype="4" fill="hold" grpId="0" nodeType="clickEffect">
-                                  <p:stCondLst>
-                                    <p:cond delay="0"/>
-                                  </p:stCondLst>
-                                  <p:childTnLst>
-                                    <p:set>
-                                      <p:cBhvr>
-                                        <p:cTn id="43" dur="1" fill="hold">
-                                          <p:stCondLst>
-                                            <p:cond delay="0"/>
-                                          </p:stCondLst>
-                                        </p:cTn>
-                                        <p:tgtEl>
-                                          <p:spTgt spid="3">
-                                            <p:txEl>
-                                              <p:pRg st="7" end="7"/>
-                                            </p:txEl>
-                                          </p:spTgt>
-                                        </p:tgtEl>
-                                        <p:attrNameLst>
-                                          <p:attrName>style.visibility</p:attrName>
-                                        </p:attrNameLst>
-                                      </p:cBhvr>
-                                      <p:to>
-                                        <p:strVal val="visible"/>
-                                      </p:to>
-                                    </p:set>
-                                    <p:anim calcmode="lin" valueType="num">
-                                      <p:cBhvr additive="base">
-                                        <p:cTn id="44" dur="500" fill="hold"/>
-                                        <p:tgtEl>
-                                          <p:spTgt spid="3">
-                                            <p:txEl>
-                                              <p:pRg st="7" end="7"/>
-                                            </p:txEl>
-                                          </p:spTgt>
-                                        </p:tgtEl>
-                                        <p:attrNameLst>
-                                          <p:attrName>ppt_x</p:attrName>
-                                        </p:attrNameLst>
-                                      </p:cBhvr>
-                                      <p:tavLst>
-                                        <p:tav tm="0">
-                                          <p:val>
-                                            <p:strVal val="#ppt_x"/>
-                                          </p:val>
-                                        </p:tav>
-                                        <p:tav tm="100000">
-                                          <p:val>
-                                            <p:strVal val="#ppt_x"/>
-                                          </p:val>
-                                        </p:tav>
-                                      </p:tavLst>
-                                    </p:anim>
-                                    <p:anim calcmode="lin" valueType="num">
-                                      <p:cBhvr additive="base">
-                                        <p:cTn id="45" dur="500" fill="hold"/>
-                                        <p:tgtEl>
-                                          <p:spTgt spid="3">
-                                            <p:txEl>
-                                              <p:pRg st="7" end="7"/>
-                                            </p:txEl>
-                                          </p:spTgt>
-                                        </p:tgtEl>
-                                        <p:attrNameLst>
-                                          <p:attrName>ppt_y</p:attrName>
-                                        </p:attrNameLst>
-                                      </p:cBhvr>
-                                      <p:tavLst>
-                                        <p:tav tm="0">
-                                          <p:val>
-                                            <p:strVal val="1+#ppt_h/2"/>
-                                          </p:val>
-                                        </p:tav>
-                                        <p:tav tm="100000">
-                                          <p:val>
-                                            <p:strVal val="#ppt_y"/>
-                                          </p:val>
-                                        </p:tav>
-                                      </p:tavLst>
-                                    </p:anim>
-                                  </p:childTnLst>
-                                </p:cTn>
-                              </p:par>
-                            </p:childTnLst>
-                          </p:cTn>
-                        </p:par>
-                      </p:childTnLst>
-                    </p:cTn>
-                  </p:par>
-                  <p:par>
-                    <p:cTn id="46" fill="hold">
-                      <p:stCondLst>
-                        <p:cond delay="indefinite"/>
-                      </p:stCondLst>
-                      <p:childTnLst>
-                        <p:par>
-                          <p:cTn id="47" fill="hold">
-                            <p:stCondLst>
-                              <p:cond delay="0"/>
-                            </p:stCondLst>
-                            <p:childTnLst>
-                              <p:par>
-                                <p:cTn id="48" presetID="2" presetClass="entr" presetSubtype="4" fill="hold" grpId="0" nodeType="clickEffect">
-                                  <p:stCondLst>
-                                    <p:cond delay="0"/>
-                                  </p:stCondLst>
-                                  <p:childTnLst>
-                                    <p:set>
-                                      <p:cBhvr>
-                                        <p:cTn id="49" dur="1" fill="hold">
-                                          <p:stCondLst>
-                                            <p:cond delay="0"/>
-                                          </p:stCondLst>
-                                        </p:cTn>
-                                        <p:tgtEl>
-                                          <p:spTgt spid="3">
-                                            <p:txEl>
-                                              <p:pRg st="8" end="8"/>
-                                            </p:txEl>
-                                          </p:spTgt>
-                                        </p:tgtEl>
-                                        <p:attrNameLst>
-                                          <p:attrName>style.visibility</p:attrName>
-                                        </p:attrNameLst>
-                                      </p:cBhvr>
-                                      <p:to>
-                                        <p:strVal val="visible"/>
-                                      </p:to>
-                                    </p:set>
-                                    <p:anim calcmode="lin" valueType="num">
-                                      <p:cBhvr additive="base">
-                                        <p:cTn id="50" dur="500" fill="hold"/>
-                                        <p:tgtEl>
-                                          <p:spTgt spid="3">
-                                            <p:txEl>
-                                              <p:pRg st="8" end="8"/>
-                                            </p:txEl>
-                                          </p:spTgt>
-                                        </p:tgtEl>
-                                        <p:attrNameLst>
-                                          <p:attrName>ppt_x</p:attrName>
-                                        </p:attrNameLst>
-                                      </p:cBhvr>
-                                      <p:tavLst>
-                                        <p:tav tm="0">
-                                          <p:val>
-                                            <p:strVal val="#ppt_x"/>
-                                          </p:val>
-                                        </p:tav>
-                                        <p:tav tm="100000">
-                                          <p:val>
-                                            <p:strVal val="#ppt_x"/>
-                                          </p:val>
-                                        </p:tav>
-                                      </p:tavLst>
-                                    </p:anim>
-                                    <p:anim calcmode="lin" valueType="num">
-                                      <p:cBhvr additive="base">
-                                        <p:cTn id="51" dur="500" fill="hold"/>
-                                        <p:tgtEl>
-                                          <p:spTgt spid="3">
-                                            <p:txEl>
-                                              <p:pRg st="8" end="8"/>
-                                            </p:txEl>
-                                          </p:spTgt>
-                                        </p:tgtEl>
-                                        <p:attrNameLst>
-                                          <p:attrName>ppt_y</p:attrName>
-                                        </p:attrNameLst>
-                                      </p:cBhvr>
-                                      <p:tavLst>
-                                        <p:tav tm="0">
-                                          <p:val>
-                                            <p:strVal val="1+#ppt_h/2"/>
-                                          </p:val>
-                                        </p:tav>
-                                        <p:tav tm="100000">
-                                          <p:val>
-                                            <p:strVal val="#ppt_y"/>
-                                          </p:val>
-                                        </p:tav>
-                                      </p:tavLst>
-                                    </p:anim>
-                                  </p:childTnLst>
-                                </p:cTn>
-                              </p:par>
-                            </p:childTnLst>
-                          </p:cTn>
-                        </p:par>
-                      </p:childTnLst>
-                    </p:cTn>
-                  </p:par>
-                  <p:par>
-                    <p:cTn id="52" fill="hold">
-                      <p:stCondLst>
-                        <p:cond delay="indefinite"/>
-                      </p:stCondLst>
-                      <p:childTnLst>
-                        <p:par>
-                          <p:cTn id="53" fill="hold">
-                            <p:stCondLst>
-                              <p:cond delay="0"/>
-                            </p:stCondLst>
-                            <p:childTnLst>
-                              <p:par>
-                                <p:cTn id="54" presetID="2" presetClass="entr" presetSubtype="4" fill="hold" grpId="0" nodeType="clickEffect">
-                                  <p:stCondLst>
-                                    <p:cond delay="0"/>
-                                  </p:stCondLst>
-                                  <p:childTnLst>
-                                    <p:set>
-                                      <p:cBhvr>
-                                        <p:cTn id="55" dur="1" fill="hold">
-                                          <p:stCondLst>
-                                            <p:cond delay="0"/>
-                                          </p:stCondLst>
-                                        </p:cTn>
-                                        <p:tgtEl>
-                                          <p:spTgt spid="3">
-                                            <p:txEl>
-                                              <p:pRg st="10" end="10"/>
-                                            </p:txEl>
-                                          </p:spTgt>
-                                        </p:tgtEl>
-                                        <p:attrNameLst>
-                                          <p:attrName>style.visibility</p:attrName>
-                                        </p:attrNameLst>
-                                      </p:cBhvr>
-                                      <p:to>
-                                        <p:strVal val="visible"/>
-                                      </p:to>
-                                    </p:set>
-                                    <p:anim calcmode="lin" valueType="num">
-                                      <p:cBhvr additive="base">
-                                        <p:cTn id="56" dur="500" fill="hold"/>
-                                        <p:tgtEl>
-                                          <p:spTgt spid="3">
-                                            <p:txEl>
-                                              <p:pRg st="10" end="10"/>
-                                            </p:txEl>
-                                          </p:spTgt>
-                                        </p:tgtEl>
-                                        <p:attrNameLst>
-                                          <p:attrName>ppt_x</p:attrName>
-                                        </p:attrNameLst>
-                                      </p:cBhvr>
-                                      <p:tavLst>
-                                        <p:tav tm="0">
-                                          <p:val>
-                                            <p:strVal val="#ppt_x"/>
-                                          </p:val>
-                                        </p:tav>
-                                        <p:tav tm="100000">
-                                          <p:val>
-                                            <p:strVal val="#ppt_x"/>
-                                          </p:val>
-                                        </p:tav>
-                                      </p:tavLst>
-                                    </p:anim>
-                                    <p:anim calcmode="lin" valueType="num">
-                                      <p:cBhvr additive="base">
-                                        <p:cTn id="57" dur="500" fill="hold"/>
-                                        <p:tgtEl>
-                                          <p:spTgt spid="3">
-                                            <p:txEl>
-                                              <p:pRg st="10" end="10"/>
-                                            </p:txEl>
-                                          </p:spTgt>
-                                        </p:tgtEl>
-                                        <p:attrNameLst>
-                                          <p:attrName>ppt_y</p:attrName>
-                                        </p:attrNameLst>
-                                      </p:cBhvr>
-                                      <p:tavLst>
-                                        <p:tav tm="0">
-                                          <p:val>
-                                            <p:strVal val="1+#ppt_h/2"/>
-                                          </p:val>
-                                        </p:tav>
-                                        <p:tav tm="100000">
-                                          <p:val>
-                                            <p:strVal val="#ppt_y"/>
-                                          </p:val>
-                                        </p:tav>
-                                      </p:tavLst>
-                                    </p:anim>
-                                  </p:childTnLst>
-                                </p:cTn>
-                              </p:par>
-                            </p:childTnLst>
-                          </p:cTn>
-                        </p:par>
-                      </p:childTnLst>
-                    </p:cTn>
-                  </p:par>
-                  <p:par>
-                    <p:cTn id="58" fill="hold">
-                      <p:stCondLst>
-                        <p:cond delay="indefinite"/>
-                      </p:stCondLst>
-                      <p:childTnLst>
-                        <p:par>
-                          <p:cTn id="59" fill="hold">
-                            <p:stCondLst>
-                              <p:cond delay="0"/>
-                            </p:stCondLst>
-                            <p:childTnLst>
-                              <p:par>
-                                <p:cTn id="60" presetID="2" presetClass="entr" presetSubtype="4" fill="hold" grpId="0" nodeType="clickEffect">
-                                  <p:stCondLst>
-                                    <p:cond delay="0"/>
-                                  </p:stCondLst>
-                                  <p:childTnLst>
-                                    <p:set>
-                                      <p:cBhvr>
-                                        <p:cTn id="61" dur="1" fill="hold">
-                                          <p:stCondLst>
-                                            <p:cond delay="0"/>
-                                          </p:stCondLst>
-                                        </p:cTn>
-                                        <p:tgtEl>
-                                          <p:spTgt spid="3">
-                                            <p:txEl>
-                                              <p:pRg st="11" end="11"/>
-                                            </p:txEl>
-                                          </p:spTgt>
-                                        </p:tgtEl>
-                                        <p:attrNameLst>
-                                          <p:attrName>style.visibility</p:attrName>
-                                        </p:attrNameLst>
-                                      </p:cBhvr>
-                                      <p:to>
-                                        <p:strVal val="visible"/>
-                                      </p:to>
-                                    </p:set>
-                                    <p:anim calcmode="lin" valueType="num">
-                                      <p:cBhvr additive="base">
-                                        <p:cTn id="62" dur="500" fill="hold"/>
-                                        <p:tgtEl>
-                                          <p:spTgt spid="3">
-                                            <p:txEl>
-                                              <p:pRg st="11" end="11"/>
-                                            </p:txEl>
-                                          </p:spTgt>
-                                        </p:tgtEl>
-                                        <p:attrNameLst>
-                                          <p:attrName>ppt_x</p:attrName>
-                                        </p:attrNameLst>
-                                      </p:cBhvr>
-                                      <p:tavLst>
-                                        <p:tav tm="0">
-                                          <p:val>
-                                            <p:strVal val="#ppt_x"/>
-                                          </p:val>
-                                        </p:tav>
-                                        <p:tav tm="100000">
-                                          <p:val>
-                                            <p:strVal val="#ppt_x"/>
-                                          </p:val>
-                                        </p:tav>
-                                      </p:tavLst>
-                                    </p:anim>
-                                    <p:anim calcmode="lin" valueType="num">
-                                      <p:cBhvr additive="base">
-                                        <p:cTn id="63" dur="500" fill="hold"/>
-                                        <p:tgtEl>
-                                          <p:spTgt spid="3">
-                                            <p:txEl>
-                                              <p:pRg st="11" end="11"/>
-                                            </p:txEl>
-                                          </p:spTgt>
-                                        </p:tgtEl>
-                                        <p:attrNameLst>
-                                          <p:attrName>ppt_y</p:attrName>
-                                        </p:attrNameLst>
-                                      </p:cBhvr>
-                                      <p:tavLst>
-                                        <p:tav tm="0">
-                                          <p:val>
-                                            <p:strVal val="1+#ppt_h/2"/>
-                                          </p:val>
-                                        </p:tav>
-                                        <p:tav tm="100000">
-                                          <p:val>
-                                            <p:strVal val="#ppt_y"/>
-                                          </p:val>
-                                        </p:tav>
-                                      </p:tavLst>
-                                    </p:anim>
-                                  </p:childTnLst>
-                                </p:cTn>
-                              </p:par>
-                            </p:childTnLst>
-                          </p:cTn>
-                        </p:par>
-                      </p:childTnLst>
-                    </p:cTn>
-                  </p:par>
-                  <p:par>
-                    <p:cTn id="64" fill="hold">
-                      <p:stCondLst>
-                        <p:cond delay="indefinite"/>
-                      </p:stCondLst>
-                      <p:childTnLst>
-                        <p:par>
-                          <p:cTn id="65" fill="hold">
-                            <p:stCondLst>
-                              <p:cond delay="0"/>
-                            </p:stCondLst>
-                            <p:childTnLst>
-                              <p:par>
-                                <p:cTn id="66" presetID="2" presetClass="entr" presetSubtype="4" fill="hold" grpId="0" nodeType="clickEffect">
-                                  <p:stCondLst>
-                                    <p:cond delay="0"/>
-                                  </p:stCondLst>
-                                  <p:childTnLst>
-                                    <p:set>
-                                      <p:cBhvr>
-                                        <p:cTn id="67" dur="1" fill="hold">
-                                          <p:stCondLst>
-                                            <p:cond delay="0"/>
-                                          </p:stCondLst>
-                                        </p:cTn>
-                                        <p:tgtEl>
-                                          <p:spTgt spid="3">
-                                            <p:txEl>
-                                              <p:pRg st="12" end="12"/>
-                                            </p:txEl>
-                                          </p:spTgt>
-                                        </p:tgtEl>
-                                        <p:attrNameLst>
-                                          <p:attrName>style.visibility</p:attrName>
-                                        </p:attrNameLst>
-                                      </p:cBhvr>
-                                      <p:to>
-                                        <p:strVal val="visible"/>
-                                      </p:to>
-                                    </p:set>
-                                    <p:anim calcmode="lin" valueType="num">
-                                      <p:cBhvr additive="base">
-                                        <p:cTn id="68" dur="500" fill="hold"/>
-                                        <p:tgtEl>
-                                          <p:spTgt spid="3">
-                                            <p:txEl>
-                                              <p:pRg st="12" end="12"/>
-                                            </p:txEl>
-                                          </p:spTgt>
-                                        </p:tgtEl>
-                                        <p:attrNameLst>
-                                          <p:attrName>ppt_x</p:attrName>
-                                        </p:attrNameLst>
-                                      </p:cBhvr>
-                                      <p:tavLst>
-                                        <p:tav tm="0">
-                                          <p:val>
-                                            <p:strVal val="#ppt_x"/>
-                                          </p:val>
-                                        </p:tav>
-                                        <p:tav tm="100000">
-                                          <p:val>
-                                            <p:strVal val="#ppt_x"/>
-                                          </p:val>
-                                        </p:tav>
-                                      </p:tavLst>
-                                    </p:anim>
-                                    <p:anim calcmode="lin" valueType="num">
-                                      <p:cBhvr additive="base">
-                                        <p:cTn id="69" dur="500" fill="hold"/>
-                                        <p:tgtEl>
-                                          <p:spTgt spid="3">
-                                            <p:txEl>
-                                              <p:pRg st="12" end="12"/>
-                                            </p:txEl>
-                                          </p:spTgt>
-                                        </p:tgtEl>
-                                        <p:attrNameLst>
-                                          <p:attrName>ppt_y</p:attrName>
-                                        </p:attrNameLst>
-                                      </p:cBhvr>
-                                      <p:tavLst>
-                                        <p:tav tm="0">
-                                          <p:val>
-                                            <p:strVal val="1+#ppt_h/2"/>
-                                          </p:val>
-                                        </p:tav>
-                                        <p:tav tm="100000">
-                                          <p:val>
-                                            <p:strVal val="#ppt_y"/>
-                                          </p:val>
-                                        </p:tav>
-                                      </p:tavLst>
-                                    </p:anim>
-                                  </p:childTnLst>
-                                </p:cTn>
-                              </p:par>
-                            </p:childTnLst>
-                          </p:cTn>
-                        </p:par>
-                      </p:childTnLst>
-                    </p:cTn>
-                  </p:par>
-                  <p:par>
-                    <p:cTn id="70" fill="hold">
-                      <p:stCondLst>
-                        <p:cond delay="indefinite"/>
-                      </p:stCondLst>
-                      <p:childTnLst>
-                        <p:par>
-                          <p:cTn id="71" fill="hold">
-                            <p:stCondLst>
-                              <p:cond delay="0"/>
-                            </p:stCondLst>
-                            <p:childTnLst>
-                              <p:par>
-                                <p:cTn id="72" presetID="2" presetClass="entr" presetSubtype="4" fill="hold" grpId="0" nodeType="clickEffect">
-                                  <p:stCondLst>
-                                    <p:cond delay="0"/>
-                                  </p:stCondLst>
-                                  <p:childTnLst>
-                                    <p:set>
-                                      <p:cBhvr>
-                                        <p:cTn id="73" dur="1" fill="hold">
-                                          <p:stCondLst>
-                                            <p:cond delay="0"/>
-                                          </p:stCondLst>
-                                        </p:cTn>
-                                        <p:tgtEl>
-                                          <p:spTgt spid="3">
-                                            <p:txEl>
-                                              <p:pRg st="14" end="14"/>
-                                            </p:txEl>
-                                          </p:spTgt>
-                                        </p:tgtEl>
-                                        <p:attrNameLst>
-                                          <p:attrName>style.visibility</p:attrName>
-                                        </p:attrNameLst>
-                                      </p:cBhvr>
-                                      <p:to>
-                                        <p:strVal val="visible"/>
-                                      </p:to>
-                                    </p:set>
-                                    <p:anim calcmode="lin" valueType="num">
-                                      <p:cBhvr additive="base">
-                                        <p:cTn id="74" dur="500" fill="hold"/>
-                                        <p:tgtEl>
-                                          <p:spTgt spid="3">
-                                            <p:txEl>
-                                              <p:pRg st="14" end="14"/>
-                                            </p:txEl>
-                                          </p:spTgt>
-                                        </p:tgtEl>
-                                        <p:attrNameLst>
-                                          <p:attrName>ppt_x</p:attrName>
-                                        </p:attrNameLst>
-                                      </p:cBhvr>
-                                      <p:tavLst>
-                                        <p:tav tm="0">
-                                          <p:val>
-                                            <p:strVal val="#ppt_x"/>
-                                          </p:val>
-                                        </p:tav>
-                                        <p:tav tm="100000">
-                                          <p:val>
-                                            <p:strVal val="#ppt_x"/>
-                                          </p:val>
-                                        </p:tav>
-                                      </p:tavLst>
-                                    </p:anim>
-                                    <p:anim calcmode="lin" valueType="num">
-                                      <p:cBhvr additive="base">
-                                        <p:cTn id="75" dur="500" fill="hold"/>
-                                        <p:tgtEl>
-                                          <p:spTgt spid="3">
-                                            <p:txEl>
-                                              <p:pRg st="14" end="14"/>
-                                            </p:txEl>
-                                          </p:spTgt>
-                                        </p:tgtEl>
-                                        <p:attrNameLst>
-                                          <p:attrName>ppt_y</p:attrName>
-                                        </p:attrNameLst>
-                                      </p:cBhvr>
-                                      <p:tavLst>
-                                        <p:tav tm="0">
-                                          <p:val>
-                                            <p:strVal val="1+#ppt_h/2"/>
-                                          </p:val>
-                                        </p:tav>
-                                        <p:tav tm="100000">
-                                          <p:val>
-                                            <p:strVal val="#ppt_y"/>
-                                          </p:val>
-                                        </p:tav>
-                                      </p:tavLst>
-                                    </p:anim>
-                                  </p:childTnLst>
-                                </p:cTn>
-                              </p:par>
-                            </p:childTnLst>
-                          </p:cTn>
-                        </p:par>
-                      </p:childTnLst>
-                    </p:cTn>
-                  </p:par>
-                </p:childTnLst>
-              </p:cTn>
-              <p:prevCondLst>
-                <p:cond evt="onPrev" delay="0">
-                  <p:tgtEl>
-                    <p:sldTgt/>
-                  </p:tgtEl>
-                </p:cond>
-              </p:prevCondLst>
-              <p:nextCondLst>
-                <p:cond evt="onNext" delay="0">
-                  <p:tgtEl>
-                    <p:sldTgt/>
-                  </p:tgtEl>
-                </p:cond>
-              </p:nextCondLst>
-            </p:seq>
-          </p:childTnLst>
-        </p:cTn>
+        <p:cTn id="1" dur="indefinite" restart="never" nodeType="tmRoot"/>
       </p:par>
     </p:tnLst>
-    <p:bldLst>
-      <p:bldP spid="2" grpId="0"/>
-      <p:bldP spid="3" grpId="0" uiExpand="1" build="p"/>
-    </p:bldLst>
   </p:timing>
 </p:sld>
 </file>
